--- a/documents/Verteidigung.pptx
+++ b/documents/Verteidigung.pptx
@@ -6,42 +6,46 @@
     <p:sldMasterId id="2147483701" r:id="rId5"/>
   </p:sldMasterIdLst>
   <p:notesMasterIdLst>
-    <p:notesMasterId r:id="rId36"/>
+    <p:notesMasterId r:id="rId40"/>
   </p:notesMasterIdLst>
   <p:handoutMasterIdLst>
-    <p:handoutMasterId r:id="rId37"/>
+    <p:handoutMasterId r:id="rId41"/>
   </p:handoutMasterIdLst>
   <p:sldIdLst>
     <p:sldId id="256" r:id="rId6"/>
     <p:sldId id="272" r:id="rId7"/>
     <p:sldId id="292" r:id="rId8"/>
-    <p:sldId id="293" r:id="rId9"/>
-    <p:sldId id="294" r:id="rId10"/>
-    <p:sldId id="295" r:id="rId11"/>
-    <p:sldId id="316" r:id="rId12"/>
-    <p:sldId id="296" r:id="rId13"/>
-    <p:sldId id="297" r:id="rId14"/>
-    <p:sldId id="317" r:id="rId15"/>
-    <p:sldId id="298" r:id="rId16"/>
-    <p:sldId id="299" r:id="rId17"/>
-    <p:sldId id="300" r:id="rId18"/>
-    <p:sldId id="301" r:id="rId19"/>
-    <p:sldId id="304" r:id="rId20"/>
-    <p:sldId id="302" r:id="rId21"/>
-    <p:sldId id="303" r:id="rId22"/>
-    <p:sldId id="305" r:id="rId23"/>
-    <p:sldId id="318" r:id="rId24"/>
-    <p:sldId id="306" r:id="rId25"/>
-    <p:sldId id="307" r:id="rId26"/>
-    <p:sldId id="308" r:id="rId27"/>
-    <p:sldId id="319" r:id="rId28"/>
-    <p:sldId id="314" r:id="rId29"/>
-    <p:sldId id="310" r:id="rId30"/>
-    <p:sldId id="311" r:id="rId31"/>
-    <p:sldId id="313" r:id="rId32"/>
-    <p:sldId id="312" r:id="rId33"/>
-    <p:sldId id="315" r:id="rId34"/>
-    <p:sldId id="261" r:id="rId35"/>
+    <p:sldId id="320" r:id="rId9"/>
+    <p:sldId id="321" r:id="rId10"/>
+    <p:sldId id="294" r:id="rId11"/>
+    <p:sldId id="293" r:id="rId12"/>
+    <p:sldId id="316" r:id="rId13"/>
+    <p:sldId id="295" r:id="rId14"/>
+    <p:sldId id="296" r:id="rId15"/>
+    <p:sldId id="297" r:id="rId16"/>
+    <p:sldId id="317" r:id="rId17"/>
+    <p:sldId id="298" r:id="rId18"/>
+    <p:sldId id="299" r:id="rId19"/>
+    <p:sldId id="300" r:id="rId20"/>
+    <p:sldId id="301" r:id="rId21"/>
+    <p:sldId id="322" r:id="rId22"/>
+    <p:sldId id="304" r:id="rId23"/>
+    <p:sldId id="302" r:id="rId24"/>
+    <p:sldId id="323" r:id="rId25"/>
+    <p:sldId id="303" r:id="rId26"/>
+    <p:sldId id="306" r:id="rId27"/>
+    <p:sldId id="305" r:id="rId28"/>
+    <p:sldId id="324" r:id="rId29"/>
+    <p:sldId id="307" r:id="rId30"/>
+    <p:sldId id="308" r:id="rId31"/>
+    <p:sldId id="319" r:id="rId32"/>
+    <p:sldId id="314" r:id="rId33"/>
+    <p:sldId id="310" r:id="rId34"/>
+    <p:sldId id="311" r:id="rId35"/>
+    <p:sldId id="313" r:id="rId36"/>
+    <p:sldId id="312" r:id="rId37"/>
+    <p:sldId id="315" r:id="rId38"/>
+    <p:sldId id="261" r:id="rId39"/>
   </p:sldIdLst>
   <p:sldSz cx="9144000" cy="5143500" type="screen16x9"/>
   <p:notesSz cx="6858000" cy="9144000"/>
@@ -395,7 +399,7 @@
           <a:p>
             <a:fld id="{2FD8B7F2-EFC7-41AB-808A-13F11FCCB5F3}" type="datetimeFigureOut">
               <a:rPr lang="de-DE" smtClean="0"/>
-              <a:t>30.05.2023</a:t>
+              <a:t>02.06.2023</a:t>
             </a:fld>
             <a:endParaRPr lang="de-DE"/>
           </a:p>
@@ -560,7 +564,7 @@
           <a:p>
             <a:fld id="{C92645F2-AA06-41ED-B356-41057E365081}" type="datetimeFigureOut">
               <a:rPr lang="de-DE" smtClean="0"/>
-              <a:t>30.05.2023</a:t>
+              <a:t>02.06.2023</a:t>
             </a:fld>
             <a:endParaRPr lang="de-DE"/>
           </a:p>
@@ -827,6 +831,352 @@
 </p:notesMaster>
 </file>
 
+<file path=ppt/notesSlides/notesSlide1.xml><?xml version="1.0" encoding="utf-8"?>
+<p:notes xmlns:a="http://schemas.openxmlformats.org/drawingml/2006/main" xmlns:r="http://schemas.openxmlformats.org/officeDocument/2006/relationships" xmlns:p="http://schemas.openxmlformats.org/presentationml/2006/main">
+  <p:cSld>
+    <p:spTree>
+      <p:nvGrpSpPr>
+        <p:cNvPr id="1" name=""/>
+        <p:cNvGrpSpPr/>
+        <p:nvPr/>
+      </p:nvGrpSpPr>
+      <p:grpSpPr>
+        <a:xfrm>
+          <a:off x="0" y="0"/>
+          <a:ext cx="0" cy="0"/>
+          <a:chOff x="0" y="0"/>
+          <a:chExt cx="0" cy="0"/>
+        </a:xfrm>
+      </p:grpSpPr>
+      <p:sp>
+        <p:nvSpPr>
+          <p:cNvPr id="2" name="Folienbildplatzhalter 1"/>
+          <p:cNvSpPr>
+            <a:spLocks noGrp="1" noRot="1" noChangeAspect="1"/>
+          </p:cNvSpPr>
+          <p:nvPr>
+            <p:ph type="sldImg"/>
+          </p:nvPr>
+        </p:nvSpPr>
+        <p:spPr/>
+      </p:sp>
+      <p:sp>
+        <p:nvSpPr>
+          <p:cNvPr id="3" name="Notizenplatzhalter 2"/>
+          <p:cNvSpPr>
+            <a:spLocks noGrp="1"/>
+          </p:cNvSpPr>
+          <p:nvPr>
+            <p:ph type="body" idx="1"/>
+          </p:nvPr>
+        </p:nvSpPr>
+        <p:spPr/>
+        <p:txBody>
+          <a:bodyPr/>
+          <a:lstStyle/>
+          <a:p>
+            <a:pPr marL="171450" indent="-171450">
+              <a:buFont typeface="Arial" panose="020B0604020202020204" pitchFamily="34" charset="0"/>
+              <a:buChar char="•"/>
+            </a:pPr>
+            <a:r>
+              <a:rPr lang="de-DE" dirty="0" smtClean="0"/>
+              <a:t>Genutzt für den Informationsaustausch</a:t>
+            </a:r>
+          </a:p>
+          <a:p>
+            <a:pPr marL="171450" indent="-171450">
+              <a:buFont typeface="Arial" panose="020B0604020202020204" pitchFamily="34" charset="0"/>
+              <a:buChar char="•"/>
+            </a:pPr>
+            <a:r>
+              <a:rPr lang="de-DE" dirty="0" smtClean="0"/>
+              <a:t>Kodiert folgende Daten:</a:t>
+            </a:r>
+          </a:p>
+          <a:p>
+            <a:pPr marL="628650" lvl="1" indent="-171450">
+              <a:buFont typeface="Arial" panose="020B0604020202020204" pitchFamily="34" charset="0"/>
+              <a:buChar char="•"/>
+            </a:pPr>
+            <a:r>
+              <a:rPr lang="de-DE" dirty="0" smtClean="0"/>
+              <a:t>Identität, Semantik, Attribute und Relationen von Objekten</a:t>
+            </a:r>
+          </a:p>
+          <a:p>
+            <a:pPr marL="628650" lvl="1" indent="-171450">
+              <a:buFont typeface="Arial" panose="020B0604020202020204" pitchFamily="34" charset="0"/>
+              <a:buChar char="•"/>
+            </a:pPr>
+            <a:r>
+              <a:rPr lang="de-DE" dirty="0" smtClean="0"/>
+              <a:t>Abstrakte Konzepte wie Performance oder Kosten</a:t>
+            </a:r>
+          </a:p>
+          <a:p>
+            <a:pPr marL="628650" lvl="1" indent="-171450">
+              <a:buFont typeface="Arial" panose="020B0604020202020204" pitchFamily="34" charset="0"/>
+              <a:buChar char="•"/>
+            </a:pPr>
+            <a:r>
+              <a:rPr lang="de-DE" dirty="0" smtClean="0"/>
+              <a:t>Prozesse wie z.B. Installationen und Operationen</a:t>
+            </a:r>
+          </a:p>
+          <a:p>
+            <a:pPr marL="628650" lvl="1" indent="-171450">
+              <a:buFont typeface="Arial" panose="020B0604020202020204" pitchFamily="34" charset="0"/>
+              <a:buChar char="•"/>
+            </a:pPr>
+            <a:r>
+              <a:rPr lang="de-DE" dirty="0" smtClean="0"/>
+              <a:t>Personen wie z.B. Eigentümer oder Lieferanten </a:t>
+            </a:r>
+            <a:endParaRPr lang="de-DE" dirty="0"/>
+          </a:p>
+        </p:txBody>
+      </p:sp>
+      <p:sp>
+        <p:nvSpPr>
+          <p:cNvPr id="4" name="Foliennummernplatzhalter 3"/>
+          <p:cNvSpPr>
+            <a:spLocks noGrp="1"/>
+          </p:cNvSpPr>
+          <p:nvPr>
+            <p:ph type="sldNum" sz="quarter" idx="10"/>
+          </p:nvPr>
+        </p:nvSpPr>
+        <p:spPr/>
+        <p:txBody>
+          <a:bodyPr/>
+          <a:lstStyle/>
+          <a:p>
+            <a:fld id="{4E7B3797-EFED-40A0-9845-1D9D30AE8FF6}" type="slidenum">
+              <a:rPr lang="de-DE" smtClean="0"/>
+              <a:t>9</a:t>
+            </a:fld>
+            <a:endParaRPr lang="de-DE"/>
+          </a:p>
+        </p:txBody>
+      </p:sp>
+    </p:spTree>
+    <p:extLst>
+      <p:ext uri="{BB962C8B-B14F-4D97-AF65-F5344CB8AC3E}">
+        <p14:creationId xmlns:p14="http://schemas.microsoft.com/office/powerpoint/2010/main" val="2247780973"/>
+      </p:ext>
+    </p:extLst>
+  </p:cSld>
+  <p:clrMapOvr>
+    <a:masterClrMapping/>
+  </p:clrMapOvr>
+</p:notes>
+</file>
+
+<file path=ppt/notesSlides/notesSlide2.xml><?xml version="1.0" encoding="utf-8"?>
+<p:notes xmlns:a="http://schemas.openxmlformats.org/drawingml/2006/main" xmlns:r="http://schemas.openxmlformats.org/officeDocument/2006/relationships" xmlns:p="http://schemas.openxmlformats.org/presentationml/2006/main">
+  <p:cSld>
+    <p:spTree>
+      <p:nvGrpSpPr>
+        <p:cNvPr id="1" name=""/>
+        <p:cNvGrpSpPr/>
+        <p:nvPr/>
+      </p:nvGrpSpPr>
+      <p:grpSpPr>
+        <a:xfrm>
+          <a:off x="0" y="0"/>
+          <a:ext cx="0" cy="0"/>
+          <a:chOff x="0" y="0"/>
+          <a:chExt cx="0" cy="0"/>
+        </a:xfrm>
+      </p:grpSpPr>
+      <p:sp>
+        <p:nvSpPr>
+          <p:cNvPr id="2" name="Folienbildplatzhalter 1"/>
+          <p:cNvSpPr>
+            <a:spLocks noGrp="1" noRot="1" noChangeAspect="1"/>
+          </p:cNvSpPr>
+          <p:nvPr>
+            <p:ph type="sldImg"/>
+          </p:nvPr>
+        </p:nvSpPr>
+        <p:spPr/>
+      </p:sp>
+      <p:sp>
+        <p:nvSpPr>
+          <p:cNvPr id="3" name="Notizenplatzhalter 2"/>
+          <p:cNvSpPr>
+            <a:spLocks noGrp="1"/>
+          </p:cNvSpPr>
+          <p:nvPr>
+            <p:ph type="body" idx="1"/>
+          </p:nvPr>
+        </p:nvSpPr>
+        <p:spPr/>
+        <p:txBody>
+          <a:bodyPr/>
+          <a:lstStyle/>
+          <a:p>
+            <a:pPr marL="171450" indent="-171450">
+              <a:buFont typeface="Arial" panose="020B0604020202020204" pitchFamily="34" charset="0"/>
+              <a:buChar char="•"/>
+            </a:pPr>
+            <a:r>
+              <a:rPr lang="de-DE" dirty="0" smtClean="0"/>
+              <a:t>um Gesamtkosten einer Baumaßnahme in unterteilten Kostengruppen auswerten zu können</a:t>
+            </a:r>
+          </a:p>
+          <a:p>
+            <a:pPr marL="171450" indent="-171450">
+              <a:buFont typeface="Arial" panose="020B0604020202020204" pitchFamily="34" charset="0"/>
+              <a:buChar char="•"/>
+            </a:pPr>
+            <a:r>
+              <a:rPr lang="de-DE" dirty="0" smtClean="0"/>
+              <a:t>Hierarchische</a:t>
+            </a:r>
+            <a:r>
+              <a:rPr lang="de-DE" baseline="0" dirty="0" smtClean="0"/>
+              <a:t> Abbildung der </a:t>
+            </a:r>
+            <a:r>
+              <a:rPr lang="de-DE" dirty="0" smtClean="0"/>
+              <a:t>Kosten</a:t>
+            </a:r>
+          </a:p>
+          <a:p>
+            <a:pPr marL="171450" indent="-171450">
+              <a:buFont typeface="Arial" panose="020B0604020202020204" pitchFamily="34" charset="0"/>
+              <a:buChar char="•"/>
+            </a:pPr>
+            <a:r>
+              <a:rPr lang="de-DE" dirty="0" smtClean="0"/>
+              <a:t>Über alle Projektphasen</a:t>
+            </a:r>
+            <a:endParaRPr lang="de-DE" dirty="0"/>
+          </a:p>
+        </p:txBody>
+      </p:sp>
+      <p:sp>
+        <p:nvSpPr>
+          <p:cNvPr id="4" name="Foliennummernplatzhalter 3"/>
+          <p:cNvSpPr>
+            <a:spLocks noGrp="1"/>
+          </p:cNvSpPr>
+          <p:nvPr>
+            <p:ph type="sldNum" sz="quarter" idx="10"/>
+          </p:nvPr>
+        </p:nvSpPr>
+        <p:spPr/>
+        <p:txBody>
+          <a:bodyPr/>
+          <a:lstStyle/>
+          <a:p>
+            <a:fld id="{4E7B3797-EFED-40A0-9845-1D9D30AE8FF6}" type="slidenum">
+              <a:rPr lang="de-DE" smtClean="0"/>
+              <a:t>11</a:t>
+            </a:fld>
+            <a:endParaRPr lang="de-DE"/>
+          </a:p>
+        </p:txBody>
+      </p:sp>
+    </p:spTree>
+    <p:extLst>
+      <p:ext uri="{BB962C8B-B14F-4D97-AF65-F5344CB8AC3E}">
+        <p14:creationId xmlns:p14="http://schemas.microsoft.com/office/powerpoint/2010/main" val="3199339382"/>
+      </p:ext>
+    </p:extLst>
+  </p:cSld>
+  <p:clrMapOvr>
+    <a:masterClrMapping/>
+  </p:clrMapOvr>
+</p:notes>
+</file>
+
+<file path=ppt/notesSlides/notesSlide3.xml><?xml version="1.0" encoding="utf-8"?>
+<p:notes xmlns:a="http://schemas.openxmlformats.org/drawingml/2006/main" xmlns:r="http://schemas.openxmlformats.org/officeDocument/2006/relationships" xmlns:p="http://schemas.openxmlformats.org/presentationml/2006/main">
+  <p:cSld>
+    <p:spTree>
+      <p:nvGrpSpPr>
+        <p:cNvPr id="1" name=""/>
+        <p:cNvGrpSpPr/>
+        <p:nvPr/>
+      </p:nvGrpSpPr>
+      <p:grpSpPr>
+        <a:xfrm>
+          <a:off x="0" y="0"/>
+          <a:ext cx="0" cy="0"/>
+          <a:chOff x="0" y="0"/>
+          <a:chExt cx="0" cy="0"/>
+        </a:xfrm>
+      </p:grpSpPr>
+      <p:sp>
+        <p:nvSpPr>
+          <p:cNvPr id="2" name="Folienbildplatzhalter 1"/>
+          <p:cNvSpPr>
+            <a:spLocks noGrp="1" noRot="1" noChangeAspect="1"/>
+          </p:cNvSpPr>
+          <p:nvPr>
+            <p:ph type="sldImg"/>
+          </p:nvPr>
+        </p:nvSpPr>
+        <p:spPr/>
+      </p:sp>
+      <p:sp>
+        <p:nvSpPr>
+          <p:cNvPr id="3" name="Notizenplatzhalter 2"/>
+          <p:cNvSpPr>
+            <a:spLocks noGrp="1"/>
+          </p:cNvSpPr>
+          <p:nvPr>
+            <p:ph type="body" idx="1"/>
+          </p:nvPr>
+        </p:nvSpPr>
+        <p:spPr/>
+        <p:txBody>
+          <a:bodyPr/>
+          <a:lstStyle/>
+          <a:p>
+            <a:endParaRPr lang="de-DE" dirty="0"/>
+          </a:p>
+        </p:txBody>
+      </p:sp>
+      <p:sp>
+        <p:nvSpPr>
+          <p:cNvPr id="4" name="Foliennummernplatzhalter 3"/>
+          <p:cNvSpPr>
+            <a:spLocks noGrp="1"/>
+          </p:cNvSpPr>
+          <p:nvPr>
+            <p:ph type="sldNum" sz="quarter" idx="10"/>
+          </p:nvPr>
+        </p:nvSpPr>
+        <p:spPr/>
+        <p:txBody>
+          <a:bodyPr/>
+          <a:lstStyle/>
+          <a:p>
+            <a:fld id="{4E7B3797-EFED-40A0-9845-1D9D30AE8FF6}" type="slidenum">
+              <a:rPr lang="de-DE" smtClean="0"/>
+              <a:t>26</a:t>
+            </a:fld>
+            <a:endParaRPr lang="de-DE"/>
+          </a:p>
+        </p:txBody>
+      </p:sp>
+    </p:spTree>
+    <p:extLst>
+      <p:ext uri="{BB962C8B-B14F-4D97-AF65-F5344CB8AC3E}">
+        <p14:creationId xmlns:p14="http://schemas.microsoft.com/office/powerpoint/2010/main" val="3465371601"/>
+      </p:ext>
+    </p:extLst>
+  </p:cSld>
+  <p:clrMapOvr>
+    <a:masterClrMapping/>
+  </p:clrMapOvr>
+</p:notes>
+</file>
+
 <file path=ppt/slideLayouts/slideLayout1.xml><?xml version="1.0" encoding="utf-8"?>
 <p:sldLayout xmlns:a="http://schemas.openxmlformats.org/drawingml/2006/main" xmlns:r="http://schemas.openxmlformats.org/officeDocument/2006/relationships" xmlns:p="http://schemas.openxmlformats.org/presentationml/2006/main" type="titleOnly" preserve="1">
   <p:cSld name="Vorspann (optional)">
@@ -972,6 +1322,56 @@
           </a:prstGeom>
         </p:spPr>
       </p:pic>
+      <p:sp>
+        <p:nvSpPr>
+          <p:cNvPr id="3" name="Rechteck 2"/>
+          <p:cNvSpPr/>
+          <p:nvPr userDrawn="1"/>
+        </p:nvSpPr>
+        <p:spPr>
+          <a:xfrm>
+            <a:off x="323528" y="4721388"/>
+            <a:ext cx="1152128" cy="360040"/>
+          </a:xfrm>
+          <a:prstGeom prst="rect">
+            <a:avLst/>
+          </a:prstGeom>
+          <a:solidFill>
+            <a:schemeClr val="bg1"/>
+          </a:solidFill>
+          <a:ln w="19050">
+            <a:noFill/>
+          </a:ln>
+        </p:spPr>
+        <p:style>
+          <a:lnRef idx="2">
+            <a:schemeClr val="accent1">
+              <a:shade val="50000"/>
+            </a:schemeClr>
+          </a:lnRef>
+          <a:fillRef idx="1">
+            <a:schemeClr val="accent1"/>
+          </a:fillRef>
+          <a:effectRef idx="0">
+            <a:schemeClr val="accent1"/>
+          </a:effectRef>
+          <a:fontRef idx="minor">
+            <a:schemeClr val="lt1"/>
+          </a:fontRef>
+        </p:style>
+        <p:txBody>
+          <a:bodyPr rtlCol="0" anchor="ctr"/>
+          <a:lstStyle/>
+          <a:p>
+            <a:pPr algn="ctr"/>
+            <a:endParaRPr lang="de-DE" dirty="0" smtClean="0">
+              <a:solidFill>
+                <a:schemeClr val="tx1"/>
+              </a:solidFill>
+            </a:endParaRPr>
+          </a:p>
+        </p:txBody>
+      </p:sp>
       <p:sp>
         <p:nvSpPr>
           <p:cNvPr id="9" name="Fußzeilenplatzhalter 4"/>
@@ -6350,12 +6750,12 @@
       </p:grpSpPr>
       <p:sp>
         <p:nvSpPr>
-          <p:cNvPr id="4" name="Titel 3"/>
+          <p:cNvPr id="3" name="Titel 2"/>
           <p:cNvSpPr>
             <a:spLocks noGrp="1"/>
           </p:cNvSpPr>
           <p:nvPr>
-            <p:ph type="ctrTitle"/>
+            <p:ph type="title"/>
           </p:nvPr>
         </p:nvSpPr>
         <p:spPr/>
@@ -6365,22 +6765,157 @@
           <a:p>
             <a:r>
               <a:rPr lang="de-DE" dirty="0" smtClean="0"/>
-              <a:t>Problemstellung und Anforderungen</a:t>
+              <a:t>IFC - Materialangabe</a:t>
             </a:r>
             <a:endParaRPr lang="de-DE" dirty="0"/>
           </a:p>
         </p:txBody>
       </p:sp>
+      <p:pic>
+        <p:nvPicPr>
+          <p:cNvPr id="4" name="Grafik 3"/>
+          <p:cNvPicPr>
+            <a:picLocks noChangeAspect="1"/>
+          </p:cNvPicPr>
+          <p:nvPr/>
+        </p:nvPicPr>
+        <p:blipFill>
+          <a:blip r:embed="rId2">
+            <a:extLst>
+              <a:ext uri="{28A0092B-C50C-407E-A947-70E740481C1C}">
+                <a14:useLocalDpi xmlns:a14="http://schemas.microsoft.com/office/drawing/2010/main" val="0"/>
+              </a:ext>
+            </a:extLst>
+          </a:blip>
+          <a:stretch>
+            <a:fillRect/>
+          </a:stretch>
+        </p:blipFill>
+        <p:spPr>
+          <a:xfrm>
+            <a:off x="481946" y="2069600"/>
+            <a:ext cx="8174320" cy="1668229"/>
+          </a:xfrm>
+          <a:prstGeom prst="rect">
+            <a:avLst/>
+          </a:prstGeom>
+        </p:spPr>
+      </p:pic>
+      <p:pic>
+        <p:nvPicPr>
+          <p:cNvPr id="5" name="Grafik 4"/>
+          <p:cNvPicPr>
+            <a:picLocks noChangeAspect="1"/>
+          </p:cNvPicPr>
+          <p:nvPr/>
+        </p:nvPicPr>
+        <p:blipFill>
+          <a:blip r:embed="rId3">
+            <a:extLst>
+              <a:ext uri="{28A0092B-C50C-407E-A947-70E740481C1C}">
+                <a14:useLocalDpi xmlns:a14="http://schemas.microsoft.com/office/drawing/2010/main" val="0"/>
+              </a:ext>
+            </a:extLst>
+          </a:blip>
+          <a:stretch>
+            <a:fillRect/>
+          </a:stretch>
+        </p:blipFill>
+        <p:spPr>
+          <a:xfrm>
+            <a:off x="481946" y="1765644"/>
+            <a:ext cx="8216307" cy="2276140"/>
+          </a:xfrm>
+          <a:prstGeom prst="rect">
+            <a:avLst/>
+          </a:prstGeom>
+        </p:spPr>
+      </p:pic>
     </p:spTree>
     <p:extLst>
       <p:ext uri="{BB962C8B-B14F-4D97-AF65-F5344CB8AC3E}">
-        <p14:creationId xmlns:p14="http://schemas.microsoft.com/office/powerpoint/2010/main" val="2519827206"/>
+        <p14:creationId xmlns:p14="http://schemas.microsoft.com/office/powerpoint/2010/main" val="633551961"/>
       </p:ext>
     </p:extLst>
   </p:cSld>
   <p:clrMapOvr>
     <a:masterClrMapping/>
   </p:clrMapOvr>
+  <p:timing>
+    <p:tnLst>
+      <p:par>
+        <p:cTn id="1" dur="indefinite" restart="never" nodeType="tmRoot">
+          <p:childTnLst>
+            <p:seq concurrent="1" nextAc="seek">
+              <p:cTn id="2" dur="indefinite" nodeType="mainSeq">
+                <p:childTnLst>
+                  <p:par>
+                    <p:cTn id="3" fill="hold">
+                      <p:stCondLst>
+                        <p:cond delay="indefinite"/>
+                      </p:stCondLst>
+                      <p:childTnLst>
+                        <p:par>
+                          <p:cTn id="4" fill="hold">
+                            <p:stCondLst>
+                              <p:cond delay="0"/>
+                            </p:stCondLst>
+                            <p:childTnLst>
+                              <p:par>
+                                <p:cTn id="5" presetID="1" presetClass="entr" presetSubtype="0" fill="hold" nodeType="clickEffect">
+                                  <p:stCondLst>
+                                    <p:cond delay="0"/>
+                                  </p:stCondLst>
+                                  <p:childTnLst>
+                                    <p:set>
+                                      <p:cBhvr>
+                                        <p:cTn id="6" dur="1" fill="hold">
+                                          <p:stCondLst>
+                                            <p:cond delay="0"/>
+                                          </p:stCondLst>
+                                        </p:cTn>
+                                        <p:tgtEl>
+                                          <p:spTgt spid="5"/>
+                                        </p:tgtEl>
+                                        <p:attrNameLst>
+                                          <p:attrName>style.visibility</p:attrName>
+                                        </p:attrNameLst>
+                                      </p:cBhvr>
+                                      <p:to>
+                                        <p:strVal val="visible"/>
+                                      </p:to>
+                                    </p:set>
+                                  </p:childTnLst>
+                                </p:cTn>
+                              </p:par>
+                            </p:childTnLst>
+                          </p:cTn>
+                        </p:par>
+                      </p:childTnLst>
+                    </p:cTn>
+                  </p:par>
+                </p:childTnLst>
+              </p:cTn>
+              <p:prevCondLst>
+                <p:cond evt="onPrev" delay="0">
+                  <p:tgtEl>
+                    <p:sldTgt/>
+                  </p:tgtEl>
+                </p:cond>
+              </p:prevCondLst>
+              <p:nextCondLst>
+                <p:cond evt="onNext" delay="0">
+                  <p:tgtEl>
+                    <p:sldTgt/>
+                  </p:tgtEl>
+                </p:cond>
+              </p:nextCondLst>
+            </p:seq>
+          </p:childTnLst>
+        </p:cTn>
+      </p:par>
+    </p:tnLst>
+  </p:timing>
 </p:sld>
 </file>
 
@@ -6401,25 +6936,35 @@
           <a:chExt cx="0" cy="0"/>
         </a:xfrm>
       </p:grpSpPr>
-      <p:sp>
-        <p:nvSpPr>
-          <p:cNvPr id="2" name="Inhaltsplatzhalter 1"/>
-          <p:cNvSpPr>
-            <a:spLocks noGrp="1"/>
-          </p:cNvSpPr>
+      <p:pic>
+        <p:nvPicPr>
+          <p:cNvPr id="4" name="Inhaltsplatzhalter 3"/>
+          <p:cNvPicPr>
+            <a:picLocks noGrp="1" noChangeAspect="1"/>
+          </p:cNvPicPr>
           <p:nvPr>
             <p:ph idx="1"/>
           </p:nvPr>
-        </p:nvSpPr>
-        <p:spPr/>
-        <p:txBody>
-          <a:bodyPr/>
-          <a:lstStyle/>
-          <a:p>
-            <a:endParaRPr lang="de-DE"/>
-          </a:p>
-        </p:txBody>
-      </p:sp>
+        </p:nvPicPr>
+        <p:blipFill>
+          <a:blip r:embed="rId3">
+            <a:extLst>
+              <a:ext uri="{28A0092B-C50C-407E-A947-70E740481C1C}">
+                <a14:useLocalDpi xmlns:a14="http://schemas.microsoft.com/office/drawing/2010/main" val="0"/>
+              </a:ext>
+            </a:extLst>
+          </a:blip>
+          <a:stretch>
+            <a:fillRect/>
+          </a:stretch>
+        </p:blipFill>
+        <p:spPr>
+          <a:xfrm>
+            <a:off x="1547664" y="1203598"/>
+            <a:ext cx="5647619" cy="3152381"/>
+          </a:xfrm>
+        </p:spPr>
+      </p:pic>
       <p:sp>
         <p:nvSpPr>
           <p:cNvPr id="3" name="Titel 2"/>
@@ -6437,7 +6982,7 @@
           <a:p>
             <a:r>
               <a:rPr lang="de-DE" dirty="0" smtClean="0"/>
-              <a:t>Problemstellungen</a:t>
+              <a:t>Kostengliederung</a:t>
             </a:r>
             <a:endParaRPr lang="de-DE" dirty="0"/>
           </a:p>
@@ -6446,13 +6991,20 @@
     </p:spTree>
     <p:extLst>
       <p:ext uri="{BB962C8B-B14F-4D97-AF65-F5344CB8AC3E}">
-        <p14:creationId xmlns:p14="http://schemas.microsoft.com/office/powerpoint/2010/main" val="1611740844"/>
+        <p14:creationId xmlns:p14="http://schemas.microsoft.com/office/powerpoint/2010/main" val="3443002452"/>
       </p:ext>
     </p:extLst>
   </p:cSld>
   <p:clrMapOvr>
     <a:masterClrMapping/>
   </p:clrMapOvr>
+  <p:timing>
+    <p:tnLst>
+      <p:par>
+        <p:cTn id="1" dur="indefinite" restart="never" nodeType="tmRoot"/>
+      </p:par>
+    </p:tnLst>
+  </p:timing>
 </p:sld>
 </file>
 
@@ -6475,12 +7027,12 @@
       </p:grpSpPr>
       <p:sp>
         <p:nvSpPr>
-          <p:cNvPr id="2" name="Inhaltsplatzhalter 1"/>
+          <p:cNvPr id="4" name="Titel 3"/>
           <p:cNvSpPr>
             <a:spLocks noGrp="1"/>
           </p:cNvSpPr>
           <p:nvPr>
-            <p:ph idx="1"/>
+            <p:ph type="ctrTitle"/>
           </p:nvPr>
         </p:nvSpPr>
         <p:spPr/>
@@ -6488,28 +7040,9 @@
           <a:bodyPr/>
           <a:lstStyle/>
           <a:p>
-            <a:endParaRPr lang="de-DE"/>
-          </a:p>
-        </p:txBody>
-      </p:sp>
-      <p:sp>
-        <p:nvSpPr>
-          <p:cNvPr id="3" name="Titel 2"/>
-          <p:cNvSpPr>
-            <a:spLocks noGrp="1"/>
-          </p:cNvSpPr>
-          <p:nvPr>
-            <p:ph type="title"/>
-          </p:nvPr>
-        </p:nvSpPr>
-        <p:spPr/>
-        <p:txBody>
-          <a:bodyPr/>
-          <a:lstStyle/>
-          <a:p>
             <a:r>
               <a:rPr lang="de-DE" dirty="0" smtClean="0"/>
-              <a:t>Anforderungen</a:t>
+              <a:t>Problemstellung und Anforderungen</a:t>
             </a:r>
             <a:endParaRPr lang="de-DE" dirty="0"/>
           </a:p>
@@ -6518,13 +7051,20 @@
     </p:spTree>
     <p:extLst>
       <p:ext uri="{BB962C8B-B14F-4D97-AF65-F5344CB8AC3E}">
-        <p14:creationId xmlns:p14="http://schemas.microsoft.com/office/powerpoint/2010/main" val="2618147271"/>
+        <p14:creationId xmlns:p14="http://schemas.microsoft.com/office/powerpoint/2010/main" val="2519827206"/>
       </p:ext>
     </p:extLst>
   </p:cSld>
   <p:clrMapOvr>
     <a:masterClrMapping/>
   </p:clrMapOvr>
+  <p:timing>
+    <p:tnLst>
+      <p:par>
+        <p:cTn id="1" dur="indefinite" restart="never" nodeType="tmRoot"/>
+      </p:par>
+    </p:tnLst>
+  </p:timing>
 </p:sld>
 </file>
 
@@ -6547,39 +7087,102 @@
       </p:grpSpPr>
       <p:sp>
         <p:nvSpPr>
-          <p:cNvPr id="4" name="Titel 3"/>
+          <p:cNvPr id="3" name="Titel 2"/>
           <p:cNvSpPr>
             <a:spLocks noGrp="1"/>
           </p:cNvSpPr>
           <p:nvPr>
-            <p:ph type="ctrTitle"/>
+            <p:ph type="title"/>
           </p:nvPr>
         </p:nvSpPr>
         <p:spPr/>
         <p:txBody>
-          <a:bodyPr>
-            <a:normAutofit/>
+          <a:bodyPr/>
+          <a:lstStyle/>
+          <a:p>
+            <a:r>
+              <a:rPr lang="de-DE" dirty="0" smtClean="0"/>
+              <a:t>Problemstellungen</a:t>
+            </a:r>
+            <a:endParaRPr lang="de-DE" dirty="0"/>
+          </a:p>
+        </p:txBody>
+      </p:sp>
+      <p:sp>
+        <p:nvSpPr>
+          <p:cNvPr id="4" name="Textfeld 3"/>
+          <p:cNvSpPr txBox="1"/>
+          <p:nvPr/>
+        </p:nvSpPr>
+        <p:spPr>
+          <a:xfrm>
+            <a:off x="1403648" y="1851670"/>
+            <a:ext cx="6552728" cy="646331"/>
+          </a:xfrm>
+          <a:prstGeom prst="rect">
+            <a:avLst/>
+          </a:prstGeom>
+          <a:noFill/>
+        </p:spPr>
+        <p:txBody>
+          <a:bodyPr wrap="square" rtlCol="0">
+            <a:spAutoFit/>
           </a:bodyPr>
           <a:lstStyle/>
           <a:p>
             <a:r>
               <a:rPr lang="de-DE" dirty="0" smtClean="0"/>
-              <a:t>Konzeption</a:t>
+              <a:t>Wie lässt sich am besten eine Liste vom Materialbezeichnungen in eine hierarchische Material-Kostengliederung strukturieren?</a:t>
             </a:r>
             <a:endParaRPr lang="de-DE" dirty="0"/>
+          </a:p>
+        </p:txBody>
+      </p:sp>
+      <p:sp>
+        <p:nvSpPr>
+          <p:cNvPr id="5" name="Rechteck 4"/>
+          <p:cNvSpPr/>
+          <p:nvPr/>
+        </p:nvSpPr>
+        <p:spPr>
+          <a:xfrm>
+            <a:off x="1403648" y="3147814"/>
+            <a:ext cx="6264696" cy="646331"/>
+          </a:xfrm>
+          <a:prstGeom prst="rect">
+            <a:avLst/>
+          </a:prstGeom>
+        </p:spPr>
+        <p:txBody>
+          <a:bodyPr wrap="square">
+            <a:spAutoFit/>
+          </a:bodyPr>
+          <a:lstStyle/>
+          <a:p>
+            <a:r>
+              <a:rPr lang="de-DE" dirty="0"/>
+              <a:t>Welcher NLP Algorithmus eignet sich am besten für das Klassifizieren und Strukturieren von Material-Daten?</a:t>
+            </a:r>
           </a:p>
         </p:txBody>
       </p:sp>
     </p:spTree>
     <p:extLst>
       <p:ext uri="{BB962C8B-B14F-4D97-AF65-F5344CB8AC3E}">
-        <p14:creationId xmlns:p14="http://schemas.microsoft.com/office/powerpoint/2010/main" val="1056600037"/>
+        <p14:creationId xmlns:p14="http://schemas.microsoft.com/office/powerpoint/2010/main" val="1611740844"/>
       </p:ext>
     </p:extLst>
   </p:cSld>
   <p:clrMapOvr>
     <a:masterClrMapping/>
   </p:clrMapOvr>
+  <p:timing>
+    <p:tnLst>
+      <p:par>
+        <p:cTn id="1" dur="indefinite" restart="never" nodeType="tmRoot"/>
+      </p:par>
+    </p:tnLst>
+  </p:timing>
 </p:sld>
 </file>
 
@@ -6602,25 +7205,6 @@
       </p:grpSpPr>
       <p:sp>
         <p:nvSpPr>
-          <p:cNvPr id="4" name="Inhaltsplatzhalter 3"/>
-          <p:cNvSpPr>
-            <a:spLocks noGrp="1"/>
-          </p:cNvSpPr>
-          <p:nvPr>
-            <p:ph idx="1"/>
-          </p:nvPr>
-        </p:nvSpPr>
-        <p:spPr/>
-        <p:txBody>
-          <a:bodyPr/>
-          <a:lstStyle/>
-          <a:p>
-            <a:endParaRPr lang="de-DE"/>
-          </a:p>
-        </p:txBody>
-      </p:sp>
-      <p:sp>
-        <p:nvSpPr>
           <p:cNvPr id="3" name="Titel 2"/>
           <p:cNvSpPr>
             <a:spLocks noGrp="1"/>
@@ -6636,22 +7220,168 @@
           <a:p>
             <a:r>
               <a:rPr lang="de-DE" dirty="0" smtClean="0"/>
-              <a:t>Architektur</a:t>
+              <a:t>Anforderungen</a:t>
             </a:r>
             <a:endParaRPr lang="de-DE" dirty="0"/>
           </a:p>
         </p:txBody>
       </p:sp>
+      <p:pic>
+        <p:nvPicPr>
+          <p:cNvPr id="4" name="Grafik 3"/>
+          <p:cNvPicPr>
+            <a:picLocks noChangeAspect="1"/>
+          </p:cNvPicPr>
+          <p:nvPr/>
+        </p:nvPicPr>
+        <p:blipFill>
+          <a:blip r:embed="rId2">
+            <a:extLst>
+              <a:ext uri="{28A0092B-C50C-407E-A947-70E740481C1C}">
+                <a14:useLocalDpi xmlns:a14="http://schemas.microsoft.com/office/drawing/2010/main" val="0"/>
+              </a:ext>
+            </a:extLst>
+          </a:blip>
+          <a:stretch>
+            <a:fillRect/>
+          </a:stretch>
+        </p:blipFill>
+        <p:spPr>
+          <a:xfrm>
+            <a:off x="395536" y="915566"/>
+            <a:ext cx="5480838" cy="3685391"/>
+          </a:xfrm>
+          <a:prstGeom prst="rect">
+            <a:avLst/>
+          </a:prstGeom>
+        </p:spPr>
+      </p:pic>
+      <p:pic>
+        <p:nvPicPr>
+          <p:cNvPr id="2050" name="Picture 2" descr="C-Sharp – Wikipedia"/>
+          <p:cNvPicPr>
+            <a:picLocks noChangeAspect="1" noChangeArrowheads="1"/>
+          </p:cNvPicPr>
+          <p:nvPr/>
+        </p:nvPicPr>
+        <p:blipFill>
+          <a:blip r:embed="rId3" cstate="print">
+            <a:extLst>
+              <a:ext uri="{28A0092B-C50C-407E-A947-70E740481C1C}">
+                <a14:useLocalDpi xmlns:a14="http://schemas.microsoft.com/office/drawing/2010/main" val="0"/>
+              </a:ext>
+            </a:extLst>
+          </a:blip>
+          <a:srcRect/>
+          <a:stretch>
+            <a:fillRect/>
+          </a:stretch>
+        </p:blipFill>
+        <p:spPr bwMode="auto">
+          <a:xfrm>
+            <a:off x="6588224" y="2067694"/>
+            <a:ext cx="1676325" cy="1676325"/>
+          </a:xfrm>
+          <a:prstGeom prst="rect">
+            <a:avLst/>
+          </a:prstGeom>
+          <a:noFill/>
+          <a:extLst>
+            <a:ext uri="{909E8E84-426E-40DD-AFC4-6F175D3DCCD1}">
+              <a14:hiddenFill xmlns:a14="http://schemas.microsoft.com/office/drawing/2010/main">
+                <a:solidFill>
+                  <a:srgbClr val="FFFFFF"/>
+                </a:solidFill>
+              </a14:hiddenFill>
+            </a:ext>
+          </a:extLst>
+        </p:spPr>
+      </p:pic>
     </p:spTree>
     <p:extLst>
       <p:ext uri="{BB962C8B-B14F-4D97-AF65-F5344CB8AC3E}">
-        <p14:creationId xmlns:p14="http://schemas.microsoft.com/office/powerpoint/2010/main" val="244978316"/>
+        <p14:creationId xmlns:p14="http://schemas.microsoft.com/office/powerpoint/2010/main" val="2618147271"/>
       </p:ext>
     </p:extLst>
   </p:cSld>
   <p:clrMapOvr>
     <a:masterClrMapping/>
   </p:clrMapOvr>
+  <p:timing>
+    <p:tnLst>
+      <p:par>
+        <p:cTn id="1" dur="indefinite" restart="never" nodeType="tmRoot">
+          <p:childTnLst>
+            <p:seq concurrent="1" nextAc="seek">
+              <p:cTn id="2" dur="indefinite" nodeType="mainSeq">
+                <p:childTnLst>
+                  <p:par>
+                    <p:cTn id="3" fill="hold">
+                      <p:stCondLst>
+                        <p:cond delay="indefinite"/>
+                      </p:stCondLst>
+                      <p:childTnLst>
+                        <p:par>
+                          <p:cTn id="4" fill="hold">
+                            <p:stCondLst>
+                              <p:cond delay="0"/>
+                            </p:stCondLst>
+                            <p:childTnLst>
+                              <p:par>
+                                <p:cTn id="5" presetID="1" presetClass="entr" presetSubtype="0" fill="hold" nodeType="clickEffect">
+                                  <p:stCondLst>
+                                    <p:cond delay="0"/>
+                                  </p:stCondLst>
+                                  <p:childTnLst>
+                                    <p:set>
+                                      <p:cBhvr>
+                                        <p:cTn id="6" dur="1" fill="hold">
+                                          <p:stCondLst>
+                                            <p:cond delay="0"/>
+                                          </p:stCondLst>
+                                        </p:cTn>
+                                        <p:tgtEl>
+                                          <p:spTgt spid="2050"/>
+                                        </p:tgtEl>
+                                        <p:attrNameLst>
+                                          <p:attrName>style.visibility</p:attrName>
+                                        </p:attrNameLst>
+                                      </p:cBhvr>
+                                      <p:to>
+                                        <p:strVal val="visible"/>
+                                      </p:to>
+                                    </p:set>
+                                  </p:childTnLst>
+                                </p:cTn>
+                              </p:par>
+                            </p:childTnLst>
+                          </p:cTn>
+                        </p:par>
+                      </p:childTnLst>
+                    </p:cTn>
+                  </p:par>
+                </p:childTnLst>
+              </p:cTn>
+              <p:prevCondLst>
+                <p:cond evt="onPrev" delay="0">
+                  <p:tgtEl>
+                    <p:sldTgt/>
+                  </p:tgtEl>
+                </p:cond>
+              </p:prevCondLst>
+              <p:nextCondLst>
+                <p:cond evt="onNext" delay="0">
+                  <p:tgtEl>
+                    <p:sldTgt/>
+                  </p:tgtEl>
+                </p:cond>
+              </p:nextCondLst>
+            </p:seq>
+          </p:childTnLst>
+        </p:cTn>
+      </p:par>
+    </p:tnLst>
+  </p:timing>
 </p:sld>
 </file>
 
@@ -6674,41 +7404,24 @@
       </p:grpSpPr>
       <p:sp>
         <p:nvSpPr>
-          <p:cNvPr id="2" name="Inhaltsplatzhalter 1"/>
+          <p:cNvPr id="4" name="Titel 3"/>
           <p:cNvSpPr>
             <a:spLocks noGrp="1"/>
           </p:cNvSpPr>
           <p:nvPr>
-            <p:ph idx="1"/>
+            <p:ph type="ctrTitle"/>
           </p:nvPr>
         </p:nvSpPr>
         <p:spPr/>
         <p:txBody>
-          <a:bodyPr/>
+          <a:bodyPr>
+            <a:normAutofit/>
+          </a:bodyPr>
           <a:lstStyle/>
           <a:p>
-            <a:endParaRPr lang="de-DE"/>
-          </a:p>
-        </p:txBody>
-      </p:sp>
-      <p:sp>
-        <p:nvSpPr>
-          <p:cNvPr id="3" name="Titel 2"/>
-          <p:cNvSpPr>
-            <a:spLocks noGrp="1"/>
-          </p:cNvSpPr>
-          <p:nvPr>
-            <p:ph type="title"/>
-          </p:nvPr>
-        </p:nvSpPr>
-        <p:spPr/>
-        <p:txBody>
-          <a:bodyPr/>
-          <a:lstStyle/>
-          <a:p>
             <a:r>
               <a:rPr lang="de-DE" dirty="0" smtClean="0"/>
-              <a:t>Erstellen der Datengrundlage</a:t>
+              <a:t>Konzeption</a:t>
             </a:r>
             <a:endParaRPr lang="de-DE" dirty="0"/>
           </a:p>
@@ -6717,13 +7430,20 @@
     </p:spTree>
     <p:extLst>
       <p:ext uri="{BB962C8B-B14F-4D97-AF65-F5344CB8AC3E}">
-        <p14:creationId xmlns:p14="http://schemas.microsoft.com/office/powerpoint/2010/main" val="505868966"/>
+        <p14:creationId xmlns:p14="http://schemas.microsoft.com/office/powerpoint/2010/main" val="1056600037"/>
       </p:ext>
     </p:extLst>
   </p:cSld>
   <p:clrMapOvr>
     <a:masterClrMapping/>
   </p:clrMapOvr>
+  <p:timing>
+    <p:tnLst>
+      <p:par>
+        <p:cTn id="1" dur="indefinite" restart="never" nodeType="tmRoot"/>
+      </p:par>
+    </p:tnLst>
+  </p:timing>
 </p:sld>
 </file>
 
@@ -6744,25 +7464,35 @@
           <a:chExt cx="0" cy="0"/>
         </a:xfrm>
       </p:grpSpPr>
-      <p:sp>
-        <p:nvSpPr>
+      <p:pic>
+        <p:nvPicPr>
           <p:cNvPr id="2" name="Inhaltsplatzhalter 1"/>
-          <p:cNvSpPr>
-            <a:spLocks noGrp="1"/>
-          </p:cNvSpPr>
+          <p:cNvPicPr>
+            <a:picLocks noGrp="1" noChangeAspect="1"/>
+          </p:cNvPicPr>
           <p:nvPr>
             <p:ph idx="1"/>
           </p:nvPr>
-        </p:nvSpPr>
-        <p:spPr/>
-        <p:txBody>
-          <a:bodyPr/>
-          <a:lstStyle/>
-          <a:p>
-            <a:endParaRPr lang="de-DE"/>
-          </a:p>
-        </p:txBody>
-      </p:sp>
+        </p:nvPicPr>
+        <p:blipFill>
+          <a:blip r:embed="rId2">
+            <a:extLst>
+              <a:ext uri="{28A0092B-C50C-407E-A947-70E740481C1C}">
+                <a14:useLocalDpi xmlns:a14="http://schemas.microsoft.com/office/drawing/2010/main" val="0"/>
+              </a:ext>
+            </a:extLst>
+          </a:blip>
+          <a:stretch>
+            <a:fillRect/>
+          </a:stretch>
+        </p:blipFill>
+        <p:spPr>
+          <a:xfrm>
+            <a:off x="539552" y="1707654"/>
+            <a:ext cx="8078788" cy="2387295"/>
+          </a:xfrm>
+        </p:spPr>
+      </p:pic>
       <p:sp>
         <p:nvSpPr>
           <p:cNvPr id="3" name="Titel 2"/>
@@ -6779,23 +7509,192 @@
           <a:lstStyle/>
           <a:p>
             <a:r>
-              <a:rPr lang="de-DE" dirty="0" err="1" smtClean="0"/>
-              <a:t>Preprocessing</a:t>
+              <a:rPr lang="de-DE" dirty="0" smtClean="0"/>
+              <a:t>Architektur</a:t>
             </a:r>
             <a:endParaRPr lang="de-DE" dirty="0"/>
           </a:p>
         </p:txBody>
       </p:sp>
+      <p:pic>
+        <p:nvPicPr>
+          <p:cNvPr id="5" name="Grafik 4"/>
+          <p:cNvPicPr>
+            <a:picLocks noChangeAspect="1"/>
+          </p:cNvPicPr>
+          <p:nvPr/>
+        </p:nvPicPr>
+        <p:blipFill>
+          <a:blip r:embed="rId3">
+            <a:extLst>
+              <a:ext uri="{28A0092B-C50C-407E-A947-70E740481C1C}">
+                <a14:useLocalDpi xmlns:a14="http://schemas.microsoft.com/office/drawing/2010/main" val="0"/>
+              </a:ext>
+            </a:extLst>
+          </a:blip>
+          <a:stretch>
+            <a:fillRect/>
+          </a:stretch>
+        </p:blipFill>
+        <p:spPr>
+          <a:xfrm>
+            <a:off x="2915816" y="781775"/>
+            <a:ext cx="4024093" cy="4370506"/>
+          </a:xfrm>
+          <a:prstGeom prst="rect">
+            <a:avLst/>
+          </a:prstGeom>
+        </p:spPr>
+      </p:pic>
     </p:spTree>
     <p:extLst>
       <p:ext uri="{BB962C8B-B14F-4D97-AF65-F5344CB8AC3E}">
-        <p14:creationId xmlns:p14="http://schemas.microsoft.com/office/powerpoint/2010/main" val="3944883567"/>
+        <p14:creationId xmlns:p14="http://schemas.microsoft.com/office/powerpoint/2010/main" val="244978316"/>
       </p:ext>
     </p:extLst>
   </p:cSld>
   <p:clrMapOvr>
     <a:masterClrMapping/>
   </p:clrMapOvr>
+  <p:timing>
+    <p:tnLst>
+      <p:par>
+        <p:cTn id="1" dur="indefinite" restart="never" nodeType="tmRoot">
+          <p:childTnLst>
+            <p:seq concurrent="1" nextAc="seek">
+              <p:cTn id="2" dur="indefinite" nodeType="mainSeq">
+                <p:childTnLst>
+                  <p:par>
+                    <p:cTn id="3" fill="hold">
+                      <p:stCondLst>
+                        <p:cond delay="indefinite"/>
+                        <p:cond evt="onBegin" delay="0">
+                          <p:tn val="2"/>
+                        </p:cond>
+                      </p:stCondLst>
+                      <p:childTnLst>
+                        <p:par>
+                          <p:cTn id="4" fill="hold">
+                            <p:stCondLst>
+                              <p:cond delay="0"/>
+                            </p:stCondLst>
+                            <p:childTnLst>
+                              <p:par>
+                                <p:cTn id="5" presetID="1" presetClass="entr" presetSubtype="0" fill="hold" nodeType="withEffect">
+                                  <p:stCondLst>
+                                    <p:cond delay="0"/>
+                                  </p:stCondLst>
+                                  <p:childTnLst>
+                                    <p:set>
+                                      <p:cBhvr>
+                                        <p:cTn id="6" dur="1" fill="hold">
+                                          <p:stCondLst>
+                                            <p:cond delay="0"/>
+                                          </p:stCondLst>
+                                        </p:cTn>
+                                        <p:tgtEl>
+                                          <p:spTgt spid="5"/>
+                                        </p:tgtEl>
+                                        <p:attrNameLst>
+                                          <p:attrName>style.visibility</p:attrName>
+                                        </p:attrNameLst>
+                                      </p:cBhvr>
+                                      <p:to>
+                                        <p:strVal val="visible"/>
+                                      </p:to>
+                                    </p:set>
+                                  </p:childTnLst>
+                                  <p:subTnLst>
+                                    <p:set>
+                                      <p:cBhvr override="childStyle">
+                                        <p:cTn dur="1" fill="hold" display="0" masterRel="nextClick" afterEffect="1"/>
+                                        <p:tgtEl>
+                                          <p:spTgt spid="5"/>
+                                        </p:tgtEl>
+                                        <p:attrNameLst>
+                                          <p:attrName>style.visibility</p:attrName>
+                                        </p:attrNameLst>
+                                      </p:cBhvr>
+                                      <p:to>
+                                        <p:strVal val="hidden"/>
+                                      </p:to>
+                                    </p:set>
+                                  </p:subTnLst>
+                                </p:cTn>
+                              </p:par>
+                            </p:childTnLst>
+                          </p:cTn>
+                        </p:par>
+                      </p:childTnLst>
+                    </p:cTn>
+                  </p:par>
+                  <p:par>
+                    <p:cTn id="7" fill="hold">
+                      <p:stCondLst>
+                        <p:cond delay="indefinite"/>
+                      </p:stCondLst>
+                      <p:childTnLst>
+                        <p:par>
+                          <p:cTn id="8" fill="hold">
+                            <p:stCondLst>
+                              <p:cond delay="0"/>
+                            </p:stCondLst>
+                            <p:childTnLst>
+                              <p:par>
+                                <p:cTn id="9" presetID="1" presetClass="entr" presetSubtype="0" fill="hold" nodeType="clickEffect">
+                                  <p:stCondLst>
+                                    <p:cond delay="0"/>
+                                  </p:stCondLst>
+                                  <p:childTnLst>
+                                    <p:set>
+                                      <p:cBhvr>
+                                        <p:cTn id="10" dur="1" fill="hold">
+                                          <p:stCondLst>
+                                            <p:cond delay="0"/>
+                                          </p:stCondLst>
+                                        </p:cTn>
+                                        <p:tgtEl>
+                                          <p:spTgt spid="2"/>
+                                        </p:tgtEl>
+                                        <p:attrNameLst>
+                                          <p:attrName>style.visibility</p:attrName>
+                                        </p:attrNameLst>
+                                      </p:cBhvr>
+                                      <p:to>
+                                        <p:strVal val="visible"/>
+                                      </p:to>
+                                    </p:set>
+                                  </p:childTnLst>
+                                </p:cTn>
+                              </p:par>
+                            </p:childTnLst>
+                          </p:cTn>
+                        </p:par>
+                      </p:childTnLst>
+                    </p:cTn>
+                  </p:par>
+                </p:childTnLst>
+              </p:cTn>
+              <p:prevCondLst>
+                <p:cond evt="onPrev" delay="0">
+                  <p:tgtEl>
+                    <p:sldTgt/>
+                  </p:tgtEl>
+                </p:cond>
+              </p:prevCondLst>
+              <p:nextCondLst>
+                <p:cond evt="onNext" delay="0">
+                  <p:tgtEl>
+                    <p:sldTgt/>
+                  </p:tgtEl>
+                </p:cond>
+              </p:nextCondLst>
+            </p:seq>
+          </p:childTnLst>
+        </p:cTn>
+      </p:par>
+    </p:tnLst>
+  </p:timing>
 </p:sld>
 </file>
 
@@ -6831,7 +7730,22 @@
           <a:bodyPr/>
           <a:lstStyle/>
           <a:p>
-            <a:endParaRPr lang="de-DE"/>
+            <a:r>
+              <a:rPr lang="de-DE" dirty="0" smtClean="0"/>
+              <a:t>Shorttext-</a:t>
+            </a:r>
+            <a:r>
+              <a:rPr lang="de-DE" dirty="0" err="1" smtClean="0"/>
+              <a:t>Classification</a:t>
+            </a:r>
+            <a:endParaRPr lang="de-DE" dirty="0" smtClean="0"/>
+          </a:p>
+          <a:p>
+            <a:r>
+              <a:rPr lang="de-DE" dirty="0" smtClean="0"/>
+              <a:t>Fachbegriffe</a:t>
+            </a:r>
+            <a:endParaRPr lang="de-DE" dirty="0"/>
           </a:p>
         </p:txBody>
       </p:sp>
@@ -6845,14 +7759,19 @@
             <p:ph type="title"/>
           </p:nvPr>
         </p:nvSpPr>
-        <p:spPr/>
+        <p:spPr>
+          <a:xfrm>
+            <a:off x="539552" y="120696"/>
+            <a:ext cx="7249658" cy="549757"/>
+          </a:xfrm>
+        </p:spPr>
         <p:txBody>
           <a:bodyPr/>
           <a:lstStyle/>
           <a:p>
             <a:r>
               <a:rPr lang="de-DE" dirty="0" smtClean="0"/>
-              <a:t>Textklassifizierung</a:t>
+              <a:t>Herausforderungen</a:t>
             </a:r>
             <a:endParaRPr lang="de-DE" dirty="0"/>
           </a:p>
@@ -6861,13 +7780,20 @@
     </p:spTree>
     <p:extLst>
       <p:ext uri="{BB962C8B-B14F-4D97-AF65-F5344CB8AC3E}">
-        <p14:creationId xmlns:p14="http://schemas.microsoft.com/office/powerpoint/2010/main" val="245623115"/>
+        <p14:creationId xmlns:p14="http://schemas.microsoft.com/office/powerpoint/2010/main" val="2228084312"/>
       </p:ext>
     </p:extLst>
   </p:cSld>
   <p:clrMapOvr>
     <a:masterClrMapping/>
   </p:clrMapOvr>
+  <p:timing>
+    <p:tnLst>
+      <p:par>
+        <p:cTn id="1" dur="indefinite" restart="never" nodeType="tmRoot"/>
+      </p:par>
+    </p:tnLst>
+  </p:timing>
 </p:sld>
 </file>
 
@@ -6888,25 +7814,35 @@
           <a:chExt cx="0" cy="0"/>
         </a:xfrm>
       </p:grpSpPr>
-      <p:sp>
-        <p:nvSpPr>
-          <p:cNvPr id="2" name="Inhaltsplatzhalter 1"/>
-          <p:cNvSpPr>
-            <a:spLocks noGrp="1"/>
-          </p:cNvSpPr>
+      <p:pic>
+        <p:nvPicPr>
+          <p:cNvPr id="4" name="Inhaltsplatzhalter 3"/>
+          <p:cNvPicPr>
+            <a:picLocks noGrp="1" noChangeAspect="1"/>
+          </p:cNvPicPr>
           <p:nvPr>
             <p:ph idx="1"/>
           </p:nvPr>
-        </p:nvSpPr>
-        <p:spPr/>
-        <p:txBody>
-          <a:bodyPr/>
-          <a:lstStyle/>
-          <a:p>
-            <a:endParaRPr lang="de-DE"/>
-          </a:p>
-        </p:txBody>
-      </p:sp>
+        </p:nvPicPr>
+        <p:blipFill>
+          <a:blip r:embed="rId2">
+            <a:extLst>
+              <a:ext uri="{28A0092B-C50C-407E-A947-70E740481C1C}">
+                <a14:useLocalDpi xmlns:a14="http://schemas.microsoft.com/office/drawing/2010/main" val="0"/>
+              </a:ext>
+            </a:extLst>
+          </a:blip>
+          <a:stretch>
+            <a:fillRect/>
+          </a:stretch>
+        </p:blipFill>
+        <p:spPr>
+          <a:xfrm>
+            <a:off x="540454" y="2656906"/>
+            <a:ext cx="8078788" cy="1479488"/>
+          </a:xfrm>
+        </p:spPr>
+      </p:pic>
       <p:sp>
         <p:nvSpPr>
           <p:cNvPr id="3" name="Titel 2"/>
@@ -6924,22 +7860,413 @@
           <a:p>
             <a:r>
               <a:rPr lang="de-DE" dirty="0" smtClean="0"/>
-              <a:t>Feinstrukturierung</a:t>
+              <a:t>Erstellen der Datengrundlage</a:t>
             </a:r>
             <a:endParaRPr lang="de-DE" dirty="0"/>
           </a:p>
         </p:txBody>
       </p:sp>
+      <p:sp>
+        <p:nvSpPr>
+          <p:cNvPr id="5" name="Inhaltsplatzhalter 1"/>
+          <p:cNvSpPr txBox="1">
+            <a:spLocks/>
+          </p:cNvSpPr>
+          <p:nvPr/>
+        </p:nvSpPr>
+        <p:spPr>
+          <a:xfrm>
+            <a:off x="539552" y="1200151"/>
+            <a:ext cx="8079690" cy="3394472"/>
+          </a:xfrm>
+          <a:prstGeom prst="rect">
+            <a:avLst/>
+          </a:prstGeom>
+        </p:spPr>
+        <p:txBody>
+          <a:bodyPr vert="horz" lIns="0" tIns="0" rIns="0" bIns="0" rtlCol="0">
+            <a:noAutofit/>
+          </a:bodyPr>
+          <a:lstStyle>
+            <a:lvl1pPr marL="179388" indent="-179388" algn="l" defTabSz="180975" rtl="0" eaLnBrk="1" latinLnBrk="0" hangingPunct="1">
+              <a:spcBef>
+                <a:spcPct val="20000"/>
+              </a:spcBef>
+              <a:buClr>
+                <a:schemeClr val="accent2"/>
+              </a:buClr>
+              <a:buFont typeface="Arial" panose="020B0604020202020204" pitchFamily="34" charset="0"/>
+              <a:buChar char="•"/>
+              <a:defRPr sz="2400" kern="1200">
+                <a:solidFill>
+                  <a:srgbClr val="595959"/>
+                </a:solidFill>
+                <a:latin typeface="+mn-lt"/>
+                <a:ea typeface="+mn-ea"/>
+                <a:cs typeface="+mn-cs"/>
+              </a:defRPr>
+            </a:lvl1pPr>
+            <a:lvl2pPr marL="357188" indent="-177800" algn="l" defTabSz="180975" rtl="0" eaLnBrk="1" latinLnBrk="0" hangingPunct="1">
+              <a:spcBef>
+                <a:spcPct val="20000"/>
+              </a:spcBef>
+              <a:buClr>
+                <a:schemeClr val="accent2"/>
+              </a:buClr>
+              <a:buFont typeface="Arial" panose="020B0604020202020204" pitchFamily="34" charset="0"/>
+              <a:buChar char="•"/>
+              <a:defRPr sz="2200" kern="1200">
+                <a:solidFill>
+                  <a:srgbClr val="595959"/>
+                </a:solidFill>
+                <a:latin typeface="+mn-lt"/>
+                <a:ea typeface="+mn-ea"/>
+                <a:cs typeface="+mn-cs"/>
+              </a:defRPr>
+            </a:lvl2pPr>
+            <a:lvl3pPr marL="536575" indent="-180975" algn="l" defTabSz="900113" rtl="0" eaLnBrk="1" latinLnBrk="0" hangingPunct="1">
+              <a:spcBef>
+                <a:spcPct val="20000"/>
+              </a:spcBef>
+              <a:buClr>
+                <a:schemeClr val="accent2"/>
+              </a:buClr>
+              <a:buFont typeface="Arial" panose="020B0604020202020204" pitchFamily="34" charset="0"/>
+              <a:buChar char="•"/>
+              <a:tabLst>
+                <a:tab pos="536575" algn="l"/>
+              </a:tabLst>
+              <a:defRPr sz="2000" kern="1200" baseline="0">
+                <a:solidFill>
+                  <a:srgbClr val="595959"/>
+                </a:solidFill>
+                <a:latin typeface="+mn-lt"/>
+                <a:ea typeface="+mn-ea"/>
+                <a:cs typeface="+mn-cs"/>
+              </a:defRPr>
+            </a:lvl3pPr>
+            <a:lvl4pPr marL="271463" indent="-271463" algn="l" defTabSz="914400" rtl="0" eaLnBrk="1" latinLnBrk="0" hangingPunct="1">
+              <a:spcBef>
+                <a:spcPct val="20000"/>
+              </a:spcBef>
+              <a:buClr>
+                <a:schemeClr val="accent2"/>
+              </a:buClr>
+              <a:buFont typeface="+mj-lt"/>
+              <a:buAutoNum type="arabicPeriod"/>
+              <a:tabLst>
+                <a:tab pos="808038" algn="l"/>
+              </a:tabLst>
+              <a:defRPr sz="2000" kern="1200">
+                <a:solidFill>
+                  <a:srgbClr val="595959"/>
+                </a:solidFill>
+                <a:latin typeface="+mn-lt"/>
+                <a:ea typeface="+mn-ea"/>
+                <a:cs typeface="+mn-cs"/>
+              </a:defRPr>
+            </a:lvl4pPr>
+            <a:lvl5pPr marL="2057400" indent="-228600" algn="l" defTabSz="914400" rtl="0" eaLnBrk="1" latinLnBrk="0" hangingPunct="1">
+              <a:spcBef>
+                <a:spcPct val="20000"/>
+              </a:spcBef>
+              <a:buClr>
+                <a:schemeClr val="accent2"/>
+              </a:buClr>
+              <a:buFont typeface="Arial" panose="020B0604020202020204" pitchFamily="34" charset="0"/>
+              <a:buChar char="•"/>
+              <a:defRPr sz="2000" kern="1200">
+                <a:solidFill>
+                  <a:srgbClr val="595959"/>
+                </a:solidFill>
+                <a:latin typeface="+mn-lt"/>
+                <a:ea typeface="+mn-ea"/>
+                <a:cs typeface="+mn-cs"/>
+              </a:defRPr>
+            </a:lvl5pPr>
+            <a:lvl6pPr marL="2514600" indent="-228600" algn="l" defTabSz="914400" rtl="0" eaLnBrk="1" latinLnBrk="0" hangingPunct="1">
+              <a:spcBef>
+                <a:spcPct val="20000"/>
+              </a:spcBef>
+              <a:buFont typeface="Arial" panose="020B0604020202020204" pitchFamily="34" charset="0"/>
+              <a:buChar char="•"/>
+              <a:defRPr sz="2000" kern="1200">
+                <a:solidFill>
+                  <a:schemeClr val="tx1"/>
+                </a:solidFill>
+                <a:latin typeface="+mn-lt"/>
+                <a:ea typeface="+mn-ea"/>
+                <a:cs typeface="+mn-cs"/>
+              </a:defRPr>
+            </a:lvl6pPr>
+            <a:lvl7pPr marL="2971800" indent="-228600" algn="l" defTabSz="914400" rtl="0" eaLnBrk="1" latinLnBrk="0" hangingPunct="1">
+              <a:spcBef>
+                <a:spcPct val="20000"/>
+              </a:spcBef>
+              <a:buFont typeface="Arial" panose="020B0604020202020204" pitchFamily="34" charset="0"/>
+              <a:buChar char="•"/>
+              <a:defRPr sz="2000" kern="1200">
+                <a:solidFill>
+                  <a:schemeClr val="tx1"/>
+                </a:solidFill>
+                <a:latin typeface="+mn-lt"/>
+                <a:ea typeface="+mn-ea"/>
+                <a:cs typeface="+mn-cs"/>
+              </a:defRPr>
+            </a:lvl7pPr>
+            <a:lvl8pPr marL="3429000" indent="-228600" algn="l" defTabSz="914400" rtl="0" eaLnBrk="1" latinLnBrk="0" hangingPunct="1">
+              <a:spcBef>
+                <a:spcPct val="20000"/>
+              </a:spcBef>
+              <a:buFont typeface="Arial" panose="020B0604020202020204" pitchFamily="34" charset="0"/>
+              <a:buChar char="•"/>
+              <a:defRPr sz="2000" kern="1200">
+                <a:solidFill>
+                  <a:schemeClr val="tx1"/>
+                </a:solidFill>
+                <a:latin typeface="+mn-lt"/>
+                <a:ea typeface="+mn-ea"/>
+                <a:cs typeface="+mn-cs"/>
+              </a:defRPr>
+            </a:lvl8pPr>
+            <a:lvl9pPr marL="3886200" indent="-228600" algn="l" defTabSz="914400" rtl="0" eaLnBrk="1" latinLnBrk="0" hangingPunct="1">
+              <a:spcBef>
+                <a:spcPct val="20000"/>
+              </a:spcBef>
+              <a:buFont typeface="Arial" panose="020B0604020202020204" pitchFamily="34" charset="0"/>
+              <a:buChar char="•"/>
+              <a:defRPr sz="2000" kern="1200">
+                <a:solidFill>
+                  <a:schemeClr val="tx1"/>
+                </a:solidFill>
+                <a:latin typeface="+mn-lt"/>
+                <a:ea typeface="+mn-ea"/>
+                <a:cs typeface="+mn-cs"/>
+              </a:defRPr>
+            </a:lvl9pPr>
+          </a:lstStyle>
+          <a:p>
+            <a:r>
+              <a:rPr lang="de-DE" dirty="0" smtClean="0"/>
+              <a:t>Auslesen von ORCA internen IFC-Dateien</a:t>
+            </a:r>
+          </a:p>
+          <a:p>
+            <a:r>
+              <a:rPr lang="de-DE" dirty="0" smtClean="0"/>
+              <a:t>Klassifizieren mit einem Tool für ORCA Mitarbeiter</a:t>
+            </a:r>
+            <a:endParaRPr lang="de-DE" dirty="0"/>
+          </a:p>
+        </p:txBody>
+      </p:sp>
+      <p:pic>
+        <p:nvPicPr>
+          <p:cNvPr id="6" name="Grafik 5"/>
+          <p:cNvPicPr>
+            <a:picLocks noChangeAspect="1"/>
+          </p:cNvPicPr>
+          <p:nvPr/>
+        </p:nvPicPr>
+        <p:blipFill>
+          <a:blip r:embed="rId3">
+            <a:extLst>
+              <a:ext uri="{28A0092B-C50C-407E-A947-70E740481C1C}">
+                <a14:useLocalDpi xmlns:a14="http://schemas.microsoft.com/office/drawing/2010/main" val="0"/>
+              </a:ext>
+            </a:extLst>
+          </a:blip>
+          <a:stretch>
+            <a:fillRect/>
+          </a:stretch>
+        </p:blipFill>
+        <p:spPr>
+          <a:xfrm>
+            <a:off x="1187624" y="2139702"/>
+            <a:ext cx="6857350" cy="2513896"/>
+          </a:xfrm>
+          <a:prstGeom prst="rect">
+            <a:avLst/>
+          </a:prstGeom>
+        </p:spPr>
+      </p:pic>
     </p:spTree>
     <p:extLst>
       <p:ext uri="{BB962C8B-B14F-4D97-AF65-F5344CB8AC3E}">
-        <p14:creationId xmlns:p14="http://schemas.microsoft.com/office/powerpoint/2010/main" val="870976430"/>
+        <p14:creationId xmlns:p14="http://schemas.microsoft.com/office/powerpoint/2010/main" val="505868966"/>
       </p:ext>
     </p:extLst>
   </p:cSld>
   <p:clrMapOvr>
     <a:masterClrMapping/>
   </p:clrMapOvr>
+  <p:timing>
+    <p:tnLst>
+      <p:par>
+        <p:cTn id="1" dur="indefinite" restart="never" nodeType="tmRoot">
+          <p:childTnLst>
+            <p:seq concurrent="1" nextAc="seek">
+              <p:cTn id="2" dur="indefinite" nodeType="mainSeq">
+                <p:childTnLst>
+                  <p:par>
+                    <p:cTn id="3" fill="hold">
+                      <p:stCondLst>
+                        <p:cond delay="indefinite"/>
+                      </p:stCondLst>
+                      <p:childTnLst>
+                        <p:par>
+                          <p:cTn id="4" fill="hold">
+                            <p:stCondLst>
+                              <p:cond delay="0"/>
+                            </p:stCondLst>
+                            <p:childTnLst>
+                              <p:par>
+                                <p:cTn id="5" presetID="1" presetClass="entr" presetSubtype="0" fill="hold" nodeType="clickEffect">
+                                  <p:stCondLst>
+                                    <p:cond delay="0"/>
+                                  </p:stCondLst>
+                                  <p:childTnLst>
+                                    <p:set>
+                                      <p:cBhvr>
+                                        <p:cTn id="6" dur="1" fill="hold">
+                                          <p:stCondLst>
+                                            <p:cond delay="0"/>
+                                          </p:stCondLst>
+                                        </p:cTn>
+                                        <p:tgtEl>
+                                          <p:spTgt spid="5">
+                                            <p:txEl>
+                                              <p:pRg st="1" end="1"/>
+                                            </p:txEl>
+                                          </p:spTgt>
+                                        </p:tgtEl>
+                                        <p:attrNameLst>
+                                          <p:attrName>style.visibility</p:attrName>
+                                        </p:attrNameLst>
+                                      </p:cBhvr>
+                                      <p:to>
+                                        <p:strVal val="visible"/>
+                                      </p:to>
+                                    </p:set>
+                                  </p:childTnLst>
+                                </p:cTn>
+                              </p:par>
+                              <p:par>
+                                <p:cTn id="7" presetID="1" presetClass="entr" presetSubtype="0" fill="hold" nodeType="withEffect">
+                                  <p:stCondLst>
+                                    <p:cond delay="0"/>
+                                  </p:stCondLst>
+                                  <p:childTnLst>
+                                    <p:set>
+                                      <p:cBhvr>
+                                        <p:cTn id="8" dur="1" fill="hold">
+                                          <p:stCondLst>
+                                            <p:cond delay="0"/>
+                                          </p:stCondLst>
+                                        </p:cTn>
+                                        <p:tgtEl>
+                                          <p:spTgt spid="6"/>
+                                        </p:tgtEl>
+                                        <p:attrNameLst>
+                                          <p:attrName>style.visibility</p:attrName>
+                                        </p:attrNameLst>
+                                      </p:cBhvr>
+                                      <p:to>
+                                        <p:strVal val="visible"/>
+                                      </p:to>
+                                    </p:set>
+                                  </p:childTnLst>
+                                  <p:subTnLst>
+                                    <p:set>
+                                      <p:cBhvr override="childStyle">
+                                        <p:cTn dur="1" fill="hold" display="0" masterRel="nextClick" afterEffect="1"/>
+                                        <p:tgtEl>
+                                          <p:spTgt spid="6"/>
+                                        </p:tgtEl>
+                                        <p:attrNameLst>
+                                          <p:attrName>style.visibility</p:attrName>
+                                        </p:attrNameLst>
+                                      </p:cBhvr>
+                                      <p:to>
+                                        <p:strVal val="hidden"/>
+                                      </p:to>
+                                    </p:set>
+                                  </p:subTnLst>
+                                </p:cTn>
+                              </p:par>
+                            </p:childTnLst>
+                          </p:cTn>
+                        </p:par>
+                      </p:childTnLst>
+                    </p:cTn>
+                  </p:par>
+                  <p:par>
+                    <p:cTn id="9" fill="hold">
+                      <p:stCondLst>
+                        <p:cond delay="indefinite"/>
+                      </p:stCondLst>
+                      <p:childTnLst>
+                        <p:par>
+                          <p:cTn id="10" fill="hold">
+                            <p:stCondLst>
+                              <p:cond delay="0"/>
+                            </p:stCondLst>
+                            <p:childTnLst>
+                              <p:par>
+                                <p:cTn id="11" presetID="1" presetClass="entr" presetSubtype="0" fill="hold" nodeType="clickEffect">
+                                  <p:stCondLst>
+                                    <p:cond delay="0"/>
+                                  </p:stCondLst>
+                                  <p:childTnLst>
+                                    <p:set>
+                                      <p:cBhvr>
+                                        <p:cTn id="12" dur="1" fill="hold">
+                                          <p:stCondLst>
+                                            <p:cond delay="0"/>
+                                          </p:stCondLst>
+                                        </p:cTn>
+                                        <p:tgtEl>
+                                          <p:spTgt spid="4"/>
+                                        </p:tgtEl>
+                                        <p:attrNameLst>
+                                          <p:attrName>style.visibility</p:attrName>
+                                        </p:attrNameLst>
+                                      </p:cBhvr>
+                                      <p:to>
+                                        <p:strVal val="visible"/>
+                                      </p:to>
+                                    </p:set>
+                                  </p:childTnLst>
+                                </p:cTn>
+                              </p:par>
+                            </p:childTnLst>
+                          </p:cTn>
+                        </p:par>
+                      </p:childTnLst>
+                    </p:cTn>
+                  </p:par>
+                </p:childTnLst>
+              </p:cTn>
+              <p:prevCondLst>
+                <p:cond evt="onPrev" delay="0">
+                  <p:tgtEl>
+                    <p:sldTgt/>
+                  </p:tgtEl>
+                </p:cond>
+              </p:prevCondLst>
+              <p:nextCondLst>
+                <p:cond evt="onNext" delay="0">
+                  <p:tgtEl>
+                    <p:sldTgt/>
+                  </p:tgtEl>
+                </p:cond>
+              </p:nextCondLst>
+            </p:seq>
+          </p:childTnLst>
+        </p:cTn>
+      </p:par>
+    </p:tnLst>
+  </p:timing>
 </p:sld>
 </file>
 
@@ -6962,12 +8289,12 @@
       </p:grpSpPr>
       <p:sp>
         <p:nvSpPr>
-          <p:cNvPr id="4" name="Titel 3"/>
+          <p:cNvPr id="2" name="Inhaltsplatzhalter 1"/>
           <p:cNvSpPr>
             <a:spLocks noGrp="1"/>
           </p:cNvSpPr>
           <p:nvPr>
-            <p:ph type="ctrTitle"/>
+            <p:ph idx="1"/>
           </p:nvPr>
         </p:nvSpPr>
         <p:spPr/>
@@ -6975,9 +8302,85 @@
           <a:bodyPr/>
           <a:lstStyle/>
           <a:p>
+            <a:pPr marL="457200" indent="-457200">
+              <a:buFont typeface="+mj-lt"/>
+              <a:buAutoNum type="arabicPeriod"/>
+            </a:pPr>
             <a:r>
               <a:rPr lang="de-DE" dirty="0" smtClean="0"/>
-              <a:t>Gegenüberstellung der Konzepte</a:t>
+              <a:t>Sonderzeichen entfernen</a:t>
+            </a:r>
+          </a:p>
+          <a:p>
+            <a:pPr marL="457200" indent="-457200">
+              <a:buFont typeface="+mj-lt"/>
+              <a:buAutoNum type="arabicPeriod"/>
+            </a:pPr>
+            <a:r>
+              <a:rPr lang="de-DE" dirty="0" smtClean="0"/>
+              <a:t>Farben und Farbcodes entfernen</a:t>
+            </a:r>
+          </a:p>
+          <a:p>
+            <a:pPr marL="457200" indent="-457200">
+              <a:buFont typeface="+mj-lt"/>
+              <a:buAutoNum type="arabicPeriod"/>
+            </a:pPr>
+            <a:r>
+              <a:rPr lang="de-DE" dirty="0" smtClean="0"/>
+              <a:t>Größenangaben entfernen</a:t>
+            </a:r>
+          </a:p>
+          <a:p>
+            <a:pPr marL="457200" indent="-457200">
+              <a:buFont typeface="+mj-lt"/>
+              <a:buAutoNum type="arabicPeriod"/>
+            </a:pPr>
+            <a:r>
+              <a:rPr lang="de-DE" dirty="0" smtClean="0"/>
+              <a:t>Umwandeln in Tokens</a:t>
+            </a:r>
+          </a:p>
+          <a:p>
+            <a:pPr marL="457200" indent="-457200">
+              <a:buFont typeface="+mj-lt"/>
+              <a:buAutoNum type="arabicPeriod"/>
+            </a:pPr>
+            <a:r>
+              <a:rPr lang="de-DE" dirty="0" smtClean="0"/>
+              <a:t>In Kleinbuchstaben umwandeln</a:t>
+            </a:r>
+          </a:p>
+          <a:p>
+            <a:pPr marL="457200" indent="-457200">
+              <a:buFont typeface="+mj-lt"/>
+              <a:buAutoNum type="arabicPeriod"/>
+            </a:pPr>
+            <a:r>
+              <a:rPr lang="de-DE" dirty="0" smtClean="0"/>
+              <a:t>Unnötige Leerzeichen entfernen</a:t>
+            </a:r>
+          </a:p>
+        </p:txBody>
+      </p:sp>
+      <p:sp>
+        <p:nvSpPr>
+          <p:cNvPr id="3" name="Titel 2"/>
+          <p:cNvSpPr>
+            <a:spLocks noGrp="1"/>
+          </p:cNvSpPr>
+          <p:nvPr>
+            <p:ph type="title"/>
+          </p:nvPr>
+        </p:nvSpPr>
+        <p:spPr/>
+        <p:txBody>
+          <a:bodyPr/>
+          <a:lstStyle/>
+          <a:p>
+            <a:r>
+              <a:rPr lang="de-DE" dirty="0" err="1" smtClean="0"/>
+              <a:t>Preprocessing</a:t>
             </a:r>
             <a:endParaRPr lang="de-DE" dirty="0"/>
           </a:p>
@@ -6986,13 +8389,20 @@
     </p:spTree>
     <p:extLst>
       <p:ext uri="{BB962C8B-B14F-4D97-AF65-F5344CB8AC3E}">
-        <p14:creationId xmlns:p14="http://schemas.microsoft.com/office/powerpoint/2010/main" val="2265137461"/>
+        <p14:creationId xmlns:p14="http://schemas.microsoft.com/office/powerpoint/2010/main" val="3944883567"/>
       </p:ext>
     </p:extLst>
   </p:cSld>
   <p:clrMapOvr>
     <a:masterClrMapping/>
   </p:clrMapOvr>
+  <p:timing>
+    <p:tnLst>
+      <p:par>
+        <p:cTn id="1" dur="indefinite" restart="never" nodeType="tmRoot"/>
+      </p:par>
+    </p:tnLst>
+  </p:timing>
 </p:sld>
 </file>
 
@@ -7047,7 +8457,6 @@
               <a:rPr lang="de-DE" dirty="0"/>
               <a:t> Natural Language Processing</a:t>
             </a:r>
-            <a:endParaRPr lang="de-DE" dirty="0"/>
           </a:p>
         </p:txBody>
       </p:sp>
@@ -7118,25 +8527,6 @@
       </p:grpSpPr>
       <p:sp>
         <p:nvSpPr>
-          <p:cNvPr id="2" name="Inhaltsplatzhalter 1"/>
-          <p:cNvSpPr>
-            <a:spLocks noGrp="1"/>
-          </p:cNvSpPr>
-          <p:nvPr>
-            <p:ph idx="1"/>
-          </p:nvPr>
-        </p:nvSpPr>
-        <p:spPr/>
-        <p:txBody>
-          <a:bodyPr/>
-          <a:lstStyle/>
-          <a:p>
-            <a:endParaRPr lang="de-DE"/>
-          </a:p>
-        </p:txBody>
-      </p:sp>
-      <p:sp>
-        <p:nvSpPr>
           <p:cNvPr id="3" name="Titel 2"/>
           <p:cNvSpPr>
             <a:spLocks noGrp="1"/>
@@ -7151,8 +8541,260 @@
           <a:lstStyle/>
           <a:p>
             <a:r>
+              <a:rPr lang="de-DE" dirty="0" err="1" smtClean="0"/>
+              <a:t>Preprocessing</a:t>
+            </a:r>
+            <a:endParaRPr lang="de-DE" dirty="0"/>
+          </a:p>
+        </p:txBody>
+      </p:sp>
+      <p:sp>
+        <p:nvSpPr>
+          <p:cNvPr id="4" name="Rechteck 3"/>
+          <p:cNvSpPr/>
+          <p:nvPr/>
+        </p:nvSpPr>
+        <p:spPr>
+          <a:xfrm>
+            <a:off x="1403648" y="1842378"/>
+            <a:ext cx="2664296" cy="369332"/>
+          </a:xfrm>
+          <a:prstGeom prst="rect">
+            <a:avLst/>
+          </a:prstGeom>
+        </p:spPr>
+        <p:txBody>
+          <a:bodyPr wrap="square">
+            <a:spAutoFit/>
+          </a:bodyPr>
+          <a:lstStyle/>
+          <a:p>
+            <a:r>
               <a:rPr lang="de-DE" dirty="0" smtClean="0"/>
-              <a:t>Gegenüberstellung - Textklassifikation</a:t>
+              <a:t>Kunststoff </a:t>
+            </a:r>
+            <a:r>
+              <a:rPr lang="de-DE" dirty="0"/>
+              <a:t>- grau </a:t>
+            </a:r>
+            <a:r>
+              <a:rPr lang="de-DE" dirty="0" smtClean="0"/>
+              <a:t>80-80-80</a:t>
+            </a:r>
+            <a:endParaRPr lang="de-DE" dirty="0"/>
+          </a:p>
+        </p:txBody>
+      </p:sp>
+      <p:sp>
+        <p:nvSpPr>
+          <p:cNvPr id="5" name="Pfeil nach rechts 4"/>
+          <p:cNvSpPr/>
+          <p:nvPr/>
+        </p:nvSpPr>
+        <p:spPr>
+          <a:xfrm>
+            <a:off x="4334721" y="1851670"/>
+            <a:ext cx="720080" cy="360040"/>
+          </a:xfrm>
+          <a:prstGeom prst="rightArrow">
+            <a:avLst/>
+          </a:prstGeom>
+          <a:solidFill>
+            <a:schemeClr val="bg1"/>
+          </a:solidFill>
+          <a:ln w="19050">
+            <a:solidFill>
+              <a:schemeClr val="accent2"/>
+            </a:solidFill>
+          </a:ln>
+        </p:spPr>
+        <p:style>
+          <a:lnRef idx="2">
+            <a:schemeClr val="accent1">
+              <a:shade val="50000"/>
+            </a:schemeClr>
+          </a:lnRef>
+          <a:fillRef idx="1">
+            <a:schemeClr val="accent1"/>
+          </a:fillRef>
+          <a:effectRef idx="0">
+            <a:schemeClr val="accent1"/>
+          </a:effectRef>
+          <a:fontRef idx="minor">
+            <a:schemeClr val="lt1"/>
+          </a:fontRef>
+        </p:style>
+        <p:txBody>
+          <a:bodyPr rtlCol="0" anchor="ctr"/>
+          <a:lstStyle/>
+          <a:p>
+            <a:pPr algn="ctr"/>
+            <a:endParaRPr lang="de-DE" dirty="0" smtClean="0">
+              <a:solidFill>
+                <a:schemeClr val="tx1"/>
+              </a:solidFill>
+            </a:endParaRPr>
+          </a:p>
+        </p:txBody>
+      </p:sp>
+      <p:sp>
+        <p:nvSpPr>
+          <p:cNvPr id="6" name="Rechteck 5"/>
+          <p:cNvSpPr/>
+          <p:nvPr/>
+        </p:nvSpPr>
+        <p:spPr>
+          <a:xfrm>
+            <a:off x="5321578" y="1842378"/>
+            <a:ext cx="1277888" cy="369332"/>
+          </a:xfrm>
+          <a:prstGeom prst="rect">
+            <a:avLst/>
+          </a:prstGeom>
+        </p:spPr>
+        <p:txBody>
+          <a:bodyPr wrap="square">
+            <a:spAutoFit/>
+          </a:bodyPr>
+          <a:lstStyle/>
+          <a:p>
+            <a:r>
+              <a:rPr lang="de-DE" dirty="0" smtClean="0"/>
+              <a:t>’</a:t>
+            </a:r>
+            <a:r>
+              <a:rPr lang="de-DE" dirty="0" err="1" smtClean="0"/>
+              <a:t>kunststoff</a:t>
+            </a:r>
+            <a:r>
+              <a:rPr lang="de-DE" dirty="0" smtClean="0"/>
+              <a:t>‘</a:t>
+            </a:r>
+            <a:endParaRPr lang="de-DE" dirty="0"/>
+          </a:p>
+        </p:txBody>
+      </p:sp>
+      <p:sp>
+        <p:nvSpPr>
+          <p:cNvPr id="7" name="Rechteck 6"/>
+          <p:cNvSpPr/>
+          <p:nvPr/>
+        </p:nvSpPr>
+        <p:spPr>
+          <a:xfrm>
+            <a:off x="1639466" y="3198969"/>
+            <a:ext cx="2430016" cy="369332"/>
+          </a:xfrm>
+          <a:prstGeom prst="rect">
+            <a:avLst/>
+          </a:prstGeom>
+        </p:spPr>
+        <p:txBody>
+          <a:bodyPr wrap="square">
+            <a:spAutoFit/>
+          </a:bodyPr>
+          <a:lstStyle/>
+          <a:p>
+            <a:r>
+              <a:rPr lang="de-DE" dirty="0" smtClean="0"/>
+              <a:t>Beton- </a:t>
+            </a:r>
+            <a:r>
+              <a:rPr lang="de-DE" dirty="0"/>
+              <a:t>C30/37 </a:t>
+            </a:r>
+            <a:r>
+              <a:rPr lang="de-DE" dirty="0" smtClean="0"/>
+              <a:t>Verputzt</a:t>
+            </a:r>
+            <a:endParaRPr lang="de-DE" dirty="0"/>
+          </a:p>
+        </p:txBody>
+      </p:sp>
+      <p:sp>
+        <p:nvSpPr>
+          <p:cNvPr id="8" name="Pfeil nach rechts 7"/>
+          <p:cNvSpPr/>
+          <p:nvPr/>
+        </p:nvSpPr>
+        <p:spPr>
+          <a:xfrm>
+            <a:off x="4334721" y="3212907"/>
+            <a:ext cx="720080" cy="360040"/>
+          </a:xfrm>
+          <a:prstGeom prst="rightArrow">
+            <a:avLst/>
+          </a:prstGeom>
+          <a:solidFill>
+            <a:schemeClr val="bg1"/>
+          </a:solidFill>
+          <a:ln w="19050">
+            <a:solidFill>
+              <a:schemeClr val="accent2"/>
+            </a:solidFill>
+          </a:ln>
+        </p:spPr>
+        <p:style>
+          <a:lnRef idx="2">
+            <a:schemeClr val="accent1">
+              <a:shade val="50000"/>
+            </a:schemeClr>
+          </a:lnRef>
+          <a:fillRef idx="1">
+            <a:schemeClr val="accent1"/>
+          </a:fillRef>
+          <a:effectRef idx="0">
+            <a:schemeClr val="accent1"/>
+          </a:effectRef>
+          <a:fontRef idx="minor">
+            <a:schemeClr val="lt1"/>
+          </a:fontRef>
+        </p:style>
+        <p:txBody>
+          <a:bodyPr rtlCol="0" anchor="ctr"/>
+          <a:lstStyle/>
+          <a:p>
+            <a:pPr algn="ctr"/>
+            <a:endParaRPr lang="de-DE" dirty="0" smtClean="0">
+              <a:solidFill>
+                <a:schemeClr val="tx1"/>
+              </a:solidFill>
+            </a:endParaRPr>
+          </a:p>
+        </p:txBody>
+      </p:sp>
+      <p:sp>
+        <p:nvSpPr>
+          <p:cNvPr id="9" name="Rechteck 8"/>
+          <p:cNvSpPr/>
+          <p:nvPr/>
+        </p:nvSpPr>
+        <p:spPr>
+          <a:xfrm>
+            <a:off x="5321578" y="3203615"/>
+            <a:ext cx="2692275" cy="369332"/>
+          </a:xfrm>
+          <a:prstGeom prst="rect">
+            <a:avLst/>
+          </a:prstGeom>
+        </p:spPr>
+        <p:txBody>
+          <a:bodyPr wrap="none">
+            <a:spAutoFit/>
+          </a:bodyPr>
+          <a:lstStyle/>
+          <a:p>
+            <a:r>
+              <a:rPr lang="de-DE" dirty="0" smtClean="0"/>
+              <a:t>’beton</a:t>
+            </a:r>
+            <a:r>
+              <a:rPr lang="de-DE" dirty="0"/>
+              <a:t>’, ’c30/37’, ’verputzt</a:t>
+            </a:r>
+            <a:r>
+              <a:rPr lang="de-DE" dirty="0" smtClean="0"/>
+              <a:t>’</a:t>
             </a:r>
             <a:endParaRPr lang="de-DE" dirty="0"/>
           </a:p>
@@ -7161,13 +8803,20 @@
     </p:spTree>
     <p:extLst>
       <p:ext uri="{BB962C8B-B14F-4D97-AF65-F5344CB8AC3E}">
-        <p14:creationId xmlns:p14="http://schemas.microsoft.com/office/powerpoint/2010/main" val="4014614018"/>
+        <p14:creationId xmlns:p14="http://schemas.microsoft.com/office/powerpoint/2010/main" val="671957329"/>
       </p:ext>
     </p:extLst>
   </p:cSld>
   <p:clrMapOvr>
     <a:masterClrMapping/>
   </p:clrMapOvr>
+  <p:timing>
+    <p:tnLst>
+      <p:par>
+        <p:cTn id="1" dur="indefinite" restart="never" nodeType="tmRoot"/>
+      </p:par>
+    </p:tnLst>
+  </p:timing>
 </p:sld>
 </file>
 
@@ -7188,25 +8837,35 @@
           <a:chExt cx="0" cy="0"/>
         </a:xfrm>
       </p:grpSpPr>
-      <p:sp>
-        <p:nvSpPr>
-          <p:cNvPr id="2" name="Inhaltsplatzhalter 1"/>
-          <p:cNvSpPr>
-            <a:spLocks noGrp="1"/>
-          </p:cNvSpPr>
+      <p:pic>
+        <p:nvPicPr>
+          <p:cNvPr id="4" name="Inhaltsplatzhalter 3"/>
+          <p:cNvPicPr>
+            <a:picLocks noGrp="1" noChangeAspect="1"/>
+          </p:cNvPicPr>
           <p:nvPr>
             <p:ph idx="1"/>
           </p:nvPr>
-        </p:nvSpPr>
-        <p:spPr/>
-        <p:txBody>
-          <a:bodyPr/>
-          <a:lstStyle/>
-          <a:p>
-            <a:endParaRPr lang="de-DE"/>
-          </a:p>
-        </p:txBody>
-      </p:sp>
+        </p:nvPicPr>
+        <p:blipFill>
+          <a:blip r:embed="rId2">
+            <a:extLst>
+              <a:ext uri="{28A0092B-C50C-407E-A947-70E740481C1C}">
+                <a14:useLocalDpi xmlns:a14="http://schemas.microsoft.com/office/drawing/2010/main" val="0"/>
+              </a:ext>
+            </a:extLst>
+          </a:blip>
+          <a:stretch>
+            <a:fillRect/>
+          </a:stretch>
+        </p:blipFill>
+        <p:spPr>
+          <a:xfrm>
+            <a:off x="7164288" y="1131590"/>
+            <a:ext cx="1651941" cy="3394075"/>
+          </a:xfrm>
+        </p:spPr>
+      </p:pic>
       <p:sp>
         <p:nvSpPr>
           <p:cNvPr id="3" name="Titel 2"/>
@@ -7224,7 +8883,122 @@
           <a:p>
             <a:r>
               <a:rPr lang="de-DE" dirty="0" smtClean="0"/>
-              <a:t>Gegenüberstellung - Feinstrukturierung</a:t>
+              <a:t>Textklassifizierung</a:t>
+            </a:r>
+            <a:endParaRPr lang="de-DE" dirty="0"/>
+          </a:p>
+        </p:txBody>
+      </p:sp>
+      <p:sp>
+        <p:nvSpPr>
+          <p:cNvPr id="7" name="Rechteck 6"/>
+          <p:cNvSpPr/>
+          <p:nvPr/>
+        </p:nvSpPr>
+        <p:spPr>
+          <a:xfrm>
+            <a:off x="1839413" y="1152714"/>
+            <a:ext cx="1304140" cy="369332"/>
+          </a:xfrm>
+          <a:prstGeom prst="rect">
+            <a:avLst/>
+          </a:prstGeom>
+        </p:spPr>
+        <p:txBody>
+          <a:bodyPr wrap="none">
+            <a:spAutoFit/>
+          </a:bodyPr>
+          <a:lstStyle/>
+          <a:p>
+            <a:r>
+              <a:rPr lang="de-DE" dirty="0" smtClean="0"/>
+              <a:t>Genauigkeit</a:t>
+            </a:r>
+            <a:endParaRPr lang="de-DE" dirty="0"/>
+          </a:p>
+        </p:txBody>
+      </p:sp>
+      <p:sp>
+        <p:nvSpPr>
+          <p:cNvPr id="8" name="Rechteck 7"/>
+          <p:cNvSpPr/>
+          <p:nvPr/>
+        </p:nvSpPr>
+        <p:spPr>
+          <a:xfrm>
+            <a:off x="1839413" y="1624309"/>
+            <a:ext cx="1925271" cy="369332"/>
+          </a:xfrm>
+          <a:prstGeom prst="rect">
+            <a:avLst/>
+          </a:prstGeom>
+        </p:spPr>
+        <p:txBody>
+          <a:bodyPr wrap="none">
+            <a:spAutoFit/>
+          </a:bodyPr>
+          <a:lstStyle/>
+          <a:p>
+            <a:r>
+              <a:rPr lang="de-DE" dirty="0" smtClean="0"/>
+              <a:t>Interpretierbarkeit</a:t>
+            </a:r>
+            <a:endParaRPr lang="de-DE" dirty="0"/>
+          </a:p>
+        </p:txBody>
+      </p:sp>
+      <p:sp>
+        <p:nvSpPr>
+          <p:cNvPr id="9" name="Rechteck 8"/>
+          <p:cNvSpPr/>
+          <p:nvPr/>
+        </p:nvSpPr>
+        <p:spPr>
+          <a:xfrm>
+            <a:off x="4164381" y="1624309"/>
+            <a:ext cx="1201676" cy="369332"/>
+          </a:xfrm>
+          <a:prstGeom prst="rect">
+            <a:avLst/>
+          </a:prstGeom>
+        </p:spPr>
+        <p:txBody>
+          <a:bodyPr wrap="none">
+            <a:spAutoFit/>
+          </a:bodyPr>
+          <a:lstStyle/>
+          <a:p>
+            <a:r>
+              <a:rPr lang="de-DE" dirty="0" smtClean="0"/>
+              <a:t>Robustheit</a:t>
+            </a:r>
+          </a:p>
+        </p:txBody>
+      </p:sp>
+      <p:sp>
+        <p:nvSpPr>
+          <p:cNvPr id="10" name="Rechteck 9"/>
+          <p:cNvSpPr/>
+          <p:nvPr/>
+        </p:nvSpPr>
+        <p:spPr>
+          <a:xfrm>
+            <a:off x="4164381" y="1152714"/>
+            <a:ext cx="1391856" cy="369332"/>
+          </a:xfrm>
+          <a:prstGeom prst="rect">
+            <a:avLst/>
+          </a:prstGeom>
+        </p:spPr>
+        <p:txBody>
+          <a:bodyPr wrap="none">
+            <a:spAutoFit/>
+          </a:bodyPr>
+          <a:lstStyle/>
+          <a:p>
+            <a:r>
+              <a:rPr lang="de-DE" dirty="0" smtClean="0"/>
+              <a:t>Performance</a:t>
             </a:r>
             <a:endParaRPr lang="de-DE" dirty="0"/>
           </a:p>
@@ -7233,13 +9007,20 @@
     </p:spTree>
     <p:extLst>
       <p:ext uri="{BB962C8B-B14F-4D97-AF65-F5344CB8AC3E}">
-        <p14:creationId xmlns:p14="http://schemas.microsoft.com/office/powerpoint/2010/main" val="1834721124"/>
+        <p14:creationId xmlns:p14="http://schemas.microsoft.com/office/powerpoint/2010/main" val="245623115"/>
       </p:ext>
     </p:extLst>
   </p:cSld>
   <p:clrMapOvr>
     <a:masterClrMapping/>
   </p:clrMapOvr>
+  <p:timing>
+    <p:tnLst>
+      <p:par>
+        <p:cTn id="1" dur="indefinite" restart="never" nodeType="tmRoot"/>
+      </p:par>
+    </p:tnLst>
+  </p:timing>
 </p:sld>
 </file>
 
@@ -7296,11 +9077,7 @@
           <a:p>
             <a:r>
               <a:rPr lang="de-DE" dirty="0" smtClean="0"/>
-              <a:t>Python </a:t>
-            </a:r>
-            <a:r>
-              <a:rPr lang="de-DE" dirty="0" err="1" smtClean="0"/>
-              <a:t>Interop</a:t>
+              <a:t>Gegenüberstellung - Textklassifikation</a:t>
             </a:r>
             <a:endParaRPr lang="de-DE" dirty="0"/>
           </a:p>
@@ -7309,7 +9086,7 @@
     </p:spTree>
     <p:extLst>
       <p:ext uri="{BB962C8B-B14F-4D97-AF65-F5344CB8AC3E}">
-        <p14:creationId xmlns:p14="http://schemas.microsoft.com/office/powerpoint/2010/main" val="2342852888"/>
+        <p14:creationId xmlns:p14="http://schemas.microsoft.com/office/powerpoint/2010/main" val="4014614018"/>
       </p:ext>
     </p:extLst>
   </p:cSld>
@@ -7338,12 +9115,12 @@
       </p:grpSpPr>
       <p:sp>
         <p:nvSpPr>
-          <p:cNvPr id="4" name="Titel 3"/>
+          <p:cNvPr id="3" name="Titel 2"/>
           <p:cNvSpPr>
             <a:spLocks noGrp="1"/>
           </p:cNvSpPr>
           <p:nvPr>
-            <p:ph type="ctrTitle"/>
+            <p:ph type="title"/>
           </p:nvPr>
         </p:nvSpPr>
         <p:spPr/>
@@ -7352,23 +9129,74 @@
           <a:lstStyle/>
           <a:p>
             <a:r>
+              <a:rPr lang="de-DE" dirty="0" err="1" smtClean="0"/>
+              <a:t>ChatGPT</a:t>
+            </a:r>
+            <a:r>
               <a:rPr lang="de-DE" dirty="0" smtClean="0"/>
-              <a:t>Demo</a:t>
+              <a:t> Modell von </a:t>
+            </a:r>
+            <a:r>
+              <a:rPr lang="de-DE" dirty="0" err="1" smtClean="0"/>
+              <a:t>OpenAI</a:t>
             </a:r>
             <a:endParaRPr lang="de-DE" dirty="0"/>
+          </a:p>
+        </p:txBody>
+      </p:sp>
+      <p:sp>
+        <p:nvSpPr>
+          <p:cNvPr id="6" name="Rechteck 5"/>
+          <p:cNvSpPr/>
+          <p:nvPr/>
+        </p:nvSpPr>
+        <p:spPr>
+          <a:xfrm>
+            <a:off x="5508104" y="1563638"/>
+            <a:ext cx="2664296" cy="2376264"/>
+          </a:xfrm>
+          <a:prstGeom prst="rect">
+            <a:avLst/>
+          </a:prstGeom>
+        </p:spPr>
+        <p:txBody>
+          <a:bodyPr wrap="square">
+            <a:spAutoFit/>
+          </a:bodyPr>
+          <a:lstStyle/>
+          <a:p>
+            <a:r>
+              <a:rPr lang="de-DE" dirty="0"/>
+              <a:t>„Strukturiere folgende Liste von Baustoffen nach ihrer fachlichen Bedeutung in eine Baumstruktur mit </a:t>
+            </a:r>
+            <a:r>
+              <a:rPr lang="de-DE" dirty="0" smtClean="0"/>
+              <a:t>Aufzählungsstrichen</a:t>
+            </a:r>
+            <a:r>
+              <a:rPr lang="de-DE" dirty="0"/>
+              <a:t>. Teile die einzelnen Begriffe nicht auf: “</a:t>
+            </a:r>
           </a:p>
         </p:txBody>
       </p:sp>
     </p:spTree>
     <p:extLst>
       <p:ext uri="{BB962C8B-B14F-4D97-AF65-F5344CB8AC3E}">
-        <p14:creationId xmlns:p14="http://schemas.microsoft.com/office/powerpoint/2010/main" val="1800516394"/>
+        <p14:creationId xmlns:p14="http://schemas.microsoft.com/office/powerpoint/2010/main" val="870976430"/>
       </p:ext>
     </p:extLst>
   </p:cSld>
   <p:clrMapOvr>
     <a:masterClrMapping/>
   </p:clrMapOvr>
+  <p:timing>
+    <p:tnLst>
+      <p:par>
+        <p:cTn id="1" dur="indefinite" restart="never" nodeType="tmRoot"/>
+      </p:par>
+    </p:tnLst>
+  </p:timing>
 </p:sld>
 </file>
 
@@ -7391,12 +9219,12 @@
       </p:grpSpPr>
       <p:sp>
         <p:nvSpPr>
-          <p:cNvPr id="4" name="Titel 3"/>
+          <p:cNvPr id="3" name="Titel 2"/>
           <p:cNvSpPr>
             <a:spLocks noGrp="1"/>
           </p:cNvSpPr>
           <p:nvPr>
-            <p:ph type="ctrTitle"/>
+            <p:ph type="title"/>
           </p:nvPr>
         </p:nvSpPr>
         <p:spPr/>
@@ -7405,16 +9233,387 @@
           <a:lstStyle/>
           <a:p>
             <a:r>
-              <a:rPr lang="de-DE" dirty="0"/>
-              <a:t>Maßnahmen zur Qualitätssicherung</a:t>
-            </a:r>
+              <a:rPr lang="de-DE" dirty="0" smtClean="0"/>
+              <a:t>DBSCAN mit </a:t>
+            </a:r>
+            <a:r>
+              <a:rPr lang="de-DE" dirty="0" err="1" smtClean="0"/>
+              <a:t>FastText</a:t>
+            </a:r>
+            <a:endParaRPr lang="de-DE" dirty="0"/>
+          </a:p>
+        </p:txBody>
+      </p:sp>
+      <p:pic>
+        <p:nvPicPr>
+          <p:cNvPr id="5" name="Grafik 4"/>
+          <p:cNvPicPr>
+            <a:picLocks noChangeAspect="1"/>
+          </p:cNvPicPr>
+          <p:nvPr/>
+        </p:nvPicPr>
+        <p:blipFill>
+          <a:blip r:embed="rId2" cstate="print">
+            <a:extLst>
+              <a:ext uri="{28A0092B-C50C-407E-A947-70E740481C1C}">
+                <a14:useLocalDpi xmlns:a14="http://schemas.microsoft.com/office/drawing/2010/main" val="0"/>
+              </a:ext>
+            </a:extLst>
+          </a:blip>
+          <a:stretch>
+            <a:fillRect/>
+          </a:stretch>
+        </p:blipFill>
+        <p:spPr>
+          <a:xfrm>
+            <a:off x="1988484" y="1125709"/>
+            <a:ext cx="3150808" cy="319286"/>
+          </a:xfrm>
+          <a:prstGeom prst="rect">
+            <a:avLst/>
+          </a:prstGeom>
+        </p:spPr>
+      </p:pic>
+      <p:sp>
+        <p:nvSpPr>
+          <p:cNvPr id="6" name="Rechteck 5"/>
+          <p:cNvSpPr/>
+          <p:nvPr/>
+        </p:nvSpPr>
+        <p:spPr>
+          <a:xfrm>
+            <a:off x="2843808" y="2179657"/>
+            <a:ext cx="1440160" cy="792088"/>
+          </a:xfrm>
+          <a:prstGeom prst="rect">
+            <a:avLst/>
+          </a:prstGeom>
+          <a:solidFill>
+            <a:schemeClr val="bg1"/>
+          </a:solidFill>
+          <a:ln w="19050">
+            <a:solidFill>
+              <a:schemeClr val="accent2"/>
+            </a:solidFill>
+          </a:ln>
+        </p:spPr>
+        <p:style>
+          <a:lnRef idx="2">
+            <a:schemeClr val="accent1">
+              <a:shade val="50000"/>
+            </a:schemeClr>
+          </a:lnRef>
+          <a:fillRef idx="1">
+            <a:schemeClr val="accent1"/>
+          </a:fillRef>
+          <a:effectRef idx="0">
+            <a:schemeClr val="accent1"/>
+          </a:effectRef>
+          <a:fontRef idx="minor">
+            <a:schemeClr val="lt1"/>
+          </a:fontRef>
+        </p:style>
+        <p:txBody>
+          <a:bodyPr rtlCol="0" anchor="ctr"/>
+          <a:lstStyle/>
+          <a:p>
+            <a:pPr algn="ctr"/>
+            <a:r>
+              <a:rPr lang="de-DE" dirty="0" err="1" smtClean="0">
+                <a:solidFill>
+                  <a:schemeClr val="tx1"/>
+                </a:solidFill>
+              </a:rPr>
+              <a:t>FastText</a:t>
+            </a:r>
+            <a:r>
+              <a:rPr lang="de-DE" dirty="0" smtClean="0">
+                <a:solidFill>
+                  <a:schemeClr val="tx1"/>
+                </a:solidFill>
+              </a:rPr>
+              <a:t> Modell</a:t>
+            </a:r>
+            <a:endParaRPr lang="de-DE" dirty="0" smtClean="0">
+              <a:solidFill>
+                <a:schemeClr val="tx1"/>
+              </a:solidFill>
+            </a:endParaRPr>
+          </a:p>
+        </p:txBody>
+      </p:sp>
+      <p:cxnSp>
+        <p:nvCxnSpPr>
+          <p:cNvPr id="7" name="Gerade Verbindung mit Pfeil 6"/>
+          <p:cNvCxnSpPr/>
+          <p:nvPr/>
+        </p:nvCxnSpPr>
+        <p:spPr>
+          <a:xfrm>
+            <a:off x="3563888" y="1596302"/>
+            <a:ext cx="0" cy="432048"/>
+          </a:xfrm>
+          <a:prstGeom prst="straightConnector1">
+            <a:avLst/>
+          </a:prstGeom>
+          <a:ln w="19050">
+            <a:solidFill>
+              <a:schemeClr val="accent2"/>
+            </a:solidFill>
+            <a:tailEnd type="triangle"/>
+          </a:ln>
+        </p:spPr>
+        <p:style>
+          <a:lnRef idx="1">
+            <a:schemeClr val="accent1"/>
+          </a:lnRef>
+          <a:fillRef idx="0">
+            <a:schemeClr val="accent1"/>
+          </a:fillRef>
+          <a:effectRef idx="0">
+            <a:schemeClr val="accent1"/>
+          </a:effectRef>
+          <a:fontRef idx="minor">
+            <a:schemeClr val="tx1"/>
+          </a:fontRef>
+        </p:style>
+      </p:cxnSp>
+      <p:sp>
+        <p:nvSpPr>
+          <p:cNvPr id="8" name="Textfeld 7"/>
+          <p:cNvSpPr txBox="1"/>
+          <p:nvPr/>
+        </p:nvSpPr>
+        <p:spPr>
+          <a:xfrm>
+            <a:off x="0" y="2320093"/>
+            <a:ext cx="2351231" cy="646331"/>
+          </a:xfrm>
+          <a:prstGeom prst="rect">
+            <a:avLst/>
+          </a:prstGeom>
+          <a:noFill/>
+        </p:spPr>
+        <p:txBody>
+          <a:bodyPr wrap="square" rtlCol="0">
+            <a:spAutoFit/>
+          </a:bodyPr>
+          <a:lstStyle/>
+          <a:p>
+            <a:r>
+              <a:rPr lang="de-DE" dirty="0" smtClean="0"/>
+              <a:t>Liste von Materialien einer Überkategorie</a:t>
+            </a:r>
+            <a:endParaRPr lang="de-DE" dirty="0"/>
+          </a:p>
+        </p:txBody>
+      </p:sp>
+      <p:cxnSp>
+        <p:nvCxnSpPr>
+          <p:cNvPr id="12" name="Gerade Verbindung mit Pfeil 11"/>
+          <p:cNvCxnSpPr/>
+          <p:nvPr/>
+        </p:nvCxnSpPr>
+        <p:spPr>
+          <a:xfrm>
+            <a:off x="2195736" y="2593701"/>
+            <a:ext cx="432048" cy="0"/>
+          </a:xfrm>
+          <a:prstGeom prst="straightConnector1">
+            <a:avLst/>
+          </a:prstGeom>
+          <a:ln w="19050">
+            <a:solidFill>
+              <a:schemeClr val="accent2"/>
+            </a:solidFill>
+            <a:tailEnd type="triangle"/>
+          </a:ln>
+        </p:spPr>
+        <p:style>
+          <a:lnRef idx="1">
+            <a:schemeClr val="accent1"/>
+          </a:lnRef>
+          <a:fillRef idx="0">
+            <a:schemeClr val="accent1"/>
+          </a:fillRef>
+          <a:effectRef idx="0">
+            <a:schemeClr val="accent1"/>
+          </a:effectRef>
+          <a:fontRef idx="minor">
+            <a:schemeClr val="tx1"/>
+          </a:fontRef>
+        </p:style>
+      </p:cxnSp>
+      <p:cxnSp>
+        <p:nvCxnSpPr>
+          <p:cNvPr id="15" name="Gerade Verbindung mit Pfeil 14"/>
+          <p:cNvCxnSpPr/>
+          <p:nvPr/>
+        </p:nvCxnSpPr>
+        <p:spPr>
+          <a:xfrm>
+            <a:off x="4572000" y="2593701"/>
+            <a:ext cx="440951" cy="0"/>
+          </a:xfrm>
+          <a:prstGeom prst="straightConnector1">
+            <a:avLst/>
+          </a:prstGeom>
+          <a:ln w="19050">
+            <a:solidFill>
+              <a:schemeClr val="accent2"/>
+            </a:solidFill>
+            <a:tailEnd type="triangle"/>
+          </a:ln>
+        </p:spPr>
+        <p:style>
+          <a:lnRef idx="1">
+            <a:schemeClr val="accent1"/>
+          </a:lnRef>
+          <a:fillRef idx="0">
+            <a:schemeClr val="accent1"/>
+          </a:fillRef>
+          <a:effectRef idx="0">
+            <a:schemeClr val="accent1"/>
+          </a:effectRef>
+          <a:fontRef idx="minor">
+            <a:schemeClr val="tx1"/>
+          </a:fontRef>
+        </p:style>
+      </p:cxnSp>
+      <p:sp>
+        <p:nvSpPr>
+          <p:cNvPr id="17" name="Rechteck 16"/>
+          <p:cNvSpPr/>
+          <p:nvPr/>
+        </p:nvSpPr>
+        <p:spPr>
+          <a:xfrm>
+            <a:off x="5280601" y="2197657"/>
+            <a:ext cx="1440160" cy="792088"/>
+          </a:xfrm>
+          <a:prstGeom prst="rect">
+            <a:avLst/>
+          </a:prstGeom>
+          <a:solidFill>
+            <a:schemeClr val="bg1"/>
+          </a:solidFill>
+          <a:ln w="19050">
+            <a:solidFill>
+              <a:schemeClr val="accent2"/>
+            </a:solidFill>
+          </a:ln>
+        </p:spPr>
+        <p:style>
+          <a:lnRef idx="2">
+            <a:schemeClr val="accent1">
+              <a:shade val="50000"/>
+            </a:schemeClr>
+          </a:lnRef>
+          <a:fillRef idx="1">
+            <a:schemeClr val="accent1"/>
+          </a:fillRef>
+          <a:effectRef idx="0">
+            <a:schemeClr val="accent1"/>
+          </a:effectRef>
+          <a:fontRef idx="minor">
+            <a:schemeClr val="lt1"/>
+          </a:fontRef>
+        </p:style>
+        <p:txBody>
+          <a:bodyPr rtlCol="0" anchor="ctr"/>
+          <a:lstStyle/>
+          <a:p>
+            <a:pPr algn="ctr"/>
+            <a:r>
+              <a:rPr lang="de-DE" dirty="0" smtClean="0">
+                <a:solidFill>
+                  <a:schemeClr val="tx1"/>
+                </a:solidFill>
+              </a:rPr>
+              <a:t>DBSCAN</a:t>
+            </a:r>
+            <a:endParaRPr lang="de-DE" dirty="0" smtClean="0">
+              <a:solidFill>
+                <a:schemeClr val="tx1"/>
+              </a:solidFill>
+            </a:endParaRPr>
+          </a:p>
+        </p:txBody>
+      </p:sp>
+      <p:cxnSp>
+        <p:nvCxnSpPr>
+          <p:cNvPr id="20" name="Gerade Verbindung mit Pfeil 19"/>
+          <p:cNvCxnSpPr/>
+          <p:nvPr/>
+        </p:nvCxnSpPr>
+        <p:spPr>
+          <a:xfrm flipV="1">
+            <a:off x="6988411" y="2615806"/>
+            <a:ext cx="395536" cy="1"/>
+          </a:xfrm>
+          <a:prstGeom prst="straightConnector1">
+            <a:avLst/>
+          </a:prstGeom>
+          <a:ln w="19050">
+            <a:solidFill>
+              <a:schemeClr val="accent2"/>
+            </a:solidFill>
+            <a:tailEnd type="triangle"/>
+          </a:ln>
+        </p:spPr>
+        <p:style>
+          <a:lnRef idx="1">
+            <a:schemeClr val="accent1"/>
+          </a:lnRef>
+          <a:fillRef idx="0">
+            <a:schemeClr val="accent1"/>
+          </a:fillRef>
+          <a:effectRef idx="0">
+            <a:schemeClr val="accent1"/>
+          </a:effectRef>
+          <a:fontRef idx="minor">
+            <a:schemeClr val="tx1"/>
+          </a:fontRef>
+        </p:style>
+      </p:cxnSp>
+      <p:sp>
+        <p:nvSpPr>
+          <p:cNvPr id="24" name="Textfeld 23"/>
+          <p:cNvSpPr txBox="1"/>
+          <p:nvPr/>
+        </p:nvSpPr>
+        <p:spPr>
+          <a:xfrm>
+            <a:off x="7524328" y="2313952"/>
+            <a:ext cx="1377556" cy="646331"/>
+          </a:xfrm>
+          <a:prstGeom prst="rect">
+            <a:avLst/>
+          </a:prstGeom>
+          <a:noFill/>
+        </p:spPr>
+        <p:txBody>
+          <a:bodyPr wrap="square" rtlCol="0">
+            <a:spAutoFit/>
+          </a:bodyPr>
+          <a:lstStyle/>
+          <a:p>
+            <a:r>
+              <a:rPr lang="de-DE" dirty="0" err="1" smtClean="0"/>
+              <a:t>Geclusterte</a:t>
+            </a:r>
+            <a:r>
+              <a:rPr lang="de-DE" dirty="0" smtClean="0"/>
+              <a:t> Materialien</a:t>
+            </a:r>
+            <a:endParaRPr lang="de-DE" dirty="0"/>
           </a:p>
         </p:txBody>
       </p:sp>
     </p:spTree>
     <p:extLst>
       <p:ext uri="{BB962C8B-B14F-4D97-AF65-F5344CB8AC3E}">
-        <p14:creationId xmlns:p14="http://schemas.microsoft.com/office/powerpoint/2010/main" val="4098219820"/>
+        <p14:creationId xmlns:p14="http://schemas.microsoft.com/office/powerpoint/2010/main" val="633069986"/>
       </p:ext>
     </p:extLst>
   </p:cSld>
@@ -7477,7 +9676,7 @@
           <a:p>
             <a:r>
               <a:rPr lang="de-DE" dirty="0" smtClean="0"/>
-              <a:t>Clean Code</a:t>
+              <a:t>Gegenüberstellung - Feinstrukturierung</a:t>
             </a:r>
             <a:endParaRPr lang="de-DE" dirty="0"/>
           </a:p>
@@ -7486,7 +9685,7 @@
     </p:spTree>
     <p:extLst>
       <p:ext uri="{BB962C8B-B14F-4D97-AF65-F5344CB8AC3E}">
-        <p14:creationId xmlns:p14="http://schemas.microsoft.com/office/powerpoint/2010/main" val="1799018849"/>
+        <p14:creationId xmlns:p14="http://schemas.microsoft.com/office/powerpoint/2010/main" val="1834721124"/>
       </p:ext>
     </p:extLst>
   </p:cSld>
@@ -7515,7 +9714,7 @@
       </p:grpSpPr>
       <p:sp>
         <p:nvSpPr>
-          <p:cNvPr id="2" name="Inhaltsplatzhalter 1"/>
+          <p:cNvPr id="4" name="Inhaltsplatzhalter 3"/>
           <p:cNvSpPr>
             <a:spLocks noGrp="1"/>
           </p:cNvSpPr>
@@ -7528,7 +9727,26 @@
           <a:bodyPr/>
           <a:lstStyle/>
           <a:p>
-            <a:endParaRPr lang="de-DE"/>
+            <a:r>
+              <a:rPr lang="de-DE" dirty="0" err="1" smtClean="0"/>
+              <a:t>Pythonnet</a:t>
+            </a:r>
+            <a:r>
+              <a:rPr lang="de-DE" dirty="0" smtClean="0"/>
+              <a:t> Bibliothek für die Integration von .NET und Python</a:t>
+            </a:r>
+          </a:p>
+          <a:p>
+            <a:endParaRPr lang="de-DE" dirty="0"/>
+          </a:p>
+          <a:p>
+            <a:endParaRPr lang="de-DE" dirty="0" smtClean="0"/>
+          </a:p>
+          <a:p>
+            <a:endParaRPr lang="de-DE" dirty="0"/>
+          </a:p>
+          <a:p>
+            <a:endParaRPr lang="de-DE" dirty="0"/>
           </a:p>
         </p:txBody>
       </p:sp>
@@ -7549,16 +9767,85 @@
           <a:p>
             <a:r>
               <a:rPr lang="de-DE" dirty="0" smtClean="0"/>
-              <a:t>Tests und Abnahme</a:t>
+              <a:t>Python </a:t>
+            </a:r>
+            <a:r>
+              <a:rPr lang="de-DE" dirty="0" err="1" smtClean="0"/>
+              <a:t>Interop</a:t>
             </a:r>
             <a:endParaRPr lang="de-DE" dirty="0"/>
           </a:p>
         </p:txBody>
       </p:sp>
+      <p:pic>
+        <p:nvPicPr>
+          <p:cNvPr id="1026" name="Picture 2" descr="@pythonnet"/>
+          <p:cNvPicPr>
+            <a:picLocks noChangeAspect="1" noChangeArrowheads="1"/>
+          </p:cNvPicPr>
+          <p:nvPr/>
+        </p:nvPicPr>
+        <p:blipFill>
+          <a:blip r:embed="rId3">
+            <a:extLst>
+              <a:ext uri="{28A0092B-C50C-407E-A947-70E740481C1C}">
+                <a14:useLocalDpi xmlns:a14="http://schemas.microsoft.com/office/drawing/2010/main" val="0"/>
+              </a:ext>
+            </a:extLst>
+          </a:blip>
+          <a:srcRect/>
+          <a:stretch>
+            <a:fillRect/>
+          </a:stretch>
+        </p:blipFill>
+        <p:spPr bwMode="auto">
+          <a:xfrm>
+            <a:off x="7020272" y="2427734"/>
+            <a:ext cx="1294533" cy="1294533"/>
+          </a:xfrm>
+          <a:prstGeom prst="rect">
+            <a:avLst/>
+          </a:prstGeom>
+          <a:noFill/>
+          <a:extLst>
+            <a:ext uri="{909E8E84-426E-40DD-AFC4-6F175D3DCCD1}">
+              <a14:hiddenFill xmlns:a14="http://schemas.microsoft.com/office/drawing/2010/main">
+                <a:solidFill>
+                  <a:srgbClr val="FFFFFF"/>
+                </a:solidFill>
+              </a14:hiddenFill>
+            </a:ext>
+          </a:extLst>
+        </p:spPr>
+      </p:pic>
+      <p:pic>
+        <p:nvPicPr>
+          <p:cNvPr id="5" name="Grafik 4"/>
+          <p:cNvPicPr>
+            <a:picLocks noChangeAspect="1"/>
+          </p:cNvPicPr>
+          <p:nvPr/>
+        </p:nvPicPr>
+        <p:blipFill>
+          <a:blip r:embed="rId4"/>
+          <a:stretch>
+            <a:fillRect/>
+          </a:stretch>
+        </p:blipFill>
+        <p:spPr>
+          <a:xfrm>
+            <a:off x="539552" y="1851670"/>
+            <a:ext cx="5886801" cy="2448272"/>
+          </a:xfrm>
+          <a:prstGeom prst="rect">
+            <a:avLst/>
+          </a:prstGeom>
+        </p:spPr>
+      </p:pic>
     </p:spTree>
     <p:extLst>
       <p:ext uri="{BB962C8B-B14F-4D97-AF65-F5344CB8AC3E}">
-        <p14:creationId xmlns:p14="http://schemas.microsoft.com/office/powerpoint/2010/main" val="383488985"/>
+        <p14:creationId xmlns:p14="http://schemas.microsoft.com/office/powerpoint/2010/main" val="2342852888"/>
       </p:ext>
     </p:extLst>
   </p:cSld>
@@ -7602,7 +9889,7 @@
           <a:p>
             <a:r>
               <a:rPr lang="de-DE" dirty="0" smtClean="0"/>
-              <a:t>Abschluss</a:t>
+              <a:t>Demo</a:t>
             </a:r>
             <a:endParaRPr lang="de-DE" dirty="0"/>
           </a:p>
@@ -7611,7 +9898,7 @@
     </p:spTree>
     <p:extLst>
       <p:ext uri="{BB962C8B-B14F-4D97-AF65-F5344CB8AC3E}">
-        <p14:creationId xmlns:p14="http://schemas.microsoft.com/office/powerpoint/2010/main" val="2136531763"/>
+        <p14:creationId xmlns:p14="http://schemas.microsoft.com/office/powerpoint/2010/main" val="1800516394"/>
       </p:ext>
     </p:extLst>
   </p:cSld>
@@ -7640,12 +9927,12 @@
       </p:grpSpPr>
       <p:sp>
         <p:nvSpPr>
-          <p:cNvPr id="2" name="Inhaltsplatzhalter 1"/>
+          <p:cNvPr id="4" name="Titel 3"/>
           <p:cNvSpPr>
             <a:spLocks noGrp="1"/>
           </p:cNvSpPr>
           <p:nvPr>
-            <p:ph idx="1"/>
+            <p:ph type="ctrTitle"/>
           </p:nvPr>
         </p:nvSpPr>
         <p:spPr/>
@@ -7653,42 +9940,17 @@
           <a:bodyPr/>
           <a:lstStyle/>
           <a:p>
-            <a:endParaRPr lang="de-DE"/>
-          </a:p>
-        </p:txBody>
-      </p:sp>
-      <p:sp>
-        <p:nvSpPr>
-          <p:cNvPr id="3" name="Titel 2"/>
-          <p:cNvSpPr>
-            <a:spLocks noGrp="1"/>
-          </p:cNvSpPr>
-          <p:nvPr>
-            <p:ph type="title"/>
-          </p:nvPr>
-        </p:nvSpPr>
-        <p:spPr>
-          <a:xfrm>
-            <a:off x="539552" y="120696"/>
-            <a:ext cx="7249658" cy="549757"/>
-          </a:xfrm>
-        </p:spPr>
-        <p:txBody>
-          <a:bodyPr/>
-          <a:lstStyle/>
-          <a:p>
-            <a:r>
-              <a:rPr lang="de-DE" dirty="0" smtClean="0"/>
-              <a:t>Fazit</a:t>
-            </a:r>
-            <a:endParaRPr lang="de-DE" dirty="0"/>
+            <a:r>
+              <a:rPr lang="de-DE" dirty="0"/>
+              <a:t>Maßnahmen zur Qualitätssicherung</a:t>
+            </a:r>
           </a:p>
         </p:txBody>
       </p:sp>
     </p:spTree>
     <p:extLst>
       <p:ext uri="{BB962C8B-B14F-4D97-AF65-F5344CB8AC3E}">
-        <p14:creationId xmlns:p14="http://schemas.microsoft.com/office/powerpoint/2010/main" val="3195998856"/>
+        <p14:creationId xmlns:p14="http://schemas.microsoft.com/office/powerpoint/2010/main" val="4098219820"/>
       </p:ext>
     </p:extLst>
   </p:cSld>
@@ -7751,7 +10013,7 @@
           <a:p>
             <a:r>
               <a:rPr lang="de-DE" dirty="0" smtClean="0"/>
-              <a:t>Ausblick</a:t>
+              <a:t>Clean Code</a:t>
             </a:r>
             <a:endParaRPr lang="de-DE" dirty="0"/>
           </a:p>
@@ -7760,7 +10022,7 @@
     </p:spTree>
     <p:extLst>
       <p:ext uri="{BB962C8B-B14F-4D97-AF65-F5344CB8AC3E}">
-        <p14:creationId xmlns:p14="http://schemas.microsoft.com/office/powerpoint/2010/main" val="2796672680"/>
+        <p14:creationId xmlns:p14="http://schemas.microsoft.com/office/powerpoint/2010/main" val="1799018849"/>
       </p:ext>
     </p:extLst>
   </p:cSld>
@@ -7889,6 +10151,280 @@
 </file>
 
 <file path=ppt/slides/slide30.xml><?xml version="1.0" encoding="utf-8"?>
+<p:sld xmlns:a="http://schemas.openxmlformats.org/drawingml/2006/main" xmlns:r="http://schemas.openxmlformats.org/officeDocument/2006/relationships" xmlns:p="http://schemas.openxmlformats.org/presentationml/2006/main">
+  <p:cSld>
+    <p:spTree>
+      <p:nvGrpSpPr>
+        <p:cNvPr id="1" name=""/>
+        <p:cNvGrpSpPr/>
+        <p:nvPr/>
+      </p:nvGrpSpPr>
+      <p:grpSpPr>
+        <a:xfrm>
+          <a:off x="0" y="0"/>
+          <a:ext cx="0" cy="0"/>
+          <a:chOff x="0" y="0"/>
+          <a:chExt cx="0" cy="0"/>
+        </a:xfrm>
+      </p:grpSpPr>
+      <p:sp>
+        <p:nvSpPr>
+          <p:cNvPr id="2" name="Inhaltsplatzhalter 1"/>
+          <p:cNvSpPr>
+            <a:spLocks noGrp="1"/>
+          </p:cNvSpPr>
+          <p:nvPr>
+            <p:ph idx="1"/>
+          </p:nvPr>
+        </p:nvSpPr>
+        <p:spPr/>
+        <p:txBody>
+          <a:bodyPr/>
+          <a:lstStyle/>
+          <a:p>
+            <a:endParaRPr lang="de-DE"/>
+          </a:p>
+        </p:txBody>
+      </p:sp>
+      <p:sp>
+        <p:nvSpPr>
+          <p:cNvPr id="3" name="Titel 2"/>
+          <p:cNvSpPr>
+            <a:spLocks noGrp="1"/>
+          </p:cNvSpPr>
+          <p:nvPr>
+            <p:ph type="title"/>
+          </p:nvPr>
+        </p:nvSpPr>
+        <p:spPr/>
+        <p:txBody>
+          <a:bodyPr/>
+          <a:lstStyle/>
+          <a:p>
+            <a:r>
+              <a:rPr lang="de-DE" dirty="0" smtClean="0"/>
+              <a:t>Tests und Abnahme</a:t>
+            </a:r>
+            <a:endParaRPr lang="de-DE" dirty="0"/>
+          </a:p>
+        </p:txBody>
+      </p:sp>
+    </p:spTree>
+    <p:extLst>
+      <p:ext uri="{BB962C8B-B14F-4D97-AF65-F5344CB8AC3E}">
+        <p14:creationId xmlns:p14="http://schemas.microsoft.com/office/powerpoint/2010/main" val="383488985"/>
+      </p:ext>
+    </p:extLst>
+  </p:cSld>
+  <p:clrMapOvr>
+    <a:masterClrMapping/>
+  </p:clrMapOvr>
+</p:sld>
+</file>
+
+<file path=ppt/slides/slide31.xml><?xml version="1.0" encoding="utf-8"?>
+<p:sld xmlns:a="http://schemas.openxmlformats.org/drawingml/2006/main" xmlns:r="http://schemas.openxmlformats.org/officeDocument/2006/relationships" xmlns:p="http://schemas.openxmlformats.org/presentationml/2006/main">
+  <p:cSld>
+    <p:spTree>
+      <p:nvGrpSpPr>
+        <p:cNvPr id="1" name=""/>
+        <p:cNvGrpSpPr/>
+        <p:nvPr/>
+      </p:nvGrpSpPr>
+      <p:grpSpPr>
+        <a:xfrm>
+          <a:off x="0" y="0"/>
+          <a:ext cx="0" cy="0"/>
+          <a:chOff x="0" y="0"/>
+          <a:chExt cx="0" cy="0"/>
+        </a:xfrm>
+      </p:grpSpPr>
+      <p:sp>
+        <p:nvSpPr>
+          <p:cNvPr id="4" name="Titel 3"/>
+          <p:cNvSpPr>
+            <a:spLocks noGrp="1"/>
+          </p:cNvSpPr>
+          <p:nvPr>
+            <p:ph type="ctrTitle"/>
+          </p:nvPr>
+        </p:nvSpPr>
+        <p:spPr/>
+        <p:txBody>
+          <a:bodyPr/>
+          <a:lstStyle/>
+          <a:p>
+            <a:r>
+              <a:rPr lang="de-DE" dirty="0" smtClean="0"/>
+              <a:t>Abschluss</a:t>
+            </a:r>
+            <a:endParaRPr lang="de-DE" dirty="0"/>
+          </a:p>
+        </p:txBody>
+      </p:sp>
+    </p:spTree>
+    <p:extLst>
+      <p:ext uri="{BB962C8B-B14F-4D97-AF65-F5344CB8AC3E}">
+        <p14:creationId xmlns:p14="http://schemas.microsoft.com/office/powerpoint/2010/main" val="2136531763"/>
+      </p:ext>
+    </p:extLst>
+  </p:cSld>
+  <p:clrMapOvr>
+    <a:masterClrMapping/>
+  </p:clrMapOvr>
+</p:sld>
+</file>
+
+<file path=ppt/slides/slide32.xml><?xml version="1.0" encoding="utf-8"?>
+<p:sld xmlns:a="http://schemas.openxmlformats.org/drawingml/2006/main" xmlns:r="http://schemas.openxmlformats.org/officeDocument/2006/relationships" xmlns:p="http://schemas.openxmlformats.org/presentationml/2006/main">
+  <p:cSld>
+    <p:spTree>
+      <p:nvGrpSpPr>
+        <p:cNvPr id="1" name=""/>
+        <p:cNvGrpSpPr/>
+        <p:nvPr/>
+      </p:nvGrpSpPr>
+      <p:grpSpPr>
+        <a:xfrm>
+          <a:off x="0" y="0"/>
+          <a:ext cx="0" cy="0"/>
+          <a:chOff x="0" y="0"/>
+          <a:chExt cx="0" cy="0"/>
+        </a:xfrm>
+      </p:grpSpPr>
+      <p:sp>
+        <p:nvSpPr>
+          <p:cNvPr id="2" name="Inhaltsplatzhalter 1"/>
+          <p:cNvSpPr>
+            <a:spLocks noGrp="1"/>
+          </p:cNvSpPr>
+          <p:nvPr>
+            <p:ph idx="1"/>
+          </p:nvPr>
+        </p:nvSpPr>
+        <p:spPr/>
+        <p:txBody>
+          <a:bodyPr/>
+          <a:lstStyle/>
+          <a:p>
+            <a:endParaRPr lang="de-DE"/>
+          </a:p>
+        </p:txBody>
+      </p:sp>
+      <p:sp>
+        <p:nvSpPr>
+          <p:cNvPr id="3" name="Titel 2"/>
+          <p:cNvSpPr>
+            <a:spLocks noGrp="1"/>
+          </p:cNvSpPr>
+          <p:nvPr>
+            <p:ph type="title"/>
+          </p:nvPr>
+        </p:nvSpPr>
+        <p:spPr>
+          <a:xfrm>
+            <a:off x="539552" y="120696"/>
+            <a:ext cx="7249658" cy="549757"/>
+          </a:xfrm>
+        </p:spPr>
+        <p:txBody>
+          <a:bodyPr/>
+          <a:lstStyle/>
+          <a:p>
+            <a:r>
+              <a:rPr lang="de-DE" dirty="0" smtClean="0"/>
+              <a:t>Fazit</a:t>
+            </a:r>
+            <a:endParaRPr lang="de-DE" dirty="0"/>
+          </a:p>
+        </p:txBody>
+      </p:sp>
+    </p:spTree>
+    <p:extLst>
+      <p:ext uri="{BB962C8B-B14F-4D97-AF65-F5344CB8AC3E}">
+        <p14:creationId xmlns:p14="http://schemas.microsoft.com/office/powerpoint/2010/main" val="3195998856"/>
+      </p:ext>
+    </p:extLst>
+  </p:cSld>
+  <p:clrMapOvr>
+    <a:masterClrMapping/>
+  </p:clrMapOvr>
+</p:sld>
+</file>
+
+<file path=ppt/slides/slide33.xml><?xml version="1.0" encoding="utf-8"?>
+<p:sld xmlns:a="http://schemas.openxmlformats.org/drawingml/2006/main" xmlns:r="http://schemas.openxmlformats.org/officeDocument/2006/relationships" xmlns:p="http://schemas.openxmlformats.org/presentationml/2006/main">
+  <p:cSld>
+    <p:spTree>
+      <p:nvGrpSpPr>
+        <p:cNvPr id="1" name=""/>
+        <p:cNvGrpSpPr/>
+        <p:nvPr/>
+      </p:nvGrpSpPr>
+      <p:grpSpPr>
+        <a:xfrm>
+          <a:off x="0" y="0"/>
+          <a:ext cx="0" cy="0"/>
+          <a:chOff x="0" y="0"/>
+          <a:chExt cx="0" cy="0"/>
+        </a:xfrm>
+      </p:grpSpPr>
+      <p:sp>
+        <p:nvSpPr>
+          <p:cNvPr id="2" name="Inhaltsplatzhalter 1"/>
+          <p:cNvSpPr>
+            <a:spLocks noGrp="1"/>
+          </p:cNvSpPr>
+          <p:nvPr>
+            <p:ph idx="1"/>
+          </p:nvPr>
+        </p:nvSpPr>
+        <p:spPr/>
+        <p:txBody>
+          <a:bodyPr/>
+          <a:lstStyle/>
+          <a:p>
+            <a:endParaRPr lang="de-DE"/>
+          </a:p>
+        </p:txBody>
+      </p:sp>
+      <p:sp>
+        <p:nvSpPr>
+          <p:cNvPr id="3" name="Titel 2"/>
+          <p:cNvSpPr>
+            <a:spLocks noGrp="1"/>
+          </p:cNvSpPr>
+          <p:nvPr>
+            <p:ph type="title"/>
+          </p:nvPr>
+        </p:nvSpPr>
+        <p:spPr/>
+        <p:txBody>
+          <a:bodyPr/>
+          <a:lstStyle/>
+          <a:p>
+            <a:r>
+              <a:rPr lang="de-DE" dirty="0" smtClean="0"/>
+              <a:t>Ausblick</a:t>
+            </a:r>
+            <a:endParaRPr lang="de-DE" dirty="0"/>
+          </a:p>
+        </p:txBody>
+      </p:sp>
+    </p:spTree>
+    <p:extLst>
+      <p:ext uri="{BB962C8B-B14F-4D97-AF65-F5344CB8AC3E}">
+        <p14:creationId xmlns:p14="http://schemas.microsoft.com/office/powerpoint/2010/main" val="2796672680"/>
+      </p:ext>
+    </p:extLst>
+  </p:cSld>
+  <p:clrMapOvr>
+    <a:masterClrMapping/>
+  </p:clrMapOvr>
+</p:sld>
+</file>
+
+<file path=ppt/slides/slide34.xml><?xml version="1.0" encoding="utf-8"?>
 <p:sld xmlns:a="http://schemas.openxmlformats.org/drawingml/2006/main" xmlns:r="http://schemas.openxmlformats.org/officeDocument/2006/relationships" xmlns:p="http://schemas.openxmlformats.org/presentationml/2006/main">
   <p:cSld>
     <p:spTree>
@@ -8096,6 +10632,1516 @@
           <a:chExt cx="0" cy="0"/>
         </a:xfrm>
       </p:grpSpPr>
+      <p:sp>
+        <p:nvSpPr>
+          <p:cNvPr id="3" name="Titel 2"/>
+          <p:cNvSpPr>
+            <a:spLocks noGrp="1"/>
+          </p:cNvSpPr>
+          <p:nvPr>
+            <p:ph type="title"/>
+          </p:nvPr>
+        </p:nvSpPr>
+        <p:spPr/>
+        <p:txBody>
+          <a:bodyPr/>
+          <a:lstStyle/>
+          <a:p>
+            <a:r>
+              <a:rPr lang="de-DE" dirty="0" smtClean="0"/>
+              <a:t>ORCA Software GmbH</a:t>
+            </a:r>
+            <a:endParaRPr lang="de-DE" dirty="0"/>
+          </a:p>
+        </p:txBody>
+      </p:sp>
+      <p:pic>
+        <p:nvPicPr>
+          <p:cNvPr id="4" name="Grafik 3"/>
+          <p:cNvPicPr>
+            <a:picLocks noChangeAspect="1"/>
+          </p:cNvPicPr>
+          <p:nvPr/>
+        </p:nvPicPr>
+        <p:blipFill rotWithShape="1">
+          <a:blip r:embed="rId2" cstate="print">
+            <a:extLst>
+              <a:ext uri="{28A0092B-C50C-407E-A947-70E740481C1C}">
+                <a14:useLocalDpi xmlns:a14="http://schemas.microsoft.com/office/drawing/2010/main" val="0"/>
+              </a:ext>
+            </a:extLst>
+          </a:blip>
+          <a:srcRect t="13139"/>
+          <a:stretch/>
+        </p:blipFill>
+        <p:spPr>
+          <a:xfrm>
+            <a:off x="1131770" y="1563638"/>
+            <a:ext cx="2553865" cy="1428157"/>
+          </a:xfrm>
+          <a:prstGeom prst="rect">
+            <a:avLst/>
+          </a:prstGeom>
+        </p:spPr>
+      </p:pic>
+      <p:pic>
+        <p:nvPicPr>
+          <p:cNvPr id="5" name="Grafik 4"/>
+          <p:cNvPicPr>
+            <a:picLocks noChangeAspect="1"/>
+          </p:cNvPicPr>
+          <p:nvPr/>
+        </p:nvPicPr>
+        <p:blipFill>
+          <a:blip r:embed="rId3" cstate="print">
+            <a:extLst>
+              <a:ext uri="{28A0092B-C50C-407E-A947-70E740481C1C}">
+                <a14:useLocalDpi xmlns:a14="http://schemas.microsoft.com/office/drawing/2010/main" val="0"/>
+              </a:ext>
+            </a:extLst>
+          </a:blip>
+          <a:stretch>
+            <a:fillRect/>
+          </a:stretch>
+        </p:blipFill>
+        <p:spPr>
+          <a:xfrm>
+            <a:off x="5364088" y="1596713"/>
+            <a:ext cx="2520280" cy="1390642"/>
+          </a:xfrm>
+          <a:prstGeom prst="rect">
+            <a:avLst/>
+          </a:prstGeom>
+        </p:spPr>
+      </p:pic>
+      <p:sp>
+        <p:nvSpPr>
+          <p:cNvPr id="6" name="Textfeld 5"/>
+          <p:cNvSpPr txBox="1"/>
+          <p:nvPr/>
+        </p:nvSpPr>
+        <p:spPr>
+          <a:xfrm>
+            <a:off x="1835694" y="1090940"/>
+            <a:ext cx="1146019" cy="369332"/>
+          </a:xfrm>
+          <a:prstGeom prst="rect">
+            <a:avLst/>
+          </a:prstGeom>
+          <a:noFill/>
+        </p:spPr>
+        <p:txBody>
+          <a:bodyPr wrap="none" rtlCol="0">
+            <a:spAutoFit/>
+          </a:bodyPr>
+          <a:lstStyle/>
+          <a:p>
+            <a:r>
+              <a:rPr lang="de-DE" dirty="0" smtClean="0"/>
+              <a:t>ORCA AVA</a:t>
+            </a:r>
+            <a:endParaRPr lang="de-DE" dirty="0"/>
+          </a:p>
+        </p:txBody>
+      </p:sp>
+      <p:sp>
+        <p:nvSpPr>
+          <p:cNvPr id="7" name="Textfeld 6"/>
+          <p:cNvSpPr txBox="1"/>
+          <p:nvPr/>
+        </p:nvSpPr>
+        <p:spPr>
+          <a:xfrm>
+            <a:off x="5656848" y="1090940"/>
+            <a:ext cx="1934760" cy="369332"/>
+          </a:xfrm>
+          <a:prstGeom prst="rect">
+            <a:avLst/>
+          </a:prstGeom>
+          <a:noFill/>
+        </p:spPr>
+        <p:txBody>
+          <a:bodyPr wrap="none" rtlCol="0">
+            <a:spAutoFit/>
+          </a:bodyPr>
+          <a:lstStyle/>
+          <a:p>
+            <a:r>
+              <a:rPr lang="de-DE" dirty="0" smtClean="0"/>
+              <a:t>AUSSCHREIBEN.DE</a:t>
+            </a:r>
+            <a:endParaRPr lang="de-DE" dirty="0"/>
+          </a:p>
+        </p:txBody>
+      </p:sp>
+      <p:sp>
+        <p:nvSpPr>
+          <p:cNvPr id="8" name="Textfeld 7"/>
+          <p:cNvSpPr txBox="1"/>
+          <p:nvPr/>
+        </p:nvSpPr>
+        <p:spPr>
+          <a:xfrm>
+            <a:off x="578196" y="3091522"/>
+            <a:ext cx="3608295" cy="738664"/>
+          </a:xfrm>
+          <a:prstGeom prst="rect">
+            <a:avLst/>
+          </a:prstGeom>
+          <a:noFill/>
+        </p:spPr>
+        <p:txBody>
+          <a:bodyPr wrap="none" rtlCol="0">
+            <a:spAutoFit/>
+          </a:bodyPr>
+          <a:lstStyle/>
+          <a:p>
+            <a:pPr marL="342900" indent="-342900">
+              <a:buFont typeface="Arial" panose="020B0604020202020204" pitchFamily="34" charset="0"/>
+              <a:buChar char="•"/>
+            </a:pPr>
+            <a:r>
+              <a:rPr lang="de-DE" sz="1400" dirty="0" smtClean="0"/>
+              <a:t>Ausschreibung Vergabe Abrechnung (AVA)</a:t>
+            </a:r>
+          </a:p>
+          <a:p>
+            <a:pPr marL="285750" indent="-285750">
+              <a:buFont typeface="Arial" panose="020B0604020202020204" pitchFamily="34" charset="0"/>
+              <a:buChar char="•"/>
+            </a:pPr>
+            <a:r>
+              <a:rPr lang="de-DE" sz="1400" dirty="0" smtClean="0"/>
+              <a:t>Kostenmanagement</a:t>
+            </a:r>
+          </a:p>
+          <a:p>
+            <a:pPr marL="285750" indent="-285750">
+              <a:buFont typeface="Arial" panose="020B0604020202020204" pitchFamily="34" charset="0"/>
+              <a:buChar char="•"/>
+            </a:pPr>
+            <a:r>
+              <a:rPr lang="de-DE" sz="1400" dirty="0" smtClean="0"/>
+              <a:t>Unterstützt BIM Prozesse</a:t>
+            </a:r>
+            <a:endParaRPr lang="de-DE" sz="1400" dirty="0"/>
+          </a:p>
+        </p:txBody>
+      </p:sp>
+      <p:sp>
+        <p:nvSpPr>
+          <p:cNvPr id="9" name="Textfeld 8"/>
+          <p:cNvSpPr txBox="1"/>
+          <p:nvPr/>
+        </p:nvSpPr>
+        <p:spPr>
+          <a:xfrm>
+            <a:off x="4958996" y="3095161"/>
+            <a:ext cx="3619004" cy="523220"/>
+          </a:xfrm>
+          <a:prstGeom prst="rect">
+            <a:avLst/>
+          </a:prstGeom>
+          <a:noFill/>
+        </p:spPr>
+        <p:txBody>
+          <a:bodyPr wrap="none" rtlCol="0">
+            <a:spAutoFit/>
+          </a:bodyPr>
+          <a:lstStyle/>
+          <a:p>
+            <a:pPr marL="285750" indent="-285750">
+              <a:buFont typeface="Arial" panose="020B0604020202020204" pitchFamily="34" charset="0"/>
+              <a:buChar char="•"/>
+            </a:pPr>
+            <a:r>
+              <a:rPr lang="de-DE" sz="1400" dirty="0" smtClean="0"/>
+              <a:t>Ausschreibungsportal für Produkthersteller</a:t>
+            </a:r>
+          </a:p>
+          <a:p>
+            <a:pPr marL="285750" indent="-285750">
+              <a:buFont typeface="Arial" panose="020B0604020202020204" pitchFamily="34" charset="0"/>
+              <a:buChar char="•"/>
+            </a:pPr>
+            <a:r>
+              <a:rPr lang="de-DE" sz="1400" dirty="0" smtClean="0"/>
+              <a:t>Über 1 Millionen Ausschreibungstexte</a:t>
+            </a:r>
+            <a:endParaRPr lang="de-DE" sz="1400" dirty="0"/>
+          </a:p>
+        </p:txBody>
+      </p:sp>
+    </p:spTree>
+    <p:extLst>
+      <p:ext uri="{BB962C8B-B14F-4D97-AF65-F5344CB8AC3E}">
+        <p14:creationId xmlns:p14="http://schemas.microsoft.com/office/powerpoint/2010/main" val="3204413084"/>
+      </p:ext>
+    </p:extLst>
+  </p:cSld>
+  <p:clrMapOvr>
+    <a:masterClrMapping/>
+  </p:clrMapOvr>
+  <p:timing>
+    <p:tnLst>
+      <p:par>
+        <p:cTn id="1" dur="indefinite" restart="never" nodeType="tmRoot">
+          <p:childTnLst>
+            <p:seq concurrent="1" nextAc="seek">
+              <p:cTn id="2" dur="indefinite" nodeType="mainSeq">
+                <p:childTnLst>
+                  <p:par>
+                    <p:cTn id="3" fill="hold">
+                      <p:stCondLst>
+                        <p:cond delay="indefinite"/>
+                      </p:stCondLst>
+                      <p:childTnLst>
+                        <p:par>
+                          <p:cTn id="4" fill="hold">
+                            <p:stCondLst>
+                              <p:cond delay="0"/>
+                            </p:stCondLst>
+                            <p:childTnLst>
+                              <p:par>
+                                <p:cTn id="5" presetID="31" presetClass="exit" presetSubtype="0" fill="hold" nodeType="clickEffect">
+                                  <p:stCondLst>
+                                    <p:cond delay="0"/>
+                                  </p:stCondLst>
+                                  <p:childTnLst>
+                                    <p:anim calcmode="lin" valueType="num">
+                                      <p:cBhvr>
+                                        <p:cTn id="6" dur="1000"/>
+                                        <p:tgtEl>
+                                          <p:spTgt spid="4"/>
+                                        </p:tgtEl>
+                                        <p:attrNameLst>
+                                          <p:attrName>ppt_w</p:attrName>
+                                        </p:attrNameLst>
+                                      </p:cBhvr>
+                                      <p:tavLst>
+                                        <p:tav tm="0">
+                                          <p:val>
+                                            <p:strVal val="ppt_w"/>
+                                          </p:val>
+                                        </p:tav>
+                                        <p:tav tm="100000">
+                                          <p:val>
+                                            <p:fltVal val="0"/>
+                                          </p:val>
+                                        </p:tav>
+                                      </p:tavLst>
+                                    </p:anim>
+                                    <p:anim calcmode="lin" valueType="num">
+                                      <p:cBhvr>
+                                        <p:cTn id="7" dur="1000"/>
+                                        <p:tgtEl>
+                                          <p:spTgt spid="4"/>
+                                        </p:tgtEl>
+                                        <p:attrNameLst>
+                                          <p:attrName>ppt_h</p:attrName>
+                                        </p:attrNameLst>
+                                      </p:cBhvr>
+                                      <p:tavLst>
+                                        <p:tav tm="0">
+                                          <p:val>
+                                            <p:strVal val="ppt_h"/>
+                                          </p:val>
+                                        </p:tav>
+                                        <p:tav tm="100000">
+                                          <p:val>
+                                            <p:fltVal val="0"/>
+                                          </p:val>
+                                        </p:tav>
+                                      </p:tavLst>
+                                    </p:anim>
+                                    <p:anim calcmode="lin" valueType="num">
+                                      <p:cBhvr>
+                                        <p:cTn id="8" dur="1000"/>
+                                        <p:tgtEl>
+                                          <p:spTgt spid="4"/>
+                                        </p:tgtEl>
+                                        <p:attrNameLst>
+                                          <p:attrName>style.rotation</p:attrName>
+                                        </p:attrNameLst>
+                                      </p:cBhvr>
+                                      <p:tavLst>
+                                        <p:tav tm="0">
+                                          <p:val>
+                                            <p:fltVal val="0"/>
+                                          </p:val>
+                                        </p:tav>
+                                        <p:tav tm="100000">
+                                          <p:val>
+                                            <p:fltVal val="90"/>
+                                          </p:val>
+                                        </p:tav>
+                                      </p:tavLst>
+                                    </p:anim>
+                                    <p:animEffect transition="out" filter="fade">
+                                      <p:cBhvr>
+                                        <p:cTn id="9" dur="1000"/>
+                                        <p:tgtEl>
+                                          <p:spTgt spid="4"/>
+                                        </p:tgtEl>
+                                      </p:cBhvr>
+                                    </p:animEffect>
+                                    <p:set>
+                                      <p:cBhvr>
+                                        <p:cTn id="10" dur="1" fill="hold">
+                                          <p:stCondLst>
+                                            <p:cond delay="999"/>
+                                          </p:stCondLst>
+                                        </p:cTn>
+                                        <p:tgtEl>
+                                          <p:spTgt spid="4"/>
+                                        </p:tgtEl>
+                                        <p:attrNameLst>
+                                          <p:attrName>style.visibility</p:attrName>
+                                        </p:attrNameLst>
+                                      </p:cBhvr>
+                                      <p:to>
+                                        <p:strVal val="hidden"/>
+                                      </p:to>
+                                    </p:set>
+                                  </p:childTnLst>
+                                </p:cTn>
+                              </p:par>
+                            </p:childTnLst>
+                          </p:cTn>
+                        </p:par>
+                      </p:childTnLst>
+                    </p:cTn>
+                  </p:par>
+                  <p:par>
+                    <p:cTn id="11" fill="hold">
+                      <p:stCondLst>
+                        <p:cond delay="indefinite"/>
+                      </p:stCondLst>
+                      <p:childTnLst>
+                        <p:par>
+                          <p:cTn id="12" fill="hold">
+                            <p:stCondLst>
+                              <p:cond delay="0"/>
+                            </p:stCondLst>
+                            <p:childTnLst>
+                              <p:par>
+                                <p:cTn id="13" presetID="31" presetClass="exit" presetSubtype="0" fill="hold" nodeType="clickEffect">
+                                  <p:stCondLst>
+                                    <p:cond delay="0"/>
+                                  </p:stCondLst>
+                                  <p:childTnLst>
+                                    <p:anim calcmode="lin" valueType="num">
+                                      <p:cBhvr>
+                                        <p:cTn id="14" dur="1000"/>
+                                        <p:tgtEl>
+                                          <p:spTgt spid="5"/>
+                                        </p:tgtEl>
+                                        <p:attrNameLst>
+                                          <p:attrName>ppt_w</p:attrName>
+                                        </p:attrNameLst>
+                                      </p:cBhvr>
+                                      <p:tavLst>
+                                        <p:tav tm="0">
+                                          <p:val>
+                                            <p:strVal val="ppt_w"/>
+                                          </p:val>
+                                        </p:tav>
+                                        <p:tav tm="100000">
+                                          <p:val>
+                                            <p:fltVal val="0"/>
+                                          </p:val>
+                                        </p:tav>
+                                      </p:tavLst>
+                                    </p:anim>
+                                    <p:anim calcmode="lin" valueType="num">
+                                      <p:cBhvr>
+                                        <p:cTn id="15" dur="1000"/>
+                                        <p:tgtEl>
+                                          <p:spTgt spid="5"/>
+                                        </p:tgtEl>
+                                        <p:attrNameLst>
+                                          <p:attrName>ppt_h</p:attrName>
+                                        </p:attrNameLst>
+                                      </p:cBhvr>
+                                      <p:tavLst>
+                                        <p:tav tm="0">
+                                          <p:val>
+                                            <p:strVal val="ppt_h"/>
+                                          </p:val>
+                                        </p:tav>
+                                        <p:tav tm="100000">
+                                          <p:val>
+                                            <p:fltVal val="0"/>
+                                          </p:val>
+                                        </p:tav>
+                                      </p:tavLst>
+                                    </p:anim>
+                                    <p:anim calcmode="lin" valueType="num">
+                                      <p:cBhvr>
+                                        <p:cTn id="16" dur="1000"/>
+                                        <p:tgtEl>
+                                          <p:spTgt spid="5"/>
+                                        </p:tgtEl>
+                                        <p:attrNameLst>
+                                          <p:attrName>style.rotation</p:attrName>
+                                        </p:attrNameLst>
+                                      </p:cBhvr>
+                                      <p:tavLst>
+                                        <p:tav tm="0">
+                                          <p:val>
+                                            <p:fltVal val="0"/>
+                                          </p:val>
+                                        </p:tav>
+                                        <p:tav tm="100000">
+                                          <p:val>
+                                            <p:fltVal val="90"/>
+                                          </p:val>
+                                        </p:tav>
+                                      </p:tavLst>
+                                    </p:anim>
+                                    <p:animEffect transition="out" filter="fade">
+                                      <p:cBhvr>
+                                        <p:cTn id="17" dur="1000"/>
+                                        <p:tgtEl>
+                                          <p:spTgt spid="5"/>
+                                        </p:tgtEl>
+                                      </p:cBhvr>
+                                    </p:animEffect>
+                                    <p:set>
+                                      <p:cBhvr>
+                                        <p:cTn id="18" dur="1" fill="hold">
+                                          <p:stCondLst>
+                                            <p:cond delay="999"/>
+                                          </p:stCondLst>
+                                        </p:cTn>
+                                        <p:tgtEl>
+                                          <p:spTgt spid="5"/>
+                                        </p:tgtEl>
+                                        <p:attrNameLst>
+                                          <p:attrName>style.visibility</p:attrName>
+                                        </p:attrNameLst>
+                                      </p:cBhvr>
+                                      <p:to>
+                                        <p:strVal val="hidden"/>
+                                      </p:to>
+                                    </p:set>
+                                  </p:childTnLst>
+                                </p:cTn>
+                              </p:par>
+                            </p:childTnLst>
+                          </p:cTn>
+                        </p:par>
+                      </p:childTnLst>
+                    </p:cTn>
+                  </p:par>
+                </p:childTnLst>
+              </p:cTn>
+              <p:prevCondLst>
+                <p:cond evt="onPrev" delay="0">
+                  <p:tgtEl>
+                    <p:sldTgt/>
+                  </p:tgtEl>
+                </p:cond>
+              </p:prevCondLst>
+              <p:nextCondLst>
+                <p:cond evt="onNext" delay="0">
+                  <p:tgtEl>
+                    <p:sldTgt/>
+                  </p:tgtEl>
+                </p:cond>
+              </p:nextCondLst>
+            </p:seq>
+          </p:childTnLst>
+        </p:cTn>
+      </p:par>
+    </p:tnLst>
+  </p:timing>
+</p:sld>
+</file>
+
+<file path=ppt/slides/slide5.xml><?xml version="1.0" encoding="utf-8"?>
+<p:sld xmlns:a="http://schemas.openxmlformats.org/drawingml/2006/main" xmlns:r="http://schemas.openxmlformats.org/officeDocument/2006/relationships" xmlns:p="http://schemas.openxmlformats.org/presentationml/2006/main">
+  <p:cSld>
+    <p:spTree>
+      <p:nvGrpSpPr>
+        <p:cNvPr id="1" name=""/>
+        <p:cNvGrpSpPr/>
+        <p:nvPr/>
+      </p:nvGrpSpPr>
+      <p:grpSpPr>
+        <a:xfrm>
+          <a:off x="0" y="0"/>
+          <a:ext cx="0" cy="0"/>
+          <a:chOff x="0" y="0"/>
+          <a:chExt cx="0" cy="0"/>
+        </a:xfrm>
+      </p:grpSpPr>
+      <p:sp>
+        <p:nvSpPr>
+          <p:cNvPr id="2" name="Inhaltsplatzhalter 1"/>
+          <p:cNvSpPr>
+            <a:spLocks noGrp="1"/>
+          </p:cNvSpPr>
+          <p:nvPr>
+            <p:ph idx="1"/>
+          </p:nvPr>
+        </p:nvSpPr>
+        <p:spPr/>
+        <p:txBody>
+          <a:bodyPr/>
+          <a:lstStyle/>
+          <a:p>
+            <a:endParaRPr lang="de-DE"/>
+          </a:p>
+        </p:txBody>
+      </p:sp>
+      <p:sp>
+        <p:nvSpPr>
+          <p:cNvPr id="3" name="Titel 2"/>
+          <p:cNvSpPr>
+            <a:spLocks noGrp="1"/>
+          </p:cNvSpPr>
+          <p:nvPr>
+            <p:ph type="title"/>
+          </p:nvPr>
+        </p:nvSpPr>
+        <p:spPr/>
+        <p:txBody>
+          <a:bodyPr/>
+          <a:lstStyle/>
+          <a:p>
+            <a:endParaRPr lang="de-DE"/>
+          </a:p>
+        </p:txBody>
+      </p:sp>
+      <p:pic>
+        <p:nvPicPr>
+          <p:cNvPr id="4" name="Grafik 3"/>
+          <p:cNvPicPr>
+            <a:picLocks noChangeAspect="1"/>
+          </p:cNvPicPr>
+          <p:nvPr/>
+        </p:nvPicPr>
+        <p:blipFill rotWithShape="1">
+          <a:blip r:embed="rId2"/>
+          <a:srcRect t="1" b="2785"/>
+          <a:stretch/>
+        </p:blipFill>
+        <p:spPr>
+          <a:xfrm>
+            <a:off x="-8023" y="-7420"/>
+            <a:ext cx="9751552" cy="5150920"/>
+          </a:xfrm>
+          <a:prstGeom prst="rect">
+            <a:avLst/>
+          </a:prstGeom>
+        </p:spPr>
+      </p:pic>
+      <p:sp>
+        <p:nvSpPr>
+          <p:cNvPr id="5" name="Rechteck 4"/>
+          <p:cNvSpPr/>
+          <p:nvPr/>
+        </p:nvSpPr>
+        <p:spPr>
+          <a:xfrm>
+            <a:off x="1475656" y="1878024"/>
+            <a:ext cx="1008112" cy="216024"/>
+          </a:xfrm>
+          <a:prstGeom prst="rect">
+            <a:avLst/>
+          </a:prstGeom>
+          <a:noFill/>
+          <a:ln w="19050">
+            <a:solidFill>
+              <a:srgbClr val="FF0000"/>
+            </a:solidFill>
+          </a:ln>
+        </p:spPr>
+        <p:style>
+          <a:lnRef idx="2">
+            <a:schemeClr val="accent1">
+              <a:shade val="50000"/>
+            </a:schemeClr>
+          </a:lnRef>
+          <a:fillRef idx="1">
+            <a:schemeClr val="accent1"/>
+          </a:fillRef>
+          <a:effectRef idx="0">
+            <a:schemeClr val="accent1"/>
+          </a:effectRef>
+          <a:fontRef idx="minor">
+            <a:schemeClr val="lt1"/>
+          </a:fontRef>
+        </p:style>
+        <p:txBody>
+          <a:bodyPr rtlCol="0" anchor="ctr"/>
+          <a:lstStyle/>
+          <a:p>
+            <a:pPr algn="ctr"/>
+            <a:endParaRPr lang="de-DE" dirty="0" smtClean="0">
+              <a:solidFill>
+                <a:schemeClr val="tx1"/>
+              </a:solidFill>
+            </a:endParaRPr>
+          </a:p>
+        </p:txBody>
+      </p:sp>
+      <p:sp>
+        <p:nvSpPr>
+          <p:cNvPr id="6" name="Rechteck 5"/>
+          <p:cNvSpPr/>
+          <p:nvPr/>
+        </p:nvSpPr>
+        <p:spPr>
+          <a:xfrm>
+            <a:off x="3156269" y="1275606"/>
+            <a:ext cx="479627" cy="432048"/>
+          </a:xfrm>
+          <a:prstGeom prst="rect">
+            <a:avLst/>
+          </a:prstGeom>
+          <a:noFill/>
+          <a:ln w="19050">
+            <a:solidFill>
+              <a:srgbClr val="FF0000"/>
+            </a:solidFill>
+          </a:ln>
+        </p:spPr>
+        <p:style>
+          <a:lnRef idx="2">
+            <a:schemeClr val="accent1">
+              <a:shade val="50000"/>
+            </a:schemeClr>
+          </a:lnRef>
+          <a:fillRef idx="1">
+            <a:schemeClr val="accent1"/>
+          </a:fillRef>
+          <a:effectRef idx="0">
+            <a:schemeClr val="accent1"/>
+          </a:effectRef>
+          <a:fontRef idx="minor">
+            <a:schemeClr val="lt1"/>
+          </a:fontRef>
+        </p:style>
+        <p:txBody>
+          <a:bodyPr rtlCol="0" anchor="ctr"/>
+          <a:lstStyle/>
+          <a:p>
+            <a:pPr algn="ctr"/>
+            <a:endParaRPr lang="de-DE" dirty="0" smtClean="0">
+              <a:solidFill>
+                <a:schemeClr val="tx1"/>
+              </a:solidFill>
+            </a:endParaRPr>
+          </a:p>
+        </p:txBody>
+      </p:sp>
+      <p:sp>
+        <p:nvSpPr>
+          <p:cNvPr id="7" name="Rechteck 6"/>
+          <p:cNvSpPr/>
+          <p:nvPr/>
+        </p:nvSpPr>
+        <p:spPr>
+          <a:xfrm>
+            <a:off x="6876256" y="4299942"/>
+            <a:ext cx="1008112" cy="216024"/>
+          </a:xfrm>
+          <a:prstGeom prst="rect">
+            <a:avLst/>
+          </a:prstGeom>
+          <a:noFill/>
+          <a:ln w="19050">
+            <a:solidFill>
+              <a:srgbClr val="FF0000"/>
+            </a:solidFill>
+          </a:ln>
+        </p:spPr>
+        <p:style>
+          <a:lnRef idx="2">
+            <a:schemeClr val="accent1">
+              <a:shade val="50000"/>
+            </a:schemeClr>
+          </a:lnRef>
+          <a:fillRef idx="1">
+            <a:schemeClr val="accent1"/>
+          </a:fillRef>
+          <a:effectRef idx="0">
+            <a:schemeClr val="accent1"/>
+          </a:effectRef>
+          <a:fontRef idx="minor">
+            <a:schemeClr val="lt1"/>
+          </a:fontRef>
+        </p:style>
+        <p:txBody>
+          <a:bodyPr rtlCol="0" anchor="ctr"/>
+          <a:lstStyle/>
+          <a:p>
+            <a:pPr algn="ctr"/>
+            <a:endParaRPr lang="de-DE" dirty="0" smtClean="0">
+              <a:solidFill>
+                <a:schemeClr val="tx1"/>
+              </a:solidFill>
+            </a:endParaRPr>
+          </a:p>
+        </p:txBody>
+      </p:sp>
+      <p:sp>
+        <p:nvSpPr>
+          <p:cNvPr id="8" name="Rechteck 7"/>
+          <p:cNvSpPr/>
+          <p:nvPr/>
+        </p:nvSpPr>
+        <p:spPr>
+          <a:xfrm>
+            <a:off x="5940152" y="1797826"/>
+            <a:ext cx="3024336" cy="1782036"/>
+          </a:xfrm>
+          <a:prstGeom prst="rect">
+            <a:avLst/>
+          </a:prstGeom>
+          <a:noFill/>
+          <a:ln w="19050">
+            <a:solidFill>
+              <a:srgbClr val="FF0000"/>
+            </a:solidFill>
+          </a:ln>
+        </p:spPr>
+        <p:style>
+          <a:lnRef idx="2">
+            <a:schemeClr val="accent1">
+              <a:shade val="50000"/>
+            </a:schemeClr>
+          </a:lnRef>
+          <a:fillRef idx="1">
+            <a:schemeClr val="accent1"/>
+          </a:fillRef>
+          <a:effectRef idx="0">
+            <a:schemeClr val="accent1"/>
+          </a:effectRef>
+          <a:fontRef idx="minor">
+            <a:schemeClr val="lt1"/>
+          </a:fontRef>
+        </p:style>
+        <p:txBody>
+          <a:bodyPr rtlCol="0" anchor="ctr"/>
+          <a:lstStyle/>
+          <a:p>
+            <a:pPr algn="ctr"/>
+            <a:endParaRPr lang="de-DE" dirty="0" smtClean="0">
+              <a:solidFill>
+                <a:schemeClr val="tx1"/>
+              </a:solidFill>
+            </a:endParaRPr>
+          </a:p>
+        </p:txBody>
+      </p:sp>
+    </p:spTree>
+    <p:extLst>
+      <p:ext uri="{BB962C8B-B14F-4D97-AF65-F5344CB8AC3E}">
+        <p14:creationId xmlns:p14="http://schemas.microsoft.com/office/powerpoint/2010/main" val="3370391363"/>
+      </p:ext>
+    </p:extLst>
+  </p:cSld>
+  <p:clrMapOvr>
+    <a:masterClrMapping/>
+  </p:clrMapOvr>
+  <p:timing>
+    <p:tnLst>
+      <p:par>
+        <p:cTn id="1" dur="indefinite" restart="never" nodeType="tmRoot">
+          <p:childTnLst>
+            <p:seq concurrent="1" nextAc="seek">
+              <p:cTn id="2" dur="indefinite" nodeType="mainSeq">
+                <p:childTnLst>
+                  <p:par>
+                    <p:cTn id="3" fill="hold">
+                      <p:stCondLst>
+                        <p:cond delay="indefinite"/>
+                      </p:stCondLst>
+                      <p:childTnLst>
+                        <p:par>
+                          <p:cTn id="4" fill="hold">
+                            <p:stCondLst>
+                              <p:cond delay="0"/>
+                            </p:stCondLst>
+                            <p:childTnLst>
+                              <p:par>
+                                <p:cTn id="5" presetID="53" presetClass="entr" presetSubtype="16" fill="hold" grpId="0" nodeType="clickEffect">
+                                  <p:stCondLst>
+                                    <p:cond delay="0"/>
+                                  </p:stCondLst>
+                                  <p:childTnLst>
+                                    <p:set>
+                                      <p:cBhvr>
+                                        <p:cTn id="6" dur="1" fill="hold">
+                                          <p:stCondLst>
+                                            <p:cond delay="0"/>
+                                          </p:stCondLst>
+                                        </p:cTn>
+                                        <p:tgtEl>
+                                          <p:spTgt spid="5"/>
+                                        </p:tgtEl>
+                                        <p:attrNameLst>
+                                          <p:attrName>style.visibility</p:attrName>
+                                        </p:attrNameLst>
+                                      </p:cBhvr>
+                                      <p:to>
+                                        <p:strVal val="visible"/>
+                                      </p:to>
+                                    </p:set>
+                                    <p:anim calcmode="lin" valueType="num">
+                                      <p:cBhvr>
+                                        <p:cTn id="7" dur="500" fill="hold"/>
+                                        <p:tgtEl>
+                                          <p:spTgt spid="5"/>
+                                        </p:tgtEl>
+                                        <p:attrNameLst>
+                                          <p:attrName>ppt_w</p:attrName>
+                                        </p:attrNameLst>
+                                      </p:cBhvr>
+                                      <p:tavLst>
+                                        <p:tav tm="0">
+                                          <p:val>
+                                            <p:fltVal val="0"/>
+                                          </p:val>
+                                        </p:tav>
+                                        <p:tav tm="100000">
+                                          <p:val>
+                                            <p:strVal val="#ppt_w"/>
+                                          </p:val>
+                                        </p:tav>
+                                      </p:tavLst>
+                                    </p:anim>
+                                    <p:anim calcmode="lin" valueType="num">
+                                      <p:cBhvr>
+                                        <p:cTn id="8" dur="500" fill="hold"/>
+                                        <p:tgtEl>
+                                          <p:spTgt spid="5"/>
+                                        </p:tgtEl>
+                                        <p:attrNameLst>
+                                          <p:attrName>ppt_h</p:attrName>
+                                        </p:attrNameLst>
+                                      </p:cBhvr>
+                                      <p:tavLst>
+                                        <p:tav tm="0">
+                                          <p:val>
+                                            <p:fltVal val="0"/>
+                                          </p:val>
+                                        </p:tav>
+                                        <p:tav tm="100000">
+                                          <p:val>
+                                            <p:strVal val="#ppt_h"/>
+                                          </p:val>
+                                        </p:tav>
+                                      </p:tavLst>
+                                    </p:anim>
+                                    <p:animEffect transition="in" filter="fade">
+                                      <p:cBhvr>
+                                        <p:cTn id="9" dur="500"/>
+                                        <p:tgtEl>
+                                          <p:spTgt spid="5"/>
+                                        </p:tgtEl>
+                                      </p:cBhvr>
+                                    </p:animEffect>
+                                  </p:childTnLst>
+                                  <p:subTnLst>
+                                    <p:set>
+                                      <p:cBhvr override="childStyle">
+                                        <p:cTn dur="1" fill="hold" display="0" masterRel="nextClick" afterEffect="1"/>
+                                        <p:tgtEl>
+                                          <p:spTgt spid="5"/>
+                                        </p:tgtEl>
+                                        <p:attrNameLst>
+                                          <p:attrName>style.visibility</p:attrName>
+                                        </p:attrNameLst>
+                                      </p:cBhvr>
+                                      <p:to>
+                                        <p:strVal val="hidden"/>
+                                      </p:to>
+                                    </p:set>
+                                  </p:subTnLst>
+                                </p:cTn>
+                              </p:par>
+                            </p:childTnLst>
+                          </p:cTn>
+                        </p:par>
+                      </p:childTnLst>
+                    </p:cTn>
+                  </p:par>
+                  <p:par>
+                    <p:cTn id="10" fill="hold">
+                      <p:stCondLst>
+                        <p:cond delay="indefinite"/>
+                      </p:stCondLst>
+                      <p:childTnLst>
+                        <p:par>
+                          <p:cTn id="11" fill="hold">
+                            <p:stCondLst>
+                              <p:cond delay="0"/>
+                            </p:stCondLst>
+                            <p:childTnLst>
+                              <p:par>
+                                <p:cTn id="12" presetID="53" presetClass="entr" presetSubtype="16" fill="hold" grpId="0" nodeType="clickEffect">
+                                  <p:stCondLst>
+                                    <p:cond delay="0"/>
+                                  </p:stCondLst>
+                                  <p:childTnLst>
+                                    <p:set>
+                                      <p:cBhvr>
+                                        <p:cTn id="13" dur="1" fill="hold">
+                                          <p:stCondLst>
+                                            <p:cond delay="0"/>
+                                          </p:stCondLst>
+                                        </p:cTn>
+                                        <p:tgtEl>
+                                          <p:spTgt spid="8"/>
+                                        </p:tgtEl>
+                                        <p:attrNameLst>
+                                          <p:attrName>style.visibility</p:attrName>
+                                        </p:attrNameLst>
+                                      </p:cBhvr>
+                                      <p:to>
+                                        <p:strVal val="visible"/>
+                                      </p:to>
+                                    </p:set>
+                                    <p:anim calcmode="lin" valueType="num">
+                                      <p:cBhvr>
+                                        <p:cTn id="14" dur="500" fill="hold"/>
+                                        <p:tgtEl>
+                                          <p:spTgt spid="8"/>
+                                        </p:tgtEl>
+                                        <p:attrNameLst>
+                                          <p:attrName>ppt_w</p:attrName>
+                                        </p:attrNameLst>
+                                      </p:cBhvr>
+                                      <p:tavLst>
+                                        <p:tav tm="0">
+                                          <p:val>
+                                            <p:fltVal val="0"/>
+                                          </p:val>
+                                        </p:tav>
+                                        <p:tav tm="100000">
+                                          <p:val>
+                                            <p:strVal val="#ppt_w"/>
+                                          </p:val>
+                                        </p:tav>
+                                      </p:tavLst>
+                                    </p:anim>
+                                    <p:anim calcmode="lin" valueType="num">
+                                      <p:cBhvr>
+                                        <p:cTn id="15" dur="500" fill="hold"/>
+                                        <p:tgtEl>
+                                          <p:spTgt spid="8"/>
+                                        </p:tgtEl>
+                                        <p:attrNameLst>
+                                          <p:attrName>ppt_h</p:attrName>
+                                        </p:attrNameLst>
+                                      </p:cBhvr>
+                                      <p:tavLst>
+                                        <p:tav tm="0">
+                                          <p:val>
+                                            <p:fltVal val="0"/>
+                                          </p:val>
+                                        </p:tav>
+                                        <p:tav tm="100000">
+                                          <p:val>
+                                            <p:strVal val="#ppt_h"/>
+                                          </p:val>
+                                        </p:tav>
+                                      </p:tavLst>
+                                    </p:anim>
+                                    <p:animEffect transition="in" filter="fade">
+                                      <p:cBhvr>
+                                        <p:cTn id="16" dur="500"/>
+                                        <p:tgtEl>
+                                          <p:spTgt spid="8"/>
+                                        </p:tgtEl>
+                                      </p:cBhvr>
+                                    </p:animEffect>
+                                  </p:childTnLst>
+                                  <p:subTnLst>
+                                    <p:set>
+                                      <p:cBhvr override="childStyle">
+                                        <p:cTn dur="1" fill="hold" display="0" masterRel="nextClick" afterEffect="1"/>
+                                        <p:tgtEl>
+                                          <p:spTgt spid="8"/>
+                                        </p:tgtEl>
+                                        <p:attrNameLst>
+                                          <p:attrName>style.visibility</p:attrName>
+                                        </p:attrNameLst>
+                                      </p:cBhvr>
+                                      <p:to>
+                                        <p:strVal val="hidden"/>
+                                      </p:to>
+                                    </p:set>
+                                  </p:subTnLst>
+                                </p:cTn>
+                              </p:par>
+                            </p:childTnLst>
+                          </p:cTn>
+                        </p:par>
+                      </p:childTnLst>
+                    </p:cTn>
+                  </p:par>
+                  <p:par>
+                    <p:cTn id="17" fill="hold">
+                      <p:stCondLst>
+                        <p:cond delay="indefinite"/>
+                      </p:stCondLst>
+                      <p:childTnLst>
+                        <p:par>
+                          <p:cTn id="18" fill="hold">
+                            <p:stCondLst>
+                              <p:cond delay="0"/>
+                            </p:stCondLst>
+                            <p:childTnLst>
+                              <p:par>
+                                <p:cTn id="19" presetID="53" presetClass="entr" presetSubtype="16" fill="hold" grpId="0" nodeType="clickEffect">
+                                  <p:stCondLst>
+                                    <p:cond delay="0"/>
+                                  </p:stCondLst>
+                                  <p:childTnLst>
+                                    <p:set>
+                                      <p:cBhvr>
+                                        <p:cTn id="20" dur="1" fill="hold">
+                                          <p:stCondLst>
+                                            <p:cond delay="0"/>
+                                          </p:stCondLst>
+                                        </p:cTn>
+                                        <p:tgtEl>
+                                          <p:spTgt spid="6"/>
+                                        </p:tgtEl>
+                                        <p:attrNameLst>
+                                          <p:attrName>style.visibility</p:attrName>
+                                        </p:attrNameLst>
+                                      </p:cBhvr>
+                                      <p:to>
+                                        <p:strVal val="visible"/>
+                                      </p:to>
+                                    </p:set>
+                                    <p:anim calcmode="lin" valueType="num">
+                                      <p:cBhvr>
+                                        <p:cTn id="21" dur="500" fill="hold"/>
+                                        <p:tgtEl>
+                                          <p:spTgt spid="6"/>
+                                        </p:tgtEl>
+                                        <p:attrNameLst>
+                                          <p:attrName>ppt_w</p:attrName>
+                                        </p:attrNameLst>
+                                      </p:cBhvr>
+                                      <p:tavLst>
+                                        <p:tav tm="0">
+                                          <p:val>
+                                            <p:fltVal val="0"/>
+                                          </p:val>
+                                        </p:tav>
+                                        <p:tav tm="100000">
+                                          <p:val>
+                                            <p:strVal val="#ppt_w"/>
+                                          </p:val>
+                                        </p:tav>
+                                      </p:tavLst>
+                                    </p:anim>
+                                    <p:anim calcmode="lin" valueType="num">
+                                      <p:cBhvr>
+                                        <p:cTn id="22" dur="500" fill="hold"/>
+                                        <p:tgtEl>
+                                          <p:spTgt spid="6"/>
+                                        </p:tgtEl>
+                                        <p:attrNameLst>
+                                          <p:attrName>ppt_h</p:attrName>
+                                        </p:attrNameLst>
+                                      </p:cBhvr>
+                                      <p:tavLst>
+                                        <p:tav tm="0">
+                                          <p:val>
+                                            <p:fltVal val="0"/>
+                                          </p:val>
+                                        </p:tav>
+                                        <p:tav tm="100000">
+                                          <p:val>
+                                            <p:strVal val="#ppt_h"/>
+                                          </p:val>
+                                        </p:tav>
+                                      </p:tavLst>
+                                    </p:anim>
+                                    <p:animEffect transition="in" filter="fade">
+                                      <p:cBhvr>
+                                        <p:cTn id="23" dur="500"/>
+                                        <p:tgtEl>
+                                          <p:spTgt spid="6"/>
+                                        </p:tgtEl>
+                                      </p:cBhvr>
+                                    </p:animEffect>
+                                  </p:childTnLst>
+                                  <p:subTnLst>
+                                    <p:set>
+                                      <p:cBhvr override="childStyle">
+                                        <p:cTn dur="1" fill="hold" display="0" masterRel="nextClick" afterEffect="1"/>
+                                        <p:tgtEl>
+                                          <p:spTgt spid="6"/>
+                                        </p:tgtEl>
+                                        <p:attrNameLst>
+                                          <p:attrName>style.visibility</p:attrName>
+                                        </p:attrNameLst>
+                                      </p:cBhvr>
+                                      <p:to>
+                                        <p:strVal val="hidden"/>
+                                      </p:to>
+                                    </p:set>
+                                  </p:subTnLst>
+                                </p:cTn>
+                              </p:par>
+                            </p:childTnLst>
+                          </p:cTn>
+                        </p:par>
+                      </p:childTnLst>
+                    </p:cTn>
+                  </p:par>
+                  <p:par>
+                    <p:cTn id="24" fill="hold">
+                      <p:stCondLst>
+                        <p:cond delay="indefinite"/>
+                      </p:stCondLst>
+                      <p:childTnLst>
+                        <p:par>
+                          <p:cTn id="25" fill="hold">
+                            <p:stCondLst>
+                              <p:cond delay="0"/>
+                            </p:stCondLst>
+                            <p:childTnLst>
+                              <p:par>
+                                <p:cTn id="26" presetID="53" presetClass="entr" presetSubtype="16" fill="hold" grpId="0" nodeType="clickEffect">
+                                  <p:stCondLst>
+                                    <p:cond delay="0"/>
+                                  </p:stCondLst>
+                                  <p:childTnLst>
+                                    <p:set>
+                                      <p:cBhvr>
+                                        <p:cTn id="27" dur="1" fill="hold">
+                                          <p:stCondLst>
+                                            <p:cond delay="0"/>
+                                          </p:stCondLst>
+                                        </p:cTn>
+                                        <p:tgtEl>
+                                          <p:spTgt spid="7"/>
+                                        </p:tgtEl>
+                                        <p:attrNameLst>
+                                          <p:attrName>style.visibility</p:attrName>
+                                        </p:attrNameLst>
+                                      </p:cBhvr>
+                                      <p:to>
+                                        <p:strVal val="visible"/>
+                                      </p:to>
+                                    </p:set>
+                                    <p:anim calcmode="lin" valueType="num">
+                                      <p:cBhvr>
+                                        <p:cTn id="28" dur="500" fill="hold"/>
+                                        <p:tgtEl>
+                                          <p:spTgt spid="7"/>
+                                        </p:tgtEl>
+                                        <p:attrNameLst>
+                                          <p:attrName>ppt_w</p:attrName>
+                                        </p:attrNameLst>
+                                      </p:cBhvr>
+                                      <p:tavLst>
+                                        <p:tav tm="0">
+                                          <p:val>
+                                            <p:fltVal val="0"/>
+                                          </p:val>
+                                        </p:tav>
+                                        <p:tav tm="100000">
+                                          <p:val>
+                                            <p:strVal val="#ppt_w"/>
+                                          </p:val>
+                                        </p:tav>
+                                      </p:tavLst>
+                                    </p:anim>
+                                    <p:anim calcmode="lin" valueType="num">
+                                      <p:cBhvr>
+                                        <p:cTn id="29" dur="500" fill="hold"/>
+                                        <p:tgtEl>
+                                          <p:spTgt spid="7"/>
+                                        </p:tgtEl>
+                                        <p:attrNameLst>
+                                          <p:attrName>ppt_h</p:attrName>
+                                        </p:attrNameLst>
+                                      </p:cBhvr>
+                                      <p:tavLst>
+                                        <p:tav tm="0">
+                                          <p:val>
+                                            <p:fltVal val="0"/>
+                                          </p:val>
+                                        </p:tav>
+                                        <p:tav tm="100000">
+                                          <p:val>
+                                            <p:strVal val="#ppt_h"/>
+                                          </p:val>
+                                        </p:tav>
+                                      </p:tavLst>
+                                    </p:anim>
+                                    <p:animEffect transition="in" filter="fade">
+                                      <p:cBhvr>
+                                        <p:cTn id="30" dur="500"/>
+                                        <p:tgtEl>
+                                          <p:spTgt spid="7"/>
+                                        </p:tgtEl>
+                                      </p:cBhvr>
+                                    </p:animEffect>
+                                  </p:childTnLst>
+                                  <p:subTnLst>
+                                    <p:set>
+                                      <p:cBhvr override="childStyle">
+                                        <p:cTn dur="1" fill="hold" display="0" masterRel="nextClick" afterEffect="1"/>
+                                        <p:tgtEl>
+                                          <p:spTgt spid="7"/>
+                                        </p:tgtEl>
+                                        <p:attrNameLst>
+                                          <p:attrName>style.visibility</p:attrName>
+                                        </p:attrNameLst>
+                                      </p:cBhvr>
+                                      <p:to>
+                                        <p:strVal val="hidden"/>
+                                      </p:to>
+                                    </p:set>
+                                  </p:subTnLst>
+                                </p:cTn>
+                              </p:par>
+                            </p:childTnLst>
+                          </p:cTn>
+                        </p:par>
+                      </p:childTnLst>
+                    </p:cTn>
+                  </p:par>
+                </p:childTnLst>
+              </p:cTn>
+              <p:prevCondLst>
+                <p:cond evt="onPrev" delay="0">
+                  <p:tgtEl>
+                    <p:sldTgt/>
+                  </p:tgtEl>
+                </p:cond>
+              </p:prevCondLst>
+              <p:nextCondLst>
+                <p:cond evt="onNext" delay="0">
+                  <p:tgtEl>
+                    <p:sldTgt/>
+                  </p:tgtEl>
+                </p:cond>
+              </p:nextCondLst>
+            </p:seq>
+          </p:childTnLst>
+        </p:cTn>
+      </p:par>
+    </p:tnLst>
+    <p:bldLst>
+      <p:bldP spid="5" grpId="0" animBg="1"/>
+      <p:bldP spid="6" grpId="0" animBg="1"/>
+      <p:bldP spid="7" grpId="0" animBg="1"/>
+      <p:bldP spid="8" grpId="0" animBg="1"/>
+    </p:bldLst>
+  </p:timing>
+</p:sld>
+</file>
+
+<file path=ppt/slides/slide6.xml><?xml version="1.0" encoding="utf-8"?>
+<p:sld xmlns:a="http://schemas.openxmlformats.org/drawingml/2006/main" xmlns:r="http://schemas.openxmlformats.org/officeDocument/2006/relationships" xmlns:p="http://schemas.openxmlformats.org/presentationml/2006/main">
+  <p:cSld>
+    <p:spTree>
+      <p:nvGrpSpPr>
+        <p:cNvPr id="1" name=""/>
+        <p:cNvGrpSpPr/>
+        <p:nvPr/>
+      </p:nvGrpSpPr>
+      <p:grpSpPr>
+        <a:xfrm>
+          <a:off x="0" y="0"/>
+          <a:ext cx="0" cy="0"/>
+          <a:chOff x="0" y="0"/>
+          <a:chExt cx="0" cy="0"/>
+        </a:xfrm>
+      </p:grpSpPr>
+      <p:sp>
+        <p:nvSpPr>
+          <p:cNvPr id="3" name="Titel 2"/>
+          <p:cNvSpPr>
+            <a:spLocks noGrp="1"/>
+          </p:cNvSpPr>
+          <p:nvPr>
+            <p:ph type="title"/>
+          </p:nvPr>
+        </p:nvSpPr>
+        <p:spPr>
+          <a:xfrm>
+            <a:off x="539552" y="120696"/>
+            <a:ext cx="7249658" cy="549757"/>
+          </a:xfrm>
+        </p:spPr>
+        <p:txBody>
+          <a:bodyPr/>
+          <a:lstStyle/>
+          <a:p>
+            <a:r>
+              <a:rPr lang="de-DE" dirty="0" smtClean="0"/>
+              <a:t>Künstlicher Intelligenz und </a:t>
+            </a:r>
+            <a:r>
+              <a:rPr lang="de-DE" dirty="0" err="1" smtClean="0"/>
+              <a:t>Machine</a:t>
+            </a:r>
+            <a:r>
+              <a:rPr lang="de-DE" dirty="0" smtClean="0"/>
+              <a:t> Learning</a:t>
+            </a:r>
+            <a:endParaRPr lang="de-DE" dirty="0"/>
+          </a:p>
+        </p:txBody>
+      </p:sp>
+      <p:pic>
+        <p:nvPicPr>
+          <p:cNvPr id="4" name="Grafik 3"/>
+          <p:cNvPicPr>
+            <a:picLocks noChangeAspect="1"/>
+          </p:cNvPicPr>
+          <p:nvPr/>
+        </p:nvPicPr>
+        <p:blipFill>
+          <a:blip r:embed="rId2">
+            <a:extLst>
+              <a:ext uri="{28A0092B-C50C-407E-A947-70E740481C1C}">
+                <a14:useLocalDpi xmlns:a14="http://schemas.microsoft.com/office/drawing/2010/main" val="0"/>
+              </a:ext>
+            </a:extLst>
+          </a:blip>
+          <a:stretch>
+            <a:fillRect/>
+          </a:stretch>
+        </p:blipFill>
+        <p:spPr>
+          <a:xfrm>
+            <a:off x="395536" y="950120"/>
+            <a:ext cx="8417617" cy="1689536"/>
+          </a:xfrm>
+          <a:prstGeom prst="rect">
+            <a:avLst/>
+          </a:prstGeom>
+        </p:spPr>
+      </p:pic>
+      <p:pic>
+        <p:nvPicPr>
+          <p:cNvPr id="5" name="Grafik 4"/>
+          <p:cNvPicPr>
+            <a:picLocks noChangeAspect="1"/>
+          </p:cNvPicPr>
+          <p:nvPr/>
+        </p:nvPicPr>
+        <p:blipFill>
+          <a:blip r:embed="rId3">
+            <a:extLst>
+              <a:ext uri="{28A0092B-C50C-407E-A947-70E740481C1C}">
+                <a14:useLocalDpi xmlns:a14="http://schemas.microsoft.com/office/drawing/2010/main" val="0"/>
+              </a:ext>
+            </a:extLst>
+          </a:blip>
+          <a:stretch>
+            <a:fillRect/>
+          </a:stretch>
+        </p:blipFill>
+        <p:spPr>
+          <a:xfrm>
+            <a:off x="389233" y="2787774"/>
+            <a:ext cx="8423920" cy="1655984"/>
+          </a:xfrm>
+          <a:prstGeom prst="rect">
+            <a:avLst/>
+          </a:prstGeom>
+        </p:spPr>
+      </p:pic>
+      <p:sp>
+        <p:nvSpPr>
+          <p:cNvPr id="6" name="Textfeld 5"/>
+          <p:cNvSpPr txBox="1"/>
+          <p:nvPr/>
+        </p:nvSpPr>
+        <p:spPr>
+          <a:xfrm>
+            <a:off x="6804248" y="4443758"/>
+            <a:ext cx="2117887" cy="261610"/>
+          </a:xfrm>
+          <a:prstGeom prst="rect">
+            <a:avLst/>
+          </a:prstGeom>
+          <a:noFill/>
+        </p:spPr>
+        <p:txBody>
+          <a:bodyPr wrap="none" rtlCol="0">
+            <a:spAutoFit/>
+          </a:bodyPr>
+          <a:lstStyle/>
+          <a:p>
+            <a:r>
+              <a:rPr lang="de-DE" sz="1100" dirty="0" smtClean="0">
+                <a:solidFill>
+                  <a:srgbClr val="A5A5A5"/>
+                </a:solidFill>
+              </a:rPr>
+              <a:t>Quelle: trends.google.com/</a:t>
+            </a:r>
+            <a:r>
+              <a:rPr lang="de-DE" sz="1100" dirty="0" err="1" smtClean="0">
+                <a:solidFill>
+                  <a:srgbClr val="A5A5A5"/>
+                </a:solidFill>
+              </a:rPr>
+              <a:t>trends</a:t>
+            </a:r>
+            <a:endParaRPr lang="de-DE" sz="1100" dirty="0" smtClean="0">
+              <a:solidFill>
+                <a:srgbClr val="A5A5A5"/>
+              </a:solidFill>
+            </a:endParaRPr>
+          </a:p>
+        </p:txBody>
+      </p:sp>
+    </p:spTree>
+    <p:extLst>
+      <p:ext uri="{BB962C8B-B14F-4D97-AF65-F5344CB8AC3E}">
+        <p14:creationId xmlns:p14="http://schemas.microsoft.com/office/powerpoint/2010/main" val="3252445552"/>
+      </p:ext>
+    </p:extLst>
+  </p:cSld>
+  <p:clrMapOvr>
+    <a:masterClrMapping/>
+  </p:clrMapOvr>
+  <p:timing>
+    <p:tnLst>
+      <p:par>
+        <p:cTn id="1" dur="indefinite" restart="never" nodeType="tmRoot"/>
+      </p:par>
+    </p:tnLst>
+  </p:timing>
+</p:sld>
+</file>
+
+<file path=ppt/slides/slide7.xml><?xml version="1.0" encoding="utf-8"?>
+<p:sld xmlns:a="http://schemas.openxmlformats.org/drawingml/2006/main" xmlns:r="http://schemas.openxmlformats.org/officeDocument/2006/relationships" xmlns:p="http://schemas.openxmlformats.org/presentationml/2006/main">
+  <p:cSld>
+    <p:spTree>
+      <p:nvGrpSpPr>
+        <p:cNvPr id="1" name=""/>
+        <p:cNvGrpSpPr/>
+        <p:nvPr/>
+      </p:nvGrpSpPr>
+      <p:grpSpPr>
+        <a:xfrm>
+          <a:off x="0" y="0"/>
+          <a:ext cx="0" cy="0"/>
+          <a:chOff x="0" y="0"/>
+          <a:chExt cx="0" cy="0"/>
+        </a:xfrm>
+      </p:grpSpPr>
       <p:pic>
         <p:nvPicPr>
           <p:cNvPr id="4" name="Inhaltsplatzhalter 3"/>
@@ -8248,329 +12294,13 @@
   <p:clrMapOvr>
     <a:masterClrMapping/>
   </p:clrMapOvr>
-</p:sld>
-</file>
-
-<file path=ppt/slides/slide5.xml><?xml version="1.0" encoding="utf-8"?>
-<p:sld xmlns:a="http://schemas.openxmlformats.org/drawingml/2006/main" xmlns:r="http://schemas.openxmlformats.org/officeDocument/2006/relationships" xmlns:p="http://schemas.openxmlformats.org/presentationml/2006/main">
-  <p:cSld>
-    <p:spTree>
-      <p:nvGrpSpPr>
-        <p:cNvPr id="1" name=""/>
-        <p:cNvGrpSpPr/>
-        <p:nvPr/>
-      </p:nvGrpSpPr>
-      <p:grpSpPr>
-        <a:xfrm>
-          <a:off x="0" y="0"/>
-          <a:ext cx="0" cy="0"/>
-          <a:chOff x="0" y="0"/>
-          <a:chExt cx="0" cy="0"/>
-        </a:xfrm>
-      </p:grpSpPr>
-      <p:sp>
-        <p:nvSpPr>
-          <p:cNvPr id="3" name="Titel 2"/>
-          <p:cNvSpPr>
-            <a:spLocks noGrp="1"/>
-          </p:cNvSpPr>
-          <p:nvPr>
-            <p:ph type="title"/>
-          </p:nvPr>
-        </p:nvSpPr>
-        <p:spPr>
-          <a:xfrm>
-            <a:off x="539552" y="120696"/>
-            <a:ext cx="7249658" cy="549757"/>
-          </a:xfrm>
-        </p:spPr>
-        <p:txBody>
-          <a:bodyPr/>
-          <a:lstStyle/>
-          <a:p>
-            <a:r>
-              <a:rPr lang="de-DE" dirty="0" smtClean="0"/>
-              <a:t>Künstlicher Intelligenz und </a:t>
-            </a:r>
-            <a:r>
-              <a:rPr lang="de-DE" dirty="0" err="1" smtClean="0"/>
-              <a:t>Machine</a:t>
-            </a:r>
-            <a:r>
-              <a:rPr lang="de-DE" dirty="0" smtClean="0"/>
-              <a:t> Learning</a:t>
-            </a:r>
-            <a:endParaRPr lang="de-DE" dirty="0"/>
-          </a:p>
-        </p:txBody>
-      </p:sp>
-      <p:pic>
-        <p:nvPicPr>
-          <p:cNvPr id="4" name="Grafik 3"/>
-          <p:cNvPicPr>
-            <a:picLocks noChangeAspect="1"/>
-          </p:cNvPicPr>
-          <p:nvPr/>
-        </p:nvPicPr>
-        <p:blipFill>
-          <a:blip r:embed="rId2">
-            <a:extLst>
-              <a:ext uri="{28A0092B-C50C-407E-A947-70E740481C1C}">
-                <a14:useLocalDpi xmlns:a14="http://schemas.microsoft.com/office/drawing/2010/main" val="0"/>
-              </a:ext>
-            </a:extLst>
-          </a:blip>
-          <a:stretch>
-            <a:fillRect/>
-          </a:stretch>
-        </p:blipFill>
-        <p:spPr>
-          <a:xfrm>
-            <a:off x="395536" y="950120"/>
-            <a:ext cx="8417617" cy="1689536"/>
-          </a:xfrm>
-          <a:prstGeom prst="rect">
-            <a:avLst/>
-          </a:prstGeom>
-        </p:spPr>
-      </p:pic>
-      <p:pic>
-        <p:nvPicPr>
-          <p:cNvPr id="5" name="Grafik 4"/>
-          <p:cNvPicPr>
-            <a:picLocks noChangeAspect="1"/>
-          </p:cNvPicPr>
-          <p:nvPr/>
-        </p:nvPicPr>
-        <p:blipFill>
-          <a:blip r:embed="rId3">
-            <a:extLst>
-              <a:ext uri="{28A0092B-C50C-407E-A947-70E740481C1C}">
-                <a14:useLocalDpi xmlns:a14="http://schemas.microsoft.com/office/drawing/2010/main" val="0"/>
-              </a:ext>
-            </a:extLst>
-          </a:blip>
-          <a:stretch>
-            <a:fillRect/>
-          </a:stretch>
-        </p:blipFill>
-        <p:spPr>
-          <a:xfrm>
-            <a:off x="389233" y="2787774"/>
-            <a:ext cx="8423920" cy="1655984"/>
-          </a:xfrm>
-          <a:prstGeom prst="rect">
-            <a:avLst/>
-          </a:prstGeom>
-        </p:spPr>
-      </p:pic>
-      <p:sp>
-        <p:nvSpPr>
-          <p:cNvPr id="6" name="Textfeld 5"/>
-          <p:cNvSpPr txBox="1"/>
-          <p:nvPr/>
-        </p:nvSpPr>
-        <p:spPr>
-          <a:xfrm>
-            <a:off x="6804248" y="4443758"/>
-            <a:ext cx="2117887" cy="261610"/>
-          </a:xfrm>
-          <a:prstGeom prst="rect">
-            <a:avLst/>
-          </a:prstGeom>
-          <a:noFill/>
-        </p:spPr>
-        <p:txBody>
-          <a:bodyPr wrap="none" rtlCol="0">
-            <a:spAutoFit/>
-          </a:bodyPr>
-          <a:lstStyle/>
-          <a:p>
-            <a:r>
-              <a:rPr lang="de-DE" sz="1100" dirty="0" smtClean="0">
-                <a:solidFill>
-                  <a:srgbClr val="A5A5A5"/>
-                </a:solidFill>
-              </a:rPr>
-              <a:t>Quelle: trends.google.com/</a:t>
-            </a:r>
-            <a:r>
-              <a:rPr lang="de-DE" sz="1100" dirty="0" err="1" smtClean="0">
-                <a:solidFill>
-                  <a:srgbClr val="A5A5A5"/>
-                </a:solidFill>
-              </a:rPr>
-              <a:t>trends</a:t>
-            </a:r>
-            <a:endParaRPr lang="de-DE" sz="1100" dirty="0" smtClean="0">
-              <a:solidFill>
-                <a:srgbClr val="A5A5A5"/>
-              </a:solidFill>
-            </a:endParaRPr>
-          </a:p>
-        </p:txBody>
-      </p:sp>
-    </p:spTree>
-    <p:extLst>
-      <p:ext uri="{BB962C8B-B14F-4D97-AF65-F5344CB8AC3E}">
-        <p14:creationId xmlns:p14="http://schemas.microsoft.com/office/powerpoint/2010/main" val="3252445552"/>
-      </p:ext>
-    </p:extLst>
-  </p:cSld>
-  <p:clrMapOvr>
-    <a:masterClrMapping/>
-  </p:clrMapOvr>
-</p:sld>
-</file>
-
-<file path=ppt/slides/slide6.xml><?xml version="1.0" encoding="utf-8"?>
-<p:sld xmlns:a="http://schemas.openxmlformats.org/drawingml/2006/main" xmlns:r="http://schemas.openxmlformats.org/officeDocument/2006/relationships" xmlns:p="http://schemas.openxmlformats.org/presentationml/2006/main">
-  <p:cSld>
-    <p:spTree>
-      <p:nvGrpSpPr>
-        <p:cNvPr id="1" name=""/>
-        <p:cNvGrpSpPr/>
-        <p:nvPr/>
-      </p:nvGrpSpPr>
-      <p:grpSpPr>
-        <a:xfrm>
-          <a:off x="0" y="0"/>
-          <a:ext cx="0" cy="0"/>
-          <a:chOff x="0" y="0"/>
-          <a:chExt cx="0" cy="0"/>
-        </a:xfrm>
-      </p:grpSpPr>
-      <p:sp>
-        <p:nvSpPr>
-          <p:cNvPr id="2" name="Inhaltsplatzhalter 1"/>
-          <p:cNvSpPr>
-            <a:spLocks noGrp="1"/>
-          </p:cNvSpPr>
-          <p:nvPr>
-            <p:ph idx="1"/>
-          </p:nvPr>
-        </p:nvSpPr>
-        <p:spPr/>
-        <p:txBody>
-          <a:bodyPr/>
-          <a:lstStyle/>
-          <a:p>
-            <a:r>
-              <a:rPr lang="de-DE" dirty="0" smtClean="0"/>
-              <a:t>Dateien im STEP-Format</a:t>
-            </a:r>
-          </a:p>
-          <a:p>
-            <a:r>
-              <a:rPr lang="de-DE" dirty="0" smtClean="0"/>
-              <a:t>…</a:t>
-            </a:r>
-            <a:endParaRPr lang="de-DE" dirty="0"/>
-          </a:p>
-        </p:txBody>
-      </p:sp>
-      <p:sp>
-        <p:nvSpPr>
-          <p:cNvPr id="3" name="Titel 2"/>
-          <p:cNvSpPr>
-            <a:spLocks noGrp="1"/>
-          </p:cNvSpPr>
-          <p:nvPr>
-            <p:ph type="title"/>
-          </p:nvPr>
-        </p:nvSpPr>
-        <p:spPr/>
-        <p:txBody>
-          <a:bodyPr/>
-          <a:lstStyle/>
-          <a:p>
-            <a:r>
-              <a:rPr lang="de-DE" dirty="0" err="1" smtClean="0"/>
-              <a:t>Industry</a:t>
-            </a:r>
-            <a:r>
-              <a:rPr lang="de-DE" dirty="0" smtClean="0"/>
-              <a:t> </a:t>
-            </a:r>
-            <a:r>
-              <a:rPr lang="de-DE" dirty="0" err="1" smtClean="0"/>
-              <a:t>Foundation</a:t>
-            </a:r>
-            <a:r>
-              <a:rPr lang="de-DE" dirty="0" smtClean="0"/>
-              <a:t> </a:t>
-            </a:r>
-            <a:r>
-              <a:rPr lang="de-DE" dirty="0" err="1" smtClean="0"/>
-              <a:t>Classes</a:t>
-            </a:r>
-            <a:endParaRPr lang="de-DE" dirty="0"/>
-          </a:p>
-        </p:txBody>
-      </p:sp>
-    </p:spTree>
-    <p:extLst>
-      <p:ext uri="{BB962C8B-B14F-4D97-AF65-F5344CB8AC3E}">
-        <p14:creationId xmlns:p14="http://schemas.microsoft.com/office/powerpoint/2010/main" val="1947921710"/>
-      </p:ext>
-    </p:extLst>
-  </p:cSld>
-  <p:clrMapOvr>
-    <a:masterClrMapping/>
-  </p:clrMapOvr>
-</p:sld>
-</file>
-
-<file path=ppt/slides/slide7.xml><?xml version="1.0" encoding="utf-8"?>
-<p:sld xmlns:a="http://schemas.openxmlformats.org/drawingml/2006/main" xmlns:r="http://schemas.openxmlformats.org/officeDocument/2006/relationships" xmlns:p="http://schemas.openxmlformats.org/presentationml/2006/main">
-  <p:cSld>
-    <p:spTree>
-      <p:nvGrpSpPr>
-        <p:cNvPr id="1" name=""/>
-        <p:cNvGrpSpPr/>
-        <p:nvPr/>
-      </p:nvGrpSpPr>
-      <p:grpSpPr>
-        <a:xfrm>
-          <a:off x="0" y="0"/>
-          <a:ext cx="0" cy="0"/>
-          <a:chOff x="0" y="0"/>
-          <a:chExt cx="0" cy="0"/>
-        </a:xfrm>
-      </p:grpSpPr>
-      <p:sp>
-        <p:nvSpPr>
-          <p:cNvPr id="4" name="Titel 3"/>
-          <p:cNvSpPr>
-            <a:spLocks noGrp="1"/>
-          </p:cNvSpPr>
-          <p:nvPr>
-            <p:ph type="ctrTitle"/>
-          </p:nvPr>
-        </p:nvSpPr>
-        <p:spPr/>
-        <p:txBody>
-          <a:bodyPr/>
-          <a:lstStyle/>
-          <a:p>
-            <a:r>
-              <a:rPr lang="de-DE" dirty="0" smtClean="0"/>
-              <a:t>Grundlagen</a:t>
-            </a:r>
-            <a:endParaRPr lang="de-DE" dirty="0"/>
-          </a:p>
-        </p:txBody>
-      </p:sp>
-    </p:spTree>
-    <p:extLst>
-      <p:ext uri="{BB962C8B-B14F-4D97-AF65-F5344CB8AC3E}">
-        <p14:creationId xmlns:p14="http://schemas.microsoft.com/office/powerpoint/2010/main" val="4174519752"/>
-      </p:ext>
-    </p:extLst>
-  </p:cSld>
-  <p:clrMapOvr>
-    <a:masterClrMapping/>
-  </p:clrMapOvr>
+  <p:timing>
+    <p:tnLst>
+      <p:par>
+        <p:cTn id="1" dur="indefinite" restart="never" nodeType="tmRoot"/>
+      </p:par>
+    </p:tnLst>
+  </p:timing>
 </p:sld>
 </file>
 
@@ -8593,12 +12323,12 @@
       </p:grpSpPr>
       <p:sp>
         <p:nvSpPr>
-          <p:cNvPr id="2" name="Inhaltsplatzhalter 1"/>
+          <p:cNvPr id="4" name="Titel 3"/>
           <p:cNvSpPr>
             <a:spLocks noGrp="1"/>
           </p:cNvSpPr>
           <p:nvPr>
-            <p:ph idx="1"/>
+            <p:ph type="ctrTitle"/>
           </p:nvPr>
         </p:nvSpPr>
         <p:spPr/>
@@ -8606,28 +12336,9 @@
           <a:bodyPr/>
           <a:lstStyle/>
           <a:p>
-            <a:endParaRPr lang="de-DE"/>
-          </a:p>
-        </p:txBody>
-      </p:sp>
-      <p:sp>
-        <p:nvSpPr>
-          <p:cNvPr id="3" name="Titel 2"/>
-          <p:cNvSpPr>
-            <a:spLocks noGrp="1"/>
-          </p:cNvSpPr>
-          <p:nvPr>
-            <p:ph type="title"/>
-          </p:nvPr>
-        </p:nvSpPr>
-        <p:spPr/>
-        <p:txBody>
-          <a:bodyPr/>
-          <a:lstStyle/>
-          <a:p>
             <a:r>
               <a:rPr lang="de-DE" dirty="0" smtClean="0"/>
-              <a:t>IFC - Materialangabe</a:t>
+              <a:t>Grundlagen</a:t>
             </a:r>
             <a:endParaRPr lang="de-DE" dirty="0"/>
           </a:p>
@@ -8636,13 +12347,20 @@
     </p:spTree>
     <p:extLst>
       <p:ext uri="{BB962C8B-B14F-4D97-AF65-F5344CB8AC3E}">
-        <p14:creationId xmlns:p14="http://schemas.microsoft.com/office/powerpoint/2010/main" val="633551961"/>
+        <p14:creationId xmlns:p14="http://schemas.microsoft.com/office/powerpoint/2010/main" val="4174519752"/>
       </p:ext>
     </p:extLst>
   </p:cSld>
   <p:clrMapOvr>
     <a:masterClrMapping/>
   </p:clrMapOvr>
+  <p:timing>
+    <p:tnLst>
+      <p:par>
+        <p:cTn id="1" dur="indefinite" restart="never" nodeType="tmRoot"/>
+      </p:par>
+    </p:tnLst>
+  </p:timing>
 </p:sld>
 </file>
 
@@ -8678,7 +12396,47 @@
           <a:bodyPr/>
           <a:lstStyle/>
           <a:p>
-            <a:endParaRPr lang="de-DE"/>
+            <a:r>
+              <a:rPr lang="de-DE" dirty="0" smtClean="0"/>
+              <a:t>Öffentlicher internationaler Standard </a:t>
+            </a:r>
+            <a:r>
+              <a:rPr lang="de-DE" dirty="0"/>
+              <a:t>(ISO 16739-1:2018)</a:t>
+            </a:r>
+            <a:endParaRPr lang="de-DE" dirty="0" smtClean="0"/>
+          </a:p>
+          <a:p>
+            <a:r>
+              <a:rPr lang="de-DE" dirty="0" smtClean="0"/>
+              <a:t>Dateien im STEP-Format</a:t>
+            </a:r>
+          </a:p>
+          <a:p>
+            <a:r>
+              <a:rPr lang="de-DE" dirty="0" smtClean="0"/>
+              <a:t>Version 2.3 und 4.0 sind offiziell</a:t>
+            </a:r>
+          </a:p>
+          <a:p>
+            <a:r>
+              <a:rPr lang="de-DE" dirty="0"/>
+              <a:t>für das Bauen, Betreiben oder Nutzen eines Gebäudes </a:t>
+            </a:r>
+          </a:p>
+          <a:p>
+            <a:endParaRPr lang="de-DE" dirty="0" smtClean="0"/>
+          </a:p>
+          <a:p>
+            <a:r>
+              <a:rPr lang="de-DE" dirty="0" smtClean="0"/>
+              <a:t>Implementierung durch </a:t>
+            </a:r>
+            <a:r>
+              <a:rPr lang="de-DE" dirty="0" err="1" smtClean="0"/>
+              <a:t>xbim-toolkit</a:t>
+            </a:r>
+            <a:endParaRPr lang="de-DE" dirty="0"/>
           </a:p>
         </p:txBody>
       </p:sp>
@@ -8698,23 +12456,128 @@
           <a:lstStyle/>
           <a:p>
             <a:r>
+              <a:rPr lang="de-DE" dirty="0" err="1" smtClean="0"/>
+              <a:t>Industry</a:t>
+            </a:r>
+            <a:r>
               <a:rPr lang="de-DE" dirty="0" smtClean="0"/>
-              <a:t>Kostengliederung</a:t>
+              <a:t> </a:t>
+            </a:r>
+            <a:r>
+              <a:rPr lang="de-DE" dirty="0" err="1" smtClean="0"/>
+              <a:t>Foundation</a:t>
+            </a:r>
+            <a:r>
+              <a:rPr lang="de-DE" dirty="0" smtClean="0"/>
+              <a:t> </a:t>
+            </a:r>
+            <a:r>
+              <a:rPr lang="de-DE" dirty="0" err="1" smtClean="0"/>
+              <a:t>Classes</a:t>
             </a:r>
             <a:endParaRPr lang="de-DE" dirty="0"/>
           </a:p>
         </p:txBody>
       </p:sp>
+      <p:pic>
+        <p:nvPicPr>
+          <p:cNvPr id="1028" name="Picture 4" descr="Details - BIM-Trend: Gemeinsame Nutzung von Informationen mit IFC"/>
+          <p:cNvPicPr>
+            <a:picLocks noChangeAspect="1" noChangeArrowheads="1"/>
+          </p:cNvPicPr>
+          <p:nvPr/>
+        </p:nvPicPr>
+        <p:blipFill>
+          <a:blip r:embed="rId3" cstate="print">
+            <a:extLst>
+              <a:ext uri="{28A0092B-C50C-407E-A947-70E740481C1C}">
+                <a14:useLocalDpi xmlns:a14="http://schemas.microsoft.com/office/drawing/2010/main" val="0"/>
+              </a:ext>
+            </a:extLst>
+          </a:blip>
+          <a:srcRect/>
+          <a:stretch>
+            <a:fillRect/>
+          </a:stretch>
+        </p:blipFill>
+        <p:spPr bwMode="auto">
+          <a:xfrm>
+            <a:off x="7850304" y="1419622"/>
+            <a:ext cx="768938" cy="763686"/>
+          </a:xfrm>
+          <a:prstGeom prst="rect">
+            <a:avLst/>
+          </a:prstGeom>
+          <a:noFill/>
+          <a:extLst>
+            <a:ext uri="{909E8E84-426E-40DD-AFC4-6F175D3DCCD1}">
+              <a14:hiddenFill xmlns:a14="http://schemas.microsoft.com/office/drawing/2010/main">
+                <a:solidFill>
+                  <a:srgbClr val="FFFFFF"/>
+                </a:solidFill>
+              </a14:hiddenFill>
+            </a:ext>
+          </a:extLst>
+        </p:spPr>
+      </p:pic>
+      <p:pic>
+        <p:nvPicPr>
+          <p:cNvPr id="1032" name="Picture 8" descr="xbim · GitHub"/>
+          <p:cNvPicPr>
+            <a:picLocks noChangeAspect="1" noChangeArrowheads="1"/>
+          </p:cNvPicPr>
+          <p:nvPr/>
+        </p:nvPicPr>
+        <p:blipFill>
+          <a:blip r:embed="rId4" cstate="print">
+            <a:extLst>
+              <a:ext uri="{28A0092B-C50C-407E-A947-70E740481C1C}">
+                <a14:useLocalDpi xmlns:a14="http://schemas.microsoft.com/office/drawing/2010/main" val="0"/>
+              </a:ext>
+            </a:extLst>
+          </a:blip>
+          <a:srcRect/>
+          <a:stretch>
+            <a:fillRect/>
+          </a:stretch>
+        </p:blipFill>
+        <p:spPr bwMode="auto">
+          <a:xfrm>
+            <a:off x="5364088" y="3219822"/>
+            <a:ext cx="794846" cy="794846"/>
+          </a:xfrm>
+          <a:prstGeom prst="rect">
+            <a:avLst/>
+          </a:prstGeom>
+          <a:noFill/>
+          <a:extLst>
+            <a:ext uri="{909E8E84-426E-40DD-AFC4-6F175D3DCCD1}">
+              <a14:hiddenFill xmlns:a14="http://schemas.microsoft.com/office/drawing/2010/main">
+                <a:solidFill>
+                  <a:srgbClr val="FFFFFF"/>
+                </a:solidFill>
+              </a14:hiddenFill>
+            </a:ext>
+          </a:extLst>
+        </p:spPr>
+      </p:pic>
     </p:spTree>
     <p:extLst>
       <p:ext uri="{BB962C8B-B14F-4D97-AF65-F5344CB8AC3E}">
-        <p14:creationId xmlns:p14="http://schemas.microsoft.com/office/powerpoint/2010/main" val="3443002452"/>
+        <p14:creationId xmlns:p14="http://schemas.microsoft.com/office/powerpoint/2010/main" val="1947921710"/>
       </p:ext>
     </p:extLst>
   </p:cSld>
   <p:clrMapOvr>
     <a:masterClrMapping/>
   </p:clrMapOvr>
+  <p:timing>
+    <p:tnLst>
+      <p:par>
+        <p:cTn id="1" dur="indefinite" restart="never" nodeType="tmRoot"/>
+      </p:par>
+    </p:tnLst>
+  </p:timing>
 </p:sld>
 </file>
 
@@ -9951,21 +13814,6 @@
 </file>
 
 <file path=customXml/item1.xml><?xml version="1.0" encoding="utf-8"?>
-<p:properties xmlns:p="http://schemas.microsoft.com/office/2006/metadata/properties" xmlns:xsi="http://www.w3.org/2001/XMLSchema-instance" xmlns:pc="http://schemas.microsoft.com/office/infopath/2007/PartnerControls">
-  <documentManagement/>
-</p:properties>
-</file>
-
-<file path=customXml/item2.xml><?xml version="1.0" encoding="utf-8"?>
-<?mso-contentType ?>
-<FormTemplates xmlns="http://schemas.microsoft.com/sharepoint/v3/contenttype/forms">
-  <Display>DocumentLibraryForm</Display>
-  <Edit>DocumentLibraryForm</Edit>
-  <New>DocumentLibraryForm</New>
-</FormTemplates>
-</file>
-
-<file path=customXml/item3.xml><?xml version="1.0" encoding="utf-8"?>
 <ct:contentTypeSchema xmlns:ct="http://schemas.microsoft.com/office/2006/metadata/contentType" xmlns:ma="http://schemas.microsoft.com/office/2006/metadata/properties/metaAttributes" ct:_="" ma:_="" ma:contentTypeName="Dokument" ma:contentTypeID="0x010100C1AAA88847E5A34FBE965DB14ED4FB92" ma:contentTypeVersion="2" ma:contentTypeDescription="Ein neues Dokument erstellen." ma:contentTypeScope="" ma:versionID="a4e427f621f4f6e6a164097c7573607c">
   <xsd:schema xmlns:xsd="http://www.w3.org/2001/XMLSchema" xmlns:xs="http://www.w3.org/2001/XMLSchema" xmlns:p="http://schemas.microsoft.com/office/2006/metadata/properties" xmlns:ns2="b8ed02ec-8593-493e-9a01-19540c573753" targetNamespace="http://schemas.microsoft.com/office/2006/metadata/properties" ma:root="true" ma:fieldsID="32b251a9bbec08ea452b859a001329b0" ns2:_="">
     <xsd:import namespace="b8ed02ec-8593-493e-9a01-19540c573753"/>
@@ -10097,7 +13945,40 @@
 </ct:contentTypeSchema>
 </file>
 
+<file path=customXml/item2.xml><?xml version="1.0" encoding="utf-8"?>
+<p:properties xmlns:p="http://schemas.microsoft.com/office/2006/metadata/properties" xmlns:xsi="http://www.w3.org/2001/XMLSchema-instance" xmlns:pc="http://schemas.microsoft.com/office/infopath/2007/PartnerControls">
+  <documentManagement/>
+</p:properties>
+</file>
+
+<file path=customXml/item3.xml><?xml version="1.0" encoding="utf-8"?>
+<?mso-contentType ?>
+<FormTemplates xmlns="http://schemas.microsoft.com/sharepoint/v3/contenttype/forms">
+  <Display>DocumentLibraryForm</Display>
+  <Edit>DocumentLibraryForm</Edit>
+  <New>DocumentLibraryForm</New>
+</FormTemplates>
+</file>
+
 <file path=customXml/itemProps1.xml><?xml version="1.0" encoding="utf-8"?>
+<ds:datastoreItem xmlns:ds="http://schemas.openxmlformats.org/officeDocument/2006/customXml" ds:itemID="{FE6C2BA6-D294-44CB-A59A-9773D5143B6E}">
+  <ds:schemaRefs>
+    <ds:schemaRef ds:uri="http://schemas.microsoft.com/office/2006/metadata/contentType"/>
+    <ds:schemaRef ds:uri="http://schemas.microsoft.com/office/2006/metadata/properties/metaAttributes"/>
+    <ds:schemaRef ds:uri="http://www.w3.org/2001/XMLSchema"/>
+    <ds:schemaRef ds:uri="http://schemas.microsoft.com/office/2006/metadata/properties"/>
+    <ds:schemaRef ds:uri="b8ed02ec-8593-493e-9a01-19540c573753"/>
+    <ds:schemaRef ds:uri="http://schemas.microsoft.com/office/2006/documentManagement/types"/>
+    <ds:schemaRef ds:uri="http://schemas.microsoft.com/office/infopath/2007/PartnerControls"/>
+    <ds:schemaRef ds:uri="http://schemas.openxmlformats.org/package/2006/metadata/core-properties"/>
+    <ds:schemaRef ds:uri="http://purl.org/dc/elements/1.1/"/>
+    <ds:schemaRef ds:uri="http://purl.org/dc/terms/"/>
+    <ds:schemaRef ds:uri="http://schemas.microsoft.com/internal/obd"/>
+  </ds:schemaRefs>
+</ds:datastoreItem>
+</file>
+
+<file path=customXml/itemProps2.xml><?xml version="1.0" encoding="utf-8"?>
 <ds:datastoreItem xmlns:ds="http://schemas.openxmlformats.org/officeDocument/2006/customXml" ds:itemID="{54BDA427-3975-45F3-AE3A-BC351A67E0B2}">
   <ds:schemaRefs>
     <ds:schemaRef ds:uri="http://purl.org/dc/terms/"/>
@@ -10113,28 +13994,10 @@
 </ds:datastoreItem>
 </file>
 
-<file path=customXml/itemProps2.xml><?xml version="1.0" encoding="utf-8"?>
+<file path=customXml/itemProps3.xml><?xml version="1.0" encoding="utf-8"?>
 <ds:datastoreItem xmlns:ds="http://schemas.openxmlformats.org/officeDocument/2006/customXml" ds:itemID="{59B52310-BFE7-4F7D-A5D9-2731AD38FF4C}">
   <ds:schemaRefs>
     <ds:schemaRef ds:uri="http://schemas.microsoft.com/sharepoint/v3/contenttype/forms"/>
   </ds:schemaRefs>
 </ds:datastoreItem>
-</file>
-
-<file path=customXml/itemProps3.xml><?xml version="1.0" encoding="utf-8"?>
-<ds:datastoreItem xmlns:ds="http://schemas.openxmlformats.org/officeDocument/2006/customXml" ds:itemID="{FE6C2BA6-D294-44CB-A59A-9773D5143B6E}">
-  <ds:schemaRefs>
-    <ds:schemaRef ds:uri="http://schemas.microsoft.com/office/2006/metadata/contentType"/>
-    <ds:schemaRef ds:uri="http://schemas.microsoft.com/office/2006/metadata/properties/metaAttributes"/>
-    <ds:schemaRef ds:uri="http://www.w3.org/2001/XMLSchema"/>
-    <ds:schemaRef ds:uri="http://schemas.microsoft.com/office/2006/metadata/properties"/>
-    <ds:schemaRef ds:uri="b8ed02ec-8593-493e-9a01-19540c573753"/>
-    <ds:schemaRef ds:uri="http://schemas.microsoft.com/office/2006/documentManagement/types"/>
-    <ds:schemaRef ds:uri="http://schemas.microsoft.com/office/infopath/2007/PartnerControls"/>
-    <ds:schemaRef ds:uri="http://schemas.openxmlformats.org/package/2006/metadata/core-properties"/>
-    <ds:schemaRef ds:uri="http://purl.org/dc/elements/1.1/"/>
-    <ds:schemaRef ds:uri="http://purl.org/dc/terms/"/>
-    <ds:schemaRef ds:uri="http://schemas.microsoft.com/internal/obd"/>
-  </ds:schemaRefs>
-</ds:datastoreItem>
 </file>